--- a/lectures/Lect04_ModelSelection.pptx
+++ b/lectures/Lect04_ModelSelection.pptx
@@ -1,11 +1,11 @@
 
 <file path=ppt/presentation.xml><?xml version="1.0" encoding="utf-8"?>
-<p:presentation xmlns:a="http://schemas.openxmlformats.org/drawingml/2006/main" xmlns:r="http://schemas.openxmlformats.org/officeDocument/2006/relationships" xmlns:p="http://schemas.openxmlformats.org/presentationml/2006/main" autoCompressPictures="0">
+<p:presentation xmlns:a="http://schemas.openxmlformats.org/drawingml/2006/main" xmlns:r="http://schemas.openxmlformats.org/officeDocument/2006/relationships" xmlns:p="http://schemas.openxmlformats.org/presentationml/2006/main" saveSubsetFonts="1" autoCompressPictures="0">
   <p:sldMasterIdLst>
     <p:sldMasterId id="2147483648" r:id="rId1"/>
   </p:sldMasterIdLst>
   <p:notesMasterIdLst>
-    <p:notesMasterId r:id="rId39"/>
+    <p:notesMasterId r:id="rId44"/>
   </p:notesMasterIdLst>
   <p:sldIdLst>
     <p:sldId id="258" r:id="rId2"/>
@@ -30,21 +30,26 @@
     <p:sldId id="361" r:id="rId21"/>
     <p:sldId id="365" r:id="rId22"/>
     <p:sldId id="363" r:id="rId23"/>
-    <p:sldId id="366" r:id="rId24"/>
-    <p:sldId id="368" r:id="rId25"/>
-    <p:sldId id="369" r:id="rId26"/>
+    <p:sldId id="381" r:id="rId24"/>
+    <p:sldId id="366" r:id="rId25"/>
+    <p:sldId id="368" r:id="rId26"/>
     <p:sldId id="370" r:id="rId27"/>
-    <p:sldId id="375" r:id="rId28"/>
-    <p:sldId id="344" r:id="rId29"/>
-    <p:sldId id="345" r:id="rId30"/>
-    <p:sldId id="346" r:id="rId31"/>
-    <p:sldId id="347" r:id="rId32"/>
-    <p:sldId id="354" r:id="rId33"/>
-    <p:sldId id="348" r:id="rId34"/>
-    <p:sldId id="355" r:id="rId35"/>
-    <p:sldId id="356" r:id="rId36"/>
-    <p:sldId id="357" r:id="rId37"/>
-    <p:sldId id="373" r:id="rId38"/>
+    <p:sldId id="344" r:id="rId28"/>
+    <p:sldId id="345" r:id="rId29"/>
+    <p:sldId id="346" r:id="rId30"/>
+    <p:sldId id="347" r:id="rId31"/>
+    <p:sldId id="354" r:id="rId32"/>
+    <p:sldId id="348" r:id="rId33"/>
+    <p:sldId id="355" r:id="rId34"/>
+    <p:sldId id="356" r:id="rId35"/>
+    <p:sldId id="357" r:id="rId36"/>
+    <p:sldId id="376" r:id="rId37"/>
+    <p:sldId id="377" r:id="rId38"/>
+    <p:sldId id="378" r:id="rId39"/>
+    <p:sldId id="379" r:id="rId40"/>
+    <p:sldId id="380" r:id="rId41"/>
+    <p:sldId id="373" r:id="rId42"/>
+    <p:sldId id="382" r:id="rId43"/>
   </p:sldIdLst>
   <p:sldSz cx="12192000" cy="6858000"/>
   <p:notesSz cx="7315200" cy="9601200"/>
@@ -162,10 +167,6 @@
 </p:presentation>
 </file>
 
-<file path=ppt/revisionInfo.xml><?xml version="1.0" encoding="utf-8"?>
-<p1510:revInfo xmlns:a="http://schemas.openxmlformats.org/drawingml/2006/main" xmlns:r="http://schemas.openxmlformats.org/officeDocument/2006/relationships" xmlns:p1510="http://schemas.microsoft.com/office/powerpoint/2015/10/main"/>
-</file>
-
 <file path=ppt/notesMasters/notesMaster1.xml><?xml version="1.0" encoding="utf-8"?>
 <p:notesMaster xmlns:a="http://schemas.openxmlformats.org/drawingml/2006/main" xmlns:r="http://schemas.openxmlformats.org/officeDocument/2006/relationships" xmlns:p="http://schemas.openxmlformats.org/presentationml/2006/main">
   <p:cSld>
@@ -248,7 +249,7 @@
           <a:p>
             <a:fld id="{B7D6DDD3-D7E9-488B-B626-1E8285E424D8}" type="datetimeFigureOut">
               <a:rPr lang="en-US" smtClean="0"/>
-              <a:t>9/16/2017</a:t>
+              <a:t>2/3/18</a:t>
             </a:fld>
             <a:endParaRPr lang="en-US"/>
           </a:p>
@@ -1849,7 +1850,7 @@
     </p:spTree>
     <p:extLst>
       <p:ext uri="{BB962C8B-B14F-4D97-AF65-F5344CB8AC3E}">
-        <p14:creationId xmlns:p14="http://schemas.microsoft.com/office/powerpoint/2010/main" val="3467173066"/>
+        <p14:creationId xmlns:p14="http://schemas.microsoft.com/office/powerpoint/2010/main" val="207671133"/>
       </p:ext>
     </p:extLst>
   </p:cSld>
@@ -1933,7 +1934,7 @@
     </p:spTree>
     <p:extLst>
       <p:ext uri="{BB962C8B-B14F-4D97-AF65-F5344CB8AC3E}">
-        <p14:creationId xmlns:p14="http://schemas.microsoft.com/office/powerpoint/2010/main" val="1800700008"/>
+        <p14:creationId xmlns:p14="http://schemas.microsoft.com/office/powerpoint/2010/main" val="3467173066"/>
       </p:ext>
     </p:extLst>
   </p:cSld>
@@ -2017,7 +2018,7 @@
     </p:spTree>
     <p:extLst>
       <p:ext uri="{BB962C8B-B14F-4D97-AF65-F5344CB8AC3E}">
-        <p14:creationId xmlns:p14="http://schemas.microsoft.com/office/powerpoint/2010/main" val="4251185522"/>
+        <p14:creationId xmlns:p14="http://schemas.microsoft.com/office/powerpoint/2010/main" val="1800700008"/>
       </p:ext>
     </p:extLst>
   </p:cSld>
@@ -2185,7 +2186,7 @@
     </p:spTree>
     <p:extLst>
       <p:ext uri="{BB962C8B-B14F-4D97-AF65-F5344CB8AC3E}">
-        <p14:creationId xmlns:p14="http://schemas.microsoft.com/office/powerpoint/2010/main" val="3852508091"/>
+        <p14:creationId xmlns:p14="http://schemas.microsoft.com/office/powerpoint/2010/main" val="2016617963"/>
       </p:ext>
     </p:extLst>
   </p:cSld>
@@ -2269,7 +2270,7 @@
     </p:spTree>
     <p:extLst>
       <p:ext uri="{BB962C8B-B14F-4D97-AF65-F5344CB8AC3E}">
-        <p14:creationId xmlns:p14="http://schemas.microsoft.com/office/powerpoint/2010/main" val="2016617963"/>
+        <p14:creationId xmlns:p14="http://schemas.microsoft.com/office/powerpoint/2010/main" val="574304582"/>
       </p:ext>
     </p:extLst>
   </p:cSld>
@@ -2353,7 +2354,7 @@
     </p:spTree>
     <p:extLst>
       <p:ext uri="{BB962C8B-B14F-4D97-AF65-F5344CB8AC3E}">
-        <p14:creationId xmlns:p14="http://schemas.microsoft.com/office/powerpoint/2010/main" val="574304582"/>
+        <p14:creationId xmlns:p14="http://schemas.microsoft.com/office/powerpoint/2010/main" val="439363715"/>
       </p:ext>
     </p:extLst>
   </p:cSld>
@@ -2521,7 +2522,7 @@
     </p:spTree>
     <p:extLst>
       <p:ext uri="{BB962C8B-B14F-4D97-AF65-F5344CB8AC3E}">
-        <p14:creationId xmlns:p14="http://schemas.microsoft.com/office/powerpoint/2010/main" val="439363715"/>
+        <p14:creationId xmlns:p14="http://schemas.microsoft.com/office/powerpoint/2010/main" val="863789208"/>
       </p:ext>
     </p:extLst>
   </p:cSld>
@@ -2605,7 +2606,7 @@
     </p:spTree>
     <p:extLst>
       <p:ext uri="{BB962C8B-B14F-4D97-AF65-F5344CB8AC3E}">
-        <p14:creationId xmlns:p14="http://schemas.microsoft.com/office/powerpoint/2010/main" val="863789208"/>
+        <p14:creationId xmlns:p14="http://schemas.microsoft.com/office/powerpoint/2010/main" val="532935670"/>
       </p:ext>
     </p:extLst>
   </p:cSld>
@@ -2689,7 +2690,7 @@
     </p:spTree>
     <p:extLst>
       <p:ext uri="{BB962C8B-B14F-4D97-AF65-F5344CB8AC3E}">
-        <p14:creationId xmlns:p14="http://schemas.microsoft.com/office/powerpoint/2010/main" val="532935670"/>
+        <p14:creationId xmlns:p14="http://schemas.microsoft.com/office/powerpoint/2010/main" val="3538665065"/>
       </p:ext>
     </p:extLst>
   </p:cSld>
@@ -2773,7 +2774,7 @@
     </p:spTree>
     <p:extLst>
       <p:ext uri="{BB962C8B-B14F-4D97-AF65-F5344CB8AC3E}">
-        <p14:creationId xmlns:p14="http://schemas.microsoft.com/office/powerpoint/2010/main" val="3538665065"/>
+        <p14:creationId xmlns:p14="http://schemas.microsoft.com/office/powerpoint/2010/main" val="4155090092"/>
       </p:ext>
     </p:extLst>
   </p:cSld>
@@ -2857,7 +2858,7 @@
     </p:spTree>
     <p:extLst>
       <p:ext uri="{BB962C8B-B14F-4D97-AF65-F5344CB8AC3E}">
-        <p14:creationId xmlns:p14="http://schemas.microsoft.com/office/powerpoint/2010/main" val="4155090092"/>
+        <p14:creationId xmlns:p14="http://schemas.microsoft.com/office/powerpoint/2010/main" val="182889350"/>
       </p:ext>
     </p:extLst>
   </p:cSld>
@@ -2941,7 +2942,7 @@
     </p:spTree>
     <p:extLst>
       <p:ext uri="{BB962C8B-B14F-4D97-AF65-F5344CB8AC3E}">
-        <p14:creationId xmlns:p14="http://schemas.microsoft.com/office/powerpoint/2010/main" val="182889350"/>
+        <p14:creationId xmlns:p14="http://schemas.microsoft.com/office/powerpoint/2010/main" val="1843995587"/>
       </p:ext>
     </p:extLst>
   </p:cSld>
@@ -3016,7 +3017,7 @@
           <a:p>
             <a:fld id="{65CF6084-2C3C-4FE7-B181-D16A3429058A}" type="slidenum">
               <a:rPr lang="en-US" smtClean="0"/>
-              <a:t>36</a:t>
+              <a:t>41</a:t>
             </a:fld>
             <a:endParaRPr lang="en-US"/>
           </a:p>
@@ -3025,7 +3026,7 @@
     </p:spTree>
     <p:extLst>
       <p:ext uri="{BB962C8B-B14F-4D97-AF65-F5344CB8AC3E}">
-        <p14:creationId xmlns:p14="http://schemas.microsoft.com/office/powerpoint/2010/main" val="1843995587"/>
+        <p14:creationId xmlns:p14="http://schemas.microsoft.com/office/powerpoint/2010/main" val="3903655377"/>
       </p:ext>
     </p:extLst>
   </p:cSld>
@@ -3100,7 +3101,7 @@
           <a:p>
             <a:fld id="{65CF6084-2C3C-4FE7-B181-D16A3429058A}" type="slidenum">
               <a:rPr lang="en-US" smtClean="0"/>
-              <a:t>37</a:t>
+              <a:t>42</a:t>
             </a:fld>
             <a:endParaRPr lang="en-US"/>
           </a:p>
@@ -3109,7 +3110,7 @@
     </p:spTree>
     <p:extLst>
       <p:ext uri="{BB962C8B-B14F-4D97-AF65-F5344CB8AC3E}">
-        <p14:creationId xmlns:p14="http://schemas.microsoft.com/office/powerpoint/2010/main" val="3903655377"/>
+        <p14:creationId xmlns:p14="http://schemas.microsoft.com/office/powerpoint/2010/main" val="2405131791"/>
       </p:ext>
     </p:extLst>
   </p:cSld>
@@ -7186,7 +7187,23 @@
           <a:p>
             <a:r>
               <a:rPr lang="en-US" dirty="0"/>
-              <a:t>Prof. Sundeep rangan</a:t>
+              <a:t>Prof. </a:t>
+            </a:r>
+            <a:r>
+              <a:rPr lang="en-US" dirty="0" err="1"/>
+              <a:t>Sundeep</a:t>
+            </a:r>
+            <a:r>
+              <a:rPr lang="en-US" dirty="0"/>
+              <a:t> </a:t>
+            </a:r>
+            <a:r>
+              <a:rPr lang="en-US" dirty="0" err="1"/>
+              <a:t>rangan</a:t>
+            </a:r>
+            <a:r>
+              <a:rPr lang="en-US" dirty="0"/>
+              <a:t> (with modification by Yao Wang)</a:t>
             </a:r>
           </a:p>
         </p:txBody>
@@ -8333,8 +8350,8 @@
           </a:p>
         </p:txBody>
       </p:sp>
-      <mc:AlternateContent xmlns:mc="http://schemas.openxmlformats.org/markup-compatibility/2006">
-        <mc:Choice xmlns:a14="http://schemas.microsoft.com/office/drawing/2010/main" Requires="a14">
+      <mc:AlternateContent xmlns:mc="http://schemas.openxmlformats.org/markup-compatibility/2006" xmlns:a14="http://schemas.microsoft.com/office/drawing/2010/main">
+        <mc:Choice Requires="a14">
           <p:sp>
             <p:nvSpPr>
               <p:cNvPr id="3" name="Content Placeholder 2">
@@ -9292,7 +9309,7 @@
             </p:txBody>
           </p:sp>
         </mc:Choice>
-        <mc:Fallback>
+        <mc:Fallback xmlns="">
           <p:sp>
             <p:nvSpPr>
               <p:cNvPr id="3" name="Content Placeholder 2">
@@ -9413,8 +9430,8 @@
           </a:p>
         </p:txBody>
       </p:sp>
-      <mc:AlternateContent xmlns:mc="http://schemas.openxmlformats.org/markup-compatibility/2006">
-        <mc:Choice xmlns:a14="http://schemas.microsoft.com/office/drawing/2010/main" Requires="a14">
+      <mc:AlternateContent xmlns:mc="http://schemas.openxmlformats.org/markup-compatibility/2006" xmlns:a14="http://schemas.microsoft.com/office/drawing/2010/main">
+        <mc:Choice Requires="a14">
           <p:sp>
             <p:nvSpPr>
               <p:cNvPr id="3" name="Content Placeholder 2"/>
@@ -9841,7 +9858,7 @@
             </p:txBody>
           </p:sp>
         </mc:Choice>
-        <mc:Fallback>
+        <mc:Fallback xmlns="">
           <p:sp>
             <p:nvSpPr>
               <p:cNvPr id="3" name="Content Placeholder 2"/>
@@ -10019,7 +10036,7 @@
                 </a14:m>
                 <a:r>
                   <a:rPr lang="en-US" dirty="0"/>
-                  <a:t> (computed from the learning algorithm)</a:t>
+                  <a:t> (computed from the learning algorithm for a fixed training set)</a:t>
                 </a:r>
               </a:p>
               <a:p>
@@ -10524,7 +10541,7 @@
               <a:blipFill>
                 <a:blip r:embed="rId3"/>
                 <a:stretch>
-                  <a:fillRect l="-1455" t="-1549"/>
+                  <a:fillRect l="-1261" t="-1462"/>
                 </a:stretch>
               </a:blipFill>
             </p:spPr>
@@ -10630,8 +10647,8 @@
           </a:p>
         </p:txBody>
       </p:sp>
-      <mc:AlternateContent xmlns:mc="http://schemas.openxmlformats.org/markup-compatibility/2006">
-        <mc:Choice xmlns:a14="http://schemas.microsoft.com/office/drawing/2010/main" Requires="a14">
+      <mc:AlternateContent xmlns:mc="http://schemas.openxmlformats.org/markup-compatibility/2006" xmlns:a14="http://schemas.microsoft.com/office/drawing/2010/main">
+        <mc:Choice Requires="a14">
           <p:sp>
             <p:nvSpPr>
               <p:cNvPr id="3" name="Content Placeholder 2">
@@ -11193,13 +11210,7 @@
                       <a:rPr lang="en-US" i="1">
                         <a:latin typeface="Cambria Math" panose="02040503050406030204" pitchFamily="18" charset="0"/>
                       </a:rPr>
-                      <m:t>≔</m:t>
-                    </m:r>
-                    <m:r>
-                      <a:rPr lang="en-US" i="1">
-                        <a:latin typeface="Cambria Math" panose="02040503050406030204" pitchFamily="18" charset="0"/>
-                      </a:rPr>
-                      <m:t> </m:t>
+                      <m:t>≔ </m:t>
                     </m:r>
                     <m:sSup>
                       <m:sSupPr>
@@ -11390,7 +11401,7 @@
                     <m:d>
                       <m:dPr>
                         <m:ctrlPr>
-                          <a:rPr lang="en-US" b="0" i="0" smtClean="0">
+                          <a:rPr lang="en-US" b="0" i="1" smtClean="0">
                             <a:latin typeface="Cambria Math" panose="02040503050406030204" pitchFamily="18" charset="0"/>
                           </a:rPr>
                         </m:ctrlPr>
@@ -11906,7 +11917,7 @@
             </p:txBody>
           </p:sp>
         </mc:Choice>
-        <mc:Fallback>
+        <mc:Fallback xmlns="">
           <p:sp>
             <p:nvSpPr>
               <p:cNvPr id="3" name="Content Placeholder 2">
@@ -12033,8 +12044,8 @@
           </a:p>
         </p:txBody>
       </p:sp>
-      <mc:AlternateContent xmlns:mc="http://schemas.openxmlformats.org/markup-compatibility/2006">
-        <mc:Choice xmlns:a14="http://schemas.microsoft.com/office/drawing/2010/main" Requires="a14">
+      <mc:AlternateContent xmlns:mc="http://schemas.openxmlformats.org/markup-compatibility/2006" xmlns:a14="http://schemas.microsoft.com/office/drawing/2010/main">
+        <mc:Choice Requires="a14">
           <p:sp>
             <p:nvSpPr>
               <p:cNvPr id="3" name="Content Placeholder 2">
@@ -12561,7 +12572,7 @@
             </p:txBody>
           </p:sp>
         </mc:Choice>
-        <mc:Fallback>
+        <mc:Fallback xmlns="">
           <p:sp>
             <p:nvSpPr>
               <p:cNvPr id="3" name="Content Placeholder 2">
@@ -14033,8 +14044,8 @@
           </a:p>
         </p:txBody>
       </p:sp>
-      <mc:AlternateContent xmlns:mc="http://schemas.openxmlformats.org/markup-compatibility/2006" xmlns:a14="http://schemas.microsoft.com/office/drawing/2010/main">
-        <mc:Choice Requires="a14">
+      <mc:AlternateContent xmlns:mc="http://schemas.openxmlformats.org/markup-compatibility/2006">
+        <mc:Choice xmlns:a14="http://schemas.microsoft.com/office/drawing/2010/main" Requires="a14">
           <p:sp>
             <p:nvSpPr>
               <p:cNvPr id="3" name="Content Placeholder 2">
@@ -14817,7 +14828,7 @@
                 <a:pPr lvl="1"/>
                 <a:r>
                   <a:rPr lang="en-US" dirty="0"/>
-                  <a:t>Fitting finds best least squares fit of the true functions in the model class</a:t>
+                  <a:t>Minimizing training error finds best least squares fit of the true functions in the model class</a:t>
                 </a:r>
               </a:p>
               <a:p>
@@ -14893,7 +14904,7 @@
             </p:txBody>
           </p:sp>
         </mc:Choice>
-        <mc:Fallback xmlns="">
+        <mc:Fallback>
           <p:sp>
             <p:nvSpPr>
               <p:cNvPr id="3" name="Content Placeholder 2">
@@ -14914,7 +14925,7 @@
               <a:blipFill>
                 <a:blip r:embed="rId3"/>
                 <a:stretch>
-                  <a:fillRect l="-1455" t="-1549"/>
+                  <a:fillRect l="-1261" t="-1462"/>
                 </a:stretch>
               </a:blipFill>
             </p:spPr>
@@ -15031,13 +15042,21 @@
           <a:p>
             <a:r>
               <a:rPr lang="en-US" dirty="0"/>
-              <a:t>Identify the order of a linear model</a:t>
+              <a:t>Understand the concept of model class and model order</a:t>
             </a:r>
           </a:p>
           <a:p>
             <a:r>
               <a:rPr lang="en-US" dirty="0"/>
-              <a:t>Visually identify overfitting and underfitting in a scatterplot</a:t>
+              <a:t>Visually identify overfitting and </a:t>
+            </a:r>
+            <a:r>
+              <a:rPr lang="en-US" dirty="0" err="1"/>
+              <a:t>underfitting</a:t>
+            </a:r>
+            <a:r>
+              <a:rPr lang="en-US" dirty="0"/>
+              <a:t> of a model in a scatterplot</a:t>
             </a:r>
           </a:p>
           <a:p>
@@ -15049,26 +15068,34 @@
           <a:p>
             <a:r>
               <a:rPr lang="en-US" dirty="0"/>
-              <a:t>Compute the irreducible error for a model</a:t>
-            </a:r>
-          </a:p>
-          <a:p>
-            <a:r>
-              <a:rPr lang="en-US" dirty="0"/>
-              <a:t>Compute bias in a model class for the case of no noise</a:t>
+              <a:t>Understand the concept of bias, variance and the irreducible error for a model</a:t>
             </a:r>
           </a:p>
           <a:p>
             <a:pPr lvl="1"/>
             <a:r>
               <a:rPr lang="en-US" dirty="0"/>
-              <a:t>Computing variance is more advanced and not considered here</a:t>
+              <a:t>Know how to compute each from synthetically generated data</a:t>
             </a:r>
           </a:p>
           <a:p>
             <a:r>
               <a:rPr lang="en-US" dirty="0"/>
-              <a:t>Write a program to perform cross-validation to select an optimal model order</a:t>
+              <a:t>Understand the cross-validation process</a:t>
+            </a:r>
+          </a:p>
+          <a:p>
+            <a:pPr lvl="1"/>
+            <a:r>
+              <a:rPr lang="en-US" dirty="0"/>
+              <a:t>Use it to assess the test error for a given model </a:t>
+            </a:r>
+          </a:p>
+          <a:p>
+            <a:pPr lvl="1"/>
+            <a:r>
+              <a:rPr lang="en-US" dirty="0"/>
+              <a:t>Use it to select an optimal model order and for feature selection</a:t>
             </a:r>
           </a:p>
           <a:p>
@@ -15515,7 +15542,7 @@
               <a:p>
                 <a:r>
                   <a:rPr lang="en-US" dirty="0"/>
-                  <a:t>Measures difference true and estimated relation in absence of noise</a:t>
+                  <a:t>Measures the difference between true and estimated relation in absence of noise</a:t>
                 </a:r>
               </a:p>
               <a:p>
@@ -15591,7 +15618,7 @@
                 </a14:m>
                 <a:r>
                   <a:rPr lang="en-US" dirty="0"/>
-                  <a:t> and true parameter found.</a:t>
+                  <a:t> and true parameter can be found if there are sufficient training data.</a:t>
                 </a:r>
               </a:p>
             </p:txBody>
@@ -15618,7 +15645,7 @@
               <a:blipFill>
                 <a:blip r:embed="rId3"/>
                 <a:stretch>
-                  <a:fillRect l="-1455" t="-1549"/>
+                  <a:fillRect l="-1261" t="-1462"/>
                 </a:stretch>
               </a:blipFill>
             </p:spPr>
@@ -15724,8 +15751,8 @@
           </a:p>
         </p:txBody>
       </p:sp>
-      <mc:AlternateContent xmlns:mc="http://schemas.openxmlformats.org/markup-compatibility/2006">
-        <mc:Choice xmlns:a14="http://schemas.microsoft.com/office/drawing/2010/main" Requires="a14">
+      <mc:AlternateContent xmlns:mc="http://schemas.openxmlformats.org/markup-compatibility/2006" xmlns:a14="http://schemas.microsoft.com/office/drawing/2010/main">
+        <mc:Choice Requires="a14">
           <p:sp>
             <p:nvSpPr>
               <p:cNvPr id="3" name="Content Placeholder 2">
@@ -15804,7 +15831,7 @@
             </p:txBody>
           </p:sp>
         </mc:Choice>
-        <mc:Fallback>
+        <mc:Fallback xmlns="">
           <p:sp>
             <p:nvSpPr>
               <p:cNvPr id="3" name="Content Placeholder 2">
@@ -16220,7 +16247,7 @@
                     <m:sSub>
                       <m:sSubPr>
                         <m:ctrlPr>
-                          <a:rPr lang="en-US" i="1">
+                          <a:rPr lang="en-US" i="1" smtClean="0">
                             <a:solidFill>
                               <a:schemeClr val="tx1"/>
                             </a:solidFill>
@@ -16479,7 +16506,7 @@
               <a:p>
                 <a:r>
                   <a:rPr lang="en-US" dirty="0"/>
-                  <a:t>Fit a parameter:</a:t>
+                  <a:t>Fit  parameter:</a:t>
                 </a:r>
                 <a:br>
                   <a:rPr lang="en-US" dirty="0"/>
@@ -16744,7 +16771,10 @@
                       <m:accPr>
                         <m:chr m:val="̂"/>
                         <m:ctrlPr>
-                          <a:rPr lang="en-US" b="1" i="1">
+                          <a:rPr lang="en-US" b="1" i="1" smtClean="0">
+                            <a:solidFill>
+                              <a:srgbClr val="FF0000"/>
+                            </a:solidFill>
                             <a:latin typeface="Cambria Math" panose="02040503050406030204" pitchFamily="18" charset="0"/>
                           </a:rPr>
                         </m:ctrlPr>
@@ -16752,6 +16782,9 @@
                       <m:e>
                         <m:r>
                           <a:rPr lang="en-US" b="1" i="1">
+                            <a:solidFill>
+                              <a:srgbClr val="FF0000"/>
+                            </a:solidFill>
                             <a:latin typeface="Cambria Math" panose="02040503050406030204" pitchFamily="18" charset="0"/>
                           </a:rPr>
                           <m:t>𝜷</m:t>
@@ -16761,15 +16794,23 @@
                   </m:oMath>
                 </a14:m>
                 <a:r>
-                  <a:rPr lang="en-US" dirty="0"/>
-                  <a:t> will be random.</a:t>
+                  <a:rPr lang="en-US" dirty="0">
+                    <a:solidFill>
+                      <a:srgbClr val="FF0000"/>
+                    </a:solidFill>
+                  </a:rPr>
+                  <a:t> will be random. Depends on particular noise realization for the selected training samples.  </a:t>
                 </a:r>
               </a:p>
               <a:p>
                 <a:pPr lvl="1"/>
                 <a:r>
-                  <a:rPr lang="en-US" dirty="0"/>
-                  <a:t>Depends on particular noise realization.  </a:t>
+                  <a:rPr lang="en-US" dirty="0">
+                    <a:solidFill>
+                      <a:srgbClr val="FF0000"/>
+                    </a:solidFill>
+                  </a:rPr>
+                  <a:t>Results may not be a good estimate for the true function!</a:t>
                 </a:r>
               </a:p>
               <a:p>
@@ -16808,13 +16849,68 @@
                 </a14:m>
                 <a:r>
                   <a:rPr lang="en-US" dirty="0"/>
-                  <a:t> (not random)</a:t>
+                  <a:t> : Error  </a:t>
                 </a:r>
-              </a:p>
-              <a:p>
+                <a14:m>
+                  <m:oMath xmlns:m="http://schemas.openxmlformats.org/officeDocument/2006/math">
+                    <m:sSub>
+                      <m:sSubPr>
+                        <m:ctrlPr>
+                          <a:rPr lang="en-US" b="1" i="1">
+                            <a:latin typeface="Cambria Math" panose="02040503050406030204" pitchFamily="18" charset="0"/>
+                          </a:rPr>
+                        </m:ctrlPr>
+                      </m:sSubPr>
+                      <m:e>
+                        <m:r>
+                          <a:rPr lang="en-US" b="1" i="1" smtClean="0">
+                            <a:latin typeface="Cambria Math" panose="02040503050406030204" pitchFamily="18" charset="0"/>
+                          </a:rPr>
+                          <m:t>𝒚</m:t>
+                        </m:r>
+                        <m:r>
+                          <a:rPr lang="en-US" b="1" i="1" smtClean="0">
+                            <a:latin typeface="Cambria Math" panose="02040503050406030204" pitchFamily="18" charset="0"/>
+                          </a:rPr>
+                          <m:t>(</m:t>
+                        </m:r>
+                        <m:r>
+                          <a:rPr lang="en-US" b="1" i="1">
+                            <a:latin typeface="Cambria Math" panose="02040503050406030204" pitchFamily="18" charset="0"/>
+                          </a:rPr>
+                          <m:t>𝒙</m:t>
+                        </m:r>
+                      </m:e>
+                      <m:sub>
+                        <m:r>
+                          <a:rPr lang="en-US" i="1">
+                            <a:latin typeface="Cambria Math" panose="02040503050406030204" pitchFamily="18" charset="0"/>
+                          </a:rPr>
+                          <m:t>𝑡𝑒𝑠𝑡</m:t>
+                        </m:r>
+                      </m:sub>
+                    </m:sSub>
+                    <m:r>
+                      <a:rPr lang="en-US" b="1" i="1">
+                        <a:latin typeface="Cambria Math" panose="02040503050406030204" pitchFamily="18" charset="0"/>
+                      </a:rPr>
+                      <m:t> </m:t>
+                    </m:r>
+                    <m:r>
+                      <a:rPr lang="en-US" b="1" i="1" smtClean="0">
+                        <a:latin typeface="Cambria Math" panose="02040503050406030204" pitchFamily="18" charset="0"/>
+                      </a:rPr>
+                      <m:t>)−</m:t>
+                    </m:r>
+                  </m:oMath>
+                </a14:m>
                 <a:r>
-                  <a:rPr lang="en-US" dirty="0"/>
-                  <a:t>Compute mean and variance of estimated function </a:t>
+                  <a:rPr lang="en-US" dirty="0">
+                    <a:solidFill>
+                      <a:schemeClr val="tx1"/>
+                    </a:solidFill>
+                  </a:rPr>
+                  <a:t> </a:t>
                 </a:r>
                 <a14:m>
                   <m:oMath xmlns:m="http://schemas.openxmlformats.org/officeDocument/2006/math">
@@ -16890,14 +16986,158 @@
                         </m:acc>
                       </m:e>
                     </m:d>
+                    <m:r>
+                      <a:rPr lang="en-US" b="1" i="1">
+                        <a:latin typeface="Cambria Math" panose="02040503050406030204" pitchFamily="18" charset="0"/>
+                      </a:rPr>
+                      <m:t> </m:t>
+                    </m:r>
                   </m:oMath>
                 </a14:m>
-                <a:endParaRPr lang="en-US" b="1" dirty="0"/>
+                <a:r>
+                  <a:rPr lang="en-US" dirty="0"/>
+                  <a:t>may be large!</a:t>
+                </a:r>
               </a:p>
               <a:p>
                 <a:r>
+                  <a:rPr lang="en-US" dirty="0">
+                    <a:solidFill>
+                      <a:srgbClr val="FF0000"/>
+                    </a:solidFill>
+                  </a:rPr>
+                  <a:t>Solution: Multiple trials, each using a different training set.</a:t>
+                </a:r>
+              </a:p>
+              <a:p>
+                <a:pPr lvl="1"/>
+                <a:r>
                   <a:rPr lang="en-US" dirty="0"/>
-                  <a:t>Define:</a:t>
+                  <a:t>Compute mean and variance of estimated function </a:t>
+                </a:r>
+                <a14:m>
+                  <m:oMath xmlns:m="http://schemas.openxmlformats.org/officeDocument/2006/math">
+                    <m:r>
+                      <a:rPr lang="en-US" i="1">
+                        <a:solidFill>
+                          <a:schemeClr val="tx1"/>
+                        </a:solidFill>
+                        <a:latin typeface="Cambria Math" panose="02040503050406030204" pitchFamily="18" charset="0"/>
+                      </a:rPr>
+                      <m:t>𝑓</m:t>
+                    </m:r>
+                    <m:d>
+                      <m:dPr>
+                        <m:ctrlPr>
+                          <a:rPr lang="en-US" i="1">
+                            <a:solidFill>
+                              <a:schemeClr val="tx1"/>
+                            </a:solidFill>
+                            <a:latin typeface="Cambria Math" panose="02040503050406030204" pitchFamily="18" charset="0"/>
+                          </a:rPr>
+                        </m:ctrlPr>
+                      </m:dPr>
+                      <m:e>
+                        <m:sSub>
+                          <m:sSubPr>
+                            <m:ctrlPr>
+                              <a:rPr lang="en-US" b="1" i="1">
+                                <a:latin typeface="Cambria Math" panose="02040503050406030204" pitchFamily="18" charset="0"/>
+                              </a:rPr>
+                            </m:ctrlPr>
+                          </m:sSubPr>
+                          <m:e>
+                            <m:r>
+                              <a:rPr lang="en-US" b="1" i="1">
+                                <a:latin typeface="Cambria Math" panose="02040503050406030204" pitchFamily="18" charset="0"/>
+                              </a:rPr>
+                              <m:t>𝒙</m:t>
+                            </m:r>
+                          </m:e>
+                          <m:sub>
+                            <m:r>
+                              <a:rPr lang="en-US" i="1">
+                                <a:latin typeface="Cambria Math" panose="02040503050406030204" pitchFamily="18" charset="0"/>
+                              </a:rPr>
+                              <m:t>𝑡𝑒𝑠𝑡</m:t>
+                            </m:r>
+                          </m:sub>
+                        </m:sSub>
+                        <m:r>
+                          <a:rPr lang="en-US" b="1" i="1">
+                            <a:latin typeface="Cambria Math" panose="02040503050406030204" pitchFamily="18" charset="0"/>
+                          </a:rPr>
+                          <m:t>,</m:t>
+                        </m:r>
+                        <m:acc>
+                          <m:accPr>
+                            <m:chr m:val="̂"/>
+                            <m:ctrlPr>
+                              <a:rPr lang="en-US" b="1" i="1">
+                                <a:latin typeface="Cambria Math" panose="02040503050406030204" pitchFamily="18" charset="0"/>
+                              </a:rPr>
+                            </m:ctrlPr>
+                          </m:accPr>
+                          <m:e>
+                            <m:r>
+                              <a:rPr lang="en-US" b="1" i="1">
+                                <a:latin typeface="Cambria Math" panose="02040503050406030204" pitchFamily="18" charset="0"/>
+                              </a:rPr>
+                              <m:t>𝜷</m:t>
+                            </m:r>
+                          </m:e>
+                        </m:acc>
+                      </m:e>
+                    </m:d>
+                  </m:oMath>
+                </a14:m>
+                <a:r>
+                  <a:rPr lang="en-US" b="1" dirty="0"/>
+                  <a:t> </a:t>
+                </a:r>
+                <a:r>
+                  <a:rPr lang="en-US" dirty="0">
+                    <a:solidFill>
+                      <a:schemeClr val="tx1"/>
+                    </a:solidFill>
+                  </a:rPr>
+                  <a:t>over </a:t>
+                </a:r>
+                <a14:m>
+                  <m:oMath xmlns:m="http://schemas.openxmlformats.org/officeDocument/2006/math">
+                    <m:acc>
+                      <m:accPr>
+                        <m:chr m:val="̂"/>
+                        <m:ctrlPr>
+                          <a:rPr lang="en-US" b="1" i="1">
+                            <a:latin typeface="Cambria Math" panose="02040503050406030204" pitchFamily="18" charset="0"/>
+                          </a:rPr>
+                        </m:ctrlPr>
+                      </m:accPr>
+                      <m:e>
+                        <m:r>
+                          <a:rPr lang="en-US" b="1" i="1">
+                            <a:latin typeface="Cambria Math" panose="02040503050406030204" pitchFamily="18" charset="0"/>
+                          </a:rPr>
+                          <m:t>𝜷</m:t>
+                        </m:r>
+                      </m:e>
+                    </m:acc>
+                    <m:r>
+                      <a:rPr lang="en-US" b="1" i="1">
+                        <a:latin typeface="Cambria Math" panose="02040503050406030204" pitchFamily="18" charset="0"/>
+                      </a:rPr>
+                      <m:t> </m:t>
+                    </m:r>
+                  </m:oMath>
+                </a14:m>
+                <a:r>
+                  <a:rPr lang="en-US" dirty="0">
+                    <a:solidFill>
+                      <a:schemeClr val="tx1"/>
+                    </a:solidFill>
+                  </a:rPr>
+                  <a:t>from different training sets</a:t>
                 </a:r>
               </a:p>
               <a:p>
@@ -16937,6 +17177,13 @@
                 </a:r>
               </a:p>
               <a:p>
+                <a:endParaRPr lang="en-US" dirty="0">
+                  <a:solidFill>
+                    <a:srgbClr val="FF0000"/>
+                  </a:solidFill>
+                </a:endParaRPr>
+              </a:p>
+              <a:p>
                 <a:pPr marL="201168" lvl="1" indent="0">
                   <a:buNone/>
                 </a:pPr>
@@ -16969,7 +17216,7 @@
               <a:blipFill>
                 <a:blip r:embed="rId3"/>
                 <a:stretch>
-                  <a:fillRect l="-1455" t="-2676"/>
+                  <a:fillRect l="-1261" t="-2047"/>
                 </a:stretch>
               </a:blipFill>
             </p:spPr>
@@ -17052,6 +17299,3093 @@
           <p:cNvPr id="2" name="Title 1">
             <a:extLst>
               <a:ext uri="{FF2B5EF4-FFF2-40B4-BE49-F238E27FC236}">
+                <a16:creationId xmlns:a16="http://schemas.microsoft.com/office/drawing/2014/main" id="{F266BF6B-89BD-4A73-8FFF-E792F45AA05D}"/>
+              </a:ext>
+            </a:extLst>
+          </p:cNvPr>
+          <p:cNvSpPr>
+            <a:spLocks noGrp="1"/>
+          </p:cNvSpPr>
+          <p:nvPr>
+            <p:ph type="title"/>
+          </p:nvPr>
+        </p:nvSpPr>
+        <p:spPr/>
+        <p:txBody>
+          <a:bodyPr/>
+          <a:lstStyle/>
+          <a:p>
+            <a:r>
+              <a:rPr lang="en-US" dirty="0"/>
+              <a:t>Bias-Variance Formula (Advanced)</a:t>
+            </a:r>
+          </a:p>
+        </p:txBody>
+      </p:sp>
+      <mc:AlternateContent xmlns:mc="http://schemas.openxmlformats.org/markup-compatibility/2006">
+        <mc:Choice xmlns:a14="http://schemas.microsoft.com/office/drawing/2010/main" Requires="a14">
+          <p:sp>
+            <p:nvSpPr>
+              <p:cNvPr id="3" name="Content Placeholder 2">
+                <a:extLst>
+                  <a:ext uri="{FF2B5EF4-FFF2-40B4-BE49-F238E27FC236}">
+                    <a16:creationId xmlns:a16="http://schemas.microsoft.com/office/drawing/2014/main" id="{DE7025CB-006B-4E3B-A7C4-CD04ABA54560}"/>
+                  </a:ext>
+                </a:extLst>
+              </p:cNvPr>
+              <p:cNvSpPr>
+                <a:spLocks noGrp="1"/>
+              </p:cNvSpPr>
+              <p:nvPr>
+                <p:ph idx="1"/>
+              </p:nvPr>
+            </p:nvSpPr>
+            <p:spPr/>
+            <p:txBody>
+              <a:bodyPr>
+                <a:normAutofit fontScale="92500" lnSpcReduction="20000"/>
+              </a:bodyPr>
+              <a:lstStyle/>
+              <a:p>
+                <a:r>
+                  <a:rPr lang="en-US" dirty="0"/>
+                  <a:t>Consider test point </a:t>
+                </a:r>
+                <a14:m>
+                  <m:oMath xmlns:m="http://schemas.openxmlformats.org/officeDocument/2006/math">
+                    <m:sSub>
+                      <m:sSubPr>
+                        <m:ctrlPr>
+                          <a:rPr lang="en-US" b="1" i="1">
+                            <a:latin typeface="Cambria Math" panose="02040503050406030204" pitchFamily="18" charset="0"/>
+                          </a:rPr>
+                        </m:ctrlPr>
+                      </m:sSubPr>
+                      <m:e>
+                        <m:r>
+                          <a:rPr lang="en-US" b="1" i="1">
+                            <a:latin typeface="Cambria Math" panose="02040503050406030204" pitchFamily="18" charset="0"/>
+                          </a:rPr>
+                          <m:t>𝒙</m:t>
+                        </m:r>
+                      </m:e>
+                      <m:sub>
+                        <m:r>
+                          <a:rPr lang="en-US" i="1">
+                            <a:latin typeface="Cambria Math" panose="02040503050406030204" pitchFamily="18" charset="0"/>
+                          </a:rPr>
+                          <m:t>𝑡𝑒𝑠𝑡</m:t>
+                        </m:r>
+                      </m:sub>
+                    </m:sSub>
+                  </m:oMath>
+                </a14:m>
+                <a:r>
+                  <a:rPr lang="en-US" dirty="0"/>
+                  <a:t> with noise. </a:t>
+                </a:r>
+              </a:p>
+              <a:p>
+                <a:pPr marL="201168" lvl="1" indent="0">
+                  <a:buNone/>
+                </a:pPr>
+                <a:r>
+                  <a:rPr lang="en-US" sz="1900" dirty="0"/>
+                  <a:t>Observed  value</a:t>
+                </a:r>
+                <a14:m>
+                  <m:oMath xmlns:m="http://schemas.openxmlformats.org/officeDocument/2006/math">
+                    <m:sSub>
+                      <m:sSubPr>
+                        <m:ctrlPr>
+                          <a:rPr lang="en-US" sz="1900" i="1">
+                            <a:latin typeface="Cambria Math" panose="02040503050406030204" pitchFamily="18" charset="0"/>
+                          </a:rPr>
+                        </m:ctrlPr>
+                      </m:sSubPr>
+                      <m:e>
+                        <m:r>
+                          <a:rPr lang="en-US" sz="1900" b="0" i="1" smtClean="0">
+                            <a:latin typeface="Cambria Math" panose="02040503050406030204" pitchFamily="18" charset="0"/>
+                          </a:rPr>
+                          <m:t> </m:t>
+                        </m:r>
+                        <m:r>
+                          <a:rPr lang="en-US" sz="1900" b="0" i="1" smtClean="0">
+                            <a:latin typeface="Cambria Math" panose="02040503050406030204" pitchFamily="18" charset="0"/>
+                          </a:rPr>
+                          <m:t>𝑦</m:t>
+                        </m:r>
+                        <m:sSub>
+                          <m:sSubPr>
+                            <m:ctrlPr>
+                              <a:rPr lang="en-US" sz="1900" b="1" i="1">
+                                <a:latin typeface="Cambria Math" panose="02040503050406030204" pitchFamily="18" charset="0"/>
+                              </a:rPr>
+                            </m:ctrlPr>
+                          </m:sSubPr>
+                          <m:e>
+                            <m:r>
+                              <a:rPr lang="en-US" sz="1900" b="1" i="1" smtClean="0">
+                                <a:latin typeface="Cambria Math" panose="02040503050406030204" pitchFamily="18" charset="0"/>
+                              </a:rPr>
+                              <m:t>(</m:t>
+                            </m:r>
+                            <m:r>
+                              <a:rPr lang="en-US" sz="1900" b="1" i="1">
+                                <a:latin typeface="Cambria Math" panose="02040503050406030204" pitchFamily="18" charset="0"/>
+                              </a:rPr>
+                              <m:t>𝒙</m:t>
+                            </m:r>
+                          </m:e>
+                          <m:sub>
+                            <m:r>
+                              <a:rPr lang="en-US" sz="1900" i="1">
+                                <a:latin typeface="Cambria Math" panose="02040503050406030204" pitchFamily="18" charset="0"/>
+                              </a:rPr>
+                              <m:t>𝑡𝑒𝑠𝑡</m:t>
+                            </m:r>
+                          </m:sub>
+                        </m:sSub>
+                        <m:r>
+                          <a:rPr lang="en-US" sz="1900" b="0" i="1" smtClean="0">
+                            <a:latin typeface="Cambria Math" panose="02040503050406030204" pitchFamily="18" charset="0"/>
+                          </a:rPr>
+                          <m:t>)=</m:t>
+                        </m:r>
+                        <m:r>
+                          <a:rPr lang="en-US" sz="1900" i="1">
+                            <a:latin typeface="Cambria Math" panose="02040503050406030204" pitchFamily="18" charset="0"/>
+                          </a:rPr>
+                          <m:t>𝑓</m:t>
+                        </m:r>
+                      </m:e>
+                      <m:sub>
+                        <m:r>
+                          <a:rPr lang="en-US" sz="1900" i="1">
+                            <a:latin typeface="Cambria Math" panose="02040503050406030204" pitchFamily="18" charset="0"/>
+                          </a:rPr>
+                          <m:t>0</m:t>
+                        </m:r>
+                      </m:sub>
+                    </m:sSub>
+                    <m:d>
+                      <m:dPr>
+                        <m:ctrlPr>
+                          <a:rPr lang="en-US" sz="1900" i="1">
+                            <a:latin typeface="Cambria Math" panose="02040503050406030204" pitchFamily="18" charset="0"/>
+                          </a:rPr>
+                        </m:ctrlPr>
+                      </m:dPr>
+                      <m:e>
+                        <m:sSub>
+                          <m:sSubPr>
+                            <m:ctrlPr>
+                              <a:rPr lang="en-US" sz="1900" b="1" i="1">
+                                <a:latin typeface="Cambria Math" panose="02040503050406030204" pitchFamily="18" charset="0"/>
+                              </a:rPr>
+                            </m:ctrlPr>
+                          </m:sSubPr>
+                          <m:e>
+                            <m:r>
+                              <a:rPr lang="en-US" sz="1900" b="1" i="1">
+                                <a:latin typeface="Cambria Math" panose="02040503050406030204" pitchFamily="18" charset="0"/>
+                              </a:rPr>
+                              <m:t>𝒙</m:t>
+                            </m:r>
+                          </m:e>
+                          <m:sub>
+                            <m:r>
+                              <a:rPr lang="en-US" sz="1900" i="1">
+                                <a:latin typeface="Cambria Math" panose="02040503050406030204" pitchFamily="18" charset="0"/>
+                              </a:rPr>
+                              <m:t>𝑡𝑒𝑠𝑡</m:t>
+                            </m:r>
+                          </m:sub>
+                        </m:sSub>
+                      </m:e>
+                    </m:d>
+                    <m:r>
+                      <a:rPr lang="en-US" sz="1900" b="0" i="1" smtClean="0">
+                        <a:latin typeface="Cambria Math" panose="02040503050406030204" pitchFamily="18" charset="0"/>
+                      </a:rPr>
+                      <m:t>+</m:t>
+                    </m:r>
+                    <m:r>
+                      <a:rPr lang="en-US" sz="1900" b="0" i="1" smtClean="0">
+                        <a:latin typeface="Cambria Math" panose="02040503050406030204" pitchFamily="18" charset="0"/>
+                        <a:ea typeface="Cambria Math" panose="02040503050406030204" pitchFamily="18" charset="0"/>
+                      </a:rPr>
+                      <m:t>𝜀</m:t>
+                    </m:r>
+                    <m:r>
+                      <a:rPr lang="en-US" sz="1900" b="0" i="1" smtClean="0">
+                        <a:latin typeface="Cambria Math" panose="02040503050406030204" pitchFamily="18" charset="0"/>
+                        <a:ea typeface="Cambria Math" panose="02040503050406030204" pitchFamily="18" charset="0"/>
+                      </a:rPr>
+                      <m:t> </m:t>
+                    </m:r>
+                  </m:oMath>
+                </a14:m>
+                <a:r>
+                  <a:rPr lang="en-US" sz="1900" b="0" dirty="0">
+                    <a:ea typeface="Cambria Math" panose="02040503050406030204" pitchFamily="18" charset="0"/>
+                  </a:rPr>
+                  <a:t>, Predicted value: </a:t>
+                </a:r>
+                <a14:m>
+                  <m:oMath xmlns:m="http://schemas.openxmlformats.org/officeDocument/2006/math">
+                    <m:r>
+                      <a:rPr lang="en-US" sz="1900" i="1">
+                        <a:solidFill>
+                          <a:schemeClr val="tx1"/>
+                        </a:solidFill>
+                        <a:latin typeface="Cambria Math" panose="02040503050406030204" pitchFamily="18" charset="0"/>
+                      </a:rPr>
+                      <m:t>𝑓</m:t>
+                    </m:r>
+                    <m:d>
+                      <m:dPr>
+                        <m:ctrlPr>
+                          <a:rPr lang="en-US" sz="1900" i="1">
+                            <a:solidFill>
+                              <a:schemeClr val="tx1"/>
+                            </a:solidFill>
+                            <a:latin typeface="Cambria Math" panose="02040503050406030204" pitchFamily="18" charset="0"/>
+                          </a:rPr>
+                        </m:ctrlPr>
+                      </m:dPr>
+                      <m:e>
+                        <m:sSub>
+                          <m:sSubPr>
+                            <m:ctrlPr>
+                              <a:rPr lang="en-US" sz="1900" b="1" i="1">
+                                <a:latin typeface="Cambria Math" panose="02040503050406030204" pitchFamily="18" charset="0"/>
+                              </a:rPr>
+                            </m:ctrlPr>
+                          </m:sSubPr>
+                          <m:e>
+                            <m:r>
+                              <a:rPr lang="en-US" sz="1900" b="1" i="1">
+                                <a:latin typeface="Cambria Math" panose="02040503050406030204" pitchFamily="18" charset="0"/>
+                              </a:rPr>
+                              <m:t>𝒙</m:t>
+                            </m:r>
+                          </m:e>
+                          <m:sub>
+                            <m:r>
+                              <a:rPr lang="en-US" sz="1900" i="1">
+                                <a:latin typeface="Cambria Math" panose="02040503050406030204" pitchFamily="18" charset="0"/>
+                              </a:rPr>
+                              <m:t>𝑡𝑒𝑠𝑡</m:t>
+                            </m:r>
+                          </m:sub>
+                        </m:sSub>
+                        <m:r>
+                          <a:rPr lang="en-US" sz="1900" b="1" i="1">
+                            <a:latin typeface="Cambria Math" panose="02040503050406030204" pitchFamily="18" charset="0"/>
+                          </a:rPr>
+                          <m:t>,</m:t>
+                        </m:r>
+                        <m:acc>
+                          <m:accPr>
+                            <m:chr m:val="̂"/>
+                            <m:ctrlPr>
+                              <a:rPr lang="en-US" sz="1900" b="1" i="1">
+                                <a:latin typeface="Cambria Math" panose="02040503050406030204" pitchFamily="18" charset="0"/>
+                              </a:rPr>
+                            </m:ctrlPr>
+                          </m:accPr>
+                          <m:e>
+                            <m:r>
+                              <a:rPr lang="en-US" sz="1900" b="1" i="1">
+                                <a:latin typeface="Cambria Math" panose="02040503050406030204" pitchFamily="18" charset="0"/>
+                              </a:rPr>
+                              <m:t>𝜷</m:t>
+                            </m:r>
+                          </m:e>
+                        </m:acc>
+                      </m:e>
+                    </m:d>
+                  </m:oMath>
+                </a14:m>
+                <a:endParaRPr lang="en-US" sz="1900" b="1" i="1" dirty="0">
+                  <a:latin typeface="Cambria Math" panose="02040503050406030204" pitchFamily="18" charset="0"/>
+                </a:endParaRPr>
+              </a:p>
+              <a:p>
+                <a:pPr marL="201168" lvl="1" indent="0">
+                  <a:buNone/>
+                </a:pPr>
+                <a14:m>
+                  <m:oMathPara xmlns:m="http://schemas.openxmlformats.org/officeDocument/2006/math">
+                    <m:oMathParaPr>
+                      <m:jc m:val="left"/>
+                    </m:oMathParaPr>
+                    <m:oMath xmlns:m="http://schemas.openxmlformats.org/officeDocument/2006/math">
+                      <m:r>
+                        <a:rPr lang="en-US" sz="1900" i="1">
+                          <a:latin typeface="Cambria Math" panose="02040503050406030204" pitchFamily="18" charset="0"/>
+                        </a:rPr>
+                        <m:t>𝑀𝑆𝐸</m:t>
+                      </m:r>
+                      <m:d>
+                        <m:dPr>
+                          <m:ctrlPr>
+                            <a:rPr lang="en-US" sz="1900" i="1">
+                              <a:latin typeface="Cambria Math" panose="02040503050406030204" pitchFamily="18" charset="0"/>
+                            </a:rPr>
+                          </m:ctrlPr>
+                        </m:dPr>
+                        <m:e>
+                          <m:sSub>
+                            <m:sSubPr>
+                              <m:ctrlPr>
+                                <a:rPr lang="en-US" sz="1900" b="1" i="1">
+                                  <a:latin typeface="Cambria Math" panose="02040503050406030204" pitchFamily="18" charset="0"/>
+                                </a:rPr>
+                              </m:ctrlPr>
+                            </m:sSubPr>
+                            <m:e>
+                              <m:r>
+                                <a:rPr lang="en-US" sz="1900" b="1" i="1">
+                                  <a:latin typeface="Cambria Math" panose="02040503050406030204" pitchFamily="18" charset="0"/>
+                                </a:rPr>
+                                <m:t>𝒙</m:t>
+                              </m:r>
+                            </m:e>
+                            <m:sub>
+                              <m:r>
+                                <a:rPr lang="en-US" sz="1900" i="1">
+                                  <a:latin typeface="Cambria Math" panose="02040503050406030204" pitchFamily="18" charset="0"/>
+                                </a:rPr>
+                                <m:t>𝑡𝑒𝑠𝑡</m:t>
+                              </m:r>
+                            </m:sub>
+                          </m:sSub>
+                        </m:e>
+                      </m:d>
+                      <m:r>
+                        <a:rPr lang="en-US" sz="1900" i="1">
+                          <a:latin typeface="Cambria Math" panose="02040503050406030204" pitchFamily="18" charset="0"/>
+                        </a:rPr>
+                        <m:t>≔</m:t>
+                      </m:r>
+                      <m:r>
+                        <a:rPr lang="en-US" sz="1900" i="1">
+                          <a:latin typeface="Cambria Math" panose="02040503050406030204" pitchFamily="18" charset="0"/>
+                        </a:rPr>
+                        <m:t>𝐸</m:t>
+                      </m:r>
+                      <m:sSup>
+                        <m:sSupPr>
+                          <m:ctrlPr>
+                            <a:rPr lang="en-US" sz="1900" i="1">
+                              <a:latin typeface="Cambria Math" panose="02040503050406030204" pitchFamily="18" charset="0"/>
+                            </a:rPr>
+                          </m:ctrlPr>
+                        </m:sSupPr>
+                        <m:e>
+                          <m:d>
+                            <m:dPr>
+                              <m:begChr m:val="["/>
+                              <m:endChr m:val="]"/>
+                              <m:ctrlPr>
+                                <a:rPr lang="en-US" sz="1900" i="1">
+                                  <a:latin typeface="Cambria Math" panose="02040503050406030204" pitchFamily="18" charset="0"/>
+                                </a:rPr>
+                              </m:ctrlPr>
+                            </m:dPr>
+                            <m:e>
+                              <m:r>
+                                <a:rPr lang="en-US" sz="1900" b="0" i="1" smtClean="0">
+                                  <a:latin typeface="Cambria Math" panose="02040503050406030204" pitchFamily="18" charset="0"/>
+                                </a:rPr>
+                                <m:t>𝑦</m:t>
+                              </m:r>
+                              <m:d>
+                                <m:dPr>
+                                  <m:ctrlPr>
+                                    <a:rPr lang="en-US" sz="1900" i="1">
+                                      <a:latin typeface="Cambria Math" panose="02040503050406030204" pitchFamily="18" charset="0"/>
+                                    </a:rPr>
+                                  </m:ctrlPr>
+                                </m:dPr>
+                                <m:e>
+                                  <m:sSub>
+                                    <m:sSubPr>
+                                      <m:ctrlPr>
+                                        <a:rPr lang="en-US" sz="1900" b="1" i="1">
+                                          <a:latin typeface="Cambria Math" panose="02040503050406030204" pitchFamily="18" charset="0"/>
+                                        </a:rPr>
+                                      </m:ctrlPr>
+                                    </m:sSubPr>
+                                    <m:e>
+                                      <m:r>
+                                        <a:rPr lang="en-US" sz="1900" b="1" i="1">
+                                          <a:latin typeface="Cambria Math" panose="02040503050406030204" pitchFamily="18" charset="0"/>
+                                        </a:rPr>
+                                        <m:t>𝒙</m:t>
+                                      </m:r>
+                                    </m:e>
+                                    <m:sub>
+                                      <m:r>
+                                        <a:rPr lang="en-US" sz="1900" i="1">
+                                          <a:latin typeface="Cambria Math" panose="02040503050406030204" pitchFamily="18" charset="0"/>
+                                        </a:rPr>
+                                        <m:t>𝑡𝑒𝑠𝑡</m:t>
+                                      </m:r>
+                                    </m:sub>
+                                  </m:sSub>
+                                </m:e>
+                              </m:d>
+                              <m:r>
+                                <a:rPr lang="en-US" sz="1900" i="1">
+                                  <a:latin typeface="Cambria Math" panose="02040503050406030204" pitchFamily="18" charset="0"/>
+                                </a:rPr>
+                                <m:t>−</m:t>
+                              </m:r>
+                              <m:r>
+                                <a:rPr lang="en-US" sz="1900" i="1">
+                                  <a:solidFill>
+                                    <a:schemeClr val="tx1"/>
+                                  </a:solidFill>
+                                  <a:latin typeface="Cambria Math" panose="02040503050406030204" pitchFamily="18" charset="0"/>
+                                </a:rPr>
+                                <m:t>𝑓</m:t>
+                              </m:r>
+                              <m:d>
+                                <m:dPr>
+                                  <m:ctrlPr>
+                                    <a:rPr lang="en-US" sz="1900" i="1">
+                                      <a:solidFill>
+                                        <a:schemeClr val="tx1"/>
+                                      </a:solidFill>
+                                      <a:latin typeface="Cambria Math" panose="02040503050406030204" pitchFamily="18" charset="0"/>
+                                    </a:rPr>
+                                  </m:ctrlPr>
+                                </m:dPr>
+                                <m:e>
+                                  <m:sSub>
+                                    <m:sSubPr>
+                                      <m:ctrlPr>
+                                        <a:rPr lang="en-US" sz="1900" b="1" i="1">
+                                          <a:latin typeface="Cambria Math" panose="02040503050406030204" pitchFamily="18" charset="0"/>
+                                        </a:rPr>
+                                      </m:ctrlPr>
+                                    </m:sSubPr>
+                                    <m:e>
+                                      <m:r>
+                                        <a:rPr lang="en-US" sz="1900" b="1" i="1">
+                                          <a:latin typeface="Cambria Math" panose="02040503050406030204" pitchFamily="18" charset="0"/>
+                                        </a:rPr>
+                                        <m:t>𝒙</m:t>
+                                      </m:r>
+                                    </m:e>
+                                    <m:sub>
+                                      <m:r>
+                                        <a:rPr lang="en-US" sz="1900" i="1">
+                                          <a:latin typeface="Cambria Math" panose="02040503050406030204" pitchFamily="18" charset="0"/>
+                                        </a:rPr>
+                                        <m:t>𝑡𝑒𝑠𝑡</m:t>
+                                      </m:r>
+                                    </m:sub>
+                                  </m:sSub>
+                                  <m:r>
+                                    <a:rPr lang="en-US" sz="1900" b="1" i="1">
+                                      <a:latin typeface="Cambria Math" panose="02040503050406030204" pitchFamily="18" charset="0"/>
+                                    </a:rPr>
+                                    <m:t>,</m:t>
+                                  </m:r>
+                                  <m:acc>
+                                    <m:accPr>
+                                      <m:chr m:val="̂"/>
+                                      <m:ctrlPr>
+                                        <a:rPr lang="en-US" sz="1900" b="1" i="1">
+                                          <a:latin typeface="Cambria Math" panose="02040503050406030204" pitchFamily="18" charset="0"/>
+                                        </a:rPr>
+                                      </m:ctrlPr>
+                                    </m:accPr>
+                                    <m:e>
+                                      <m:r>
+                                        <a:rPr lang="en-US" sz="1900" b="1" i="1">
+                                          <a:latin typeface="Cambria Math" panose="02040503050406030204" pitchFamily="18" charset="0"/>
+                                        </a:rPr>
+                                        <m:t>𝜷</m:t>
+                                      </m:r>
+                                    </m:e>
+                                  </m:acc>
+                                </m:e>
+                              </m:d>
+                            </m:e>
+                          </m:d>
+                        </m:e>
+                        <m:sup>
+                          <m:r>
+                            <a:rPr lang="en-US" sz="1900" i="1">
+                              <a:latin typeface="Cambria Math" panose="02040503050406030204" pitchFamily="18" charset="0"/>
+                            </a:rPr>
+                            <m:t>2</m:t>
+                          </m:r>
+                        </m:sup>
+                      </m:sSup>
+                    </m:oMath>
+                  </m:oMathPara>
+                </a14:m>
+                <a:endParaRPr lang="en-US" sz="1900" i="1" dirty="0">
+                  <a:latin typeface="Cambria Math" panose="02040503050406030204" pitchFamily="18" charset="0"/>
+                </a:endParaRPr>
+              </a:p>
+              <a:p>
+                <a:pPr marL="201168" lvl="1" indent="0">
+                  <a:buNone/>
+                </a:pPr>
+                <a:r>
+                  <a:rPr lang="en-US" sz="1900" b="0" dirty="0"/>
+                  <a:t>                       </a:t>
+                </a:r>
+                <a14:m>
+                  <m:oMath xmlns:m="http://schemas.openxmlformats.org/officeDocument/2006/math">
+                    <m:r>
+                      <a:rPr lang="en-US" sz="1900" b="0" i="1" smtClean="0">
+                        <a:latin typeface="Cambria Math" panose="02040503050406030204" pitchFamily="18" charset="0"/>
+                      </a:rPr>
+                      <m:t>=</m:t>
+                    </m:r>
+                    <m:r>
+                      <a:rPr lang="en-US" sz="1900" i="1">
+                        <a:latin typeface="Cambria Math" panose="02040503050406030204" pitchFamily="18" charset="0"/>
+                      </a:rPr>
+                      <m:t>𝐸</m:t>
+                    </m:r>
+                    <m:sSup>
+                      <m:sSupPr>
+                        <m:ctrlPr>
+                          <a:rPr lang="en-US" sz="1900" i="1">
+                            <a:latin typeface="Cambria Math" panose="02040503050406030204" pitchFamily="18" charset="0"/>
+                          </a:rPr>
+                        </m:ctrlPr>
+                      </m:sSupPr>
+                      <m:e>
+                        <m:d>
+                          <m:dPr>
+                            <m:begChr m:val="["/>
+                            <m:endChr m:val="]"/>
+                            <m:ctrlPr>
+                              <a:rPr lang="en-US" sz="1900" i="1">
+                                <a:latin typeface="Cambria Math" panose="02040503050406030204" pitchFamily="18" charset="0"/>
+                              </a:rPr>
+                            </m:ctrlPr>
+                          </m:dPr>
+                          <m:e>
+                            <m:sSub>
+                              <m:sSubPr>
+                                <m:ctrlPr>
+                                  <a:rPr lang="en-US" sz="1900" i="1">
+                                    <a:latin typeface="Cambria Math" panose="02040503050406030204" pitchFamily="18" charset="0"/>
+                                  </a:rPr>
+                                </m:ctrlPr>
+                              </m:sSubPr>
+                              <m:e>
+                                <m:r>
+                                  <a:rPr lang="en-US" sz="1900" i="1">
+                                    <a:latin typeface="Cambria Math" panose="02040503050406030204" pitchFamily="18" charset="0"/>
+                                  </a:rPr>
+                                  <m:t>𝑓</m:t>
+                                </m:r>
+                              </m:e>
+                              <m:sub>
+                                <m:r>
+                                  <a:rPr lang="en-US" sz="1900" i="1">
+                                    <a:latin typeface="Cambria Math" panose="02040503050406030204" pitchFamily="18" charset="0"/>
+                                  </a:rPr>
+                                  <m:t>0</m:t>
+                                </m:r>
+                              </m:sub>
+                            </m:sSub>
+                            <m:d>
+                              <m:dPr>
+                                <m:ctrlPr>
+                                  <a:rPr lang="en-US" sz="1900" i="1">
+                                    <a:latin typeface="Cambria Math" panose="02040503050406030204" pitchFamily="18" charset="0"/>
+                                  </a:rPr>
+                                </m:ctrlPr>
+                              </m:dPr>
+                              <m:e>
+                                <m:sSub>
+                                  <m:sSubPr>
+                                    <m:ctrlPr>
+                                      <a:rPr lang="en-US" sz="1900" b="1" i="1">
+                                        <a:latin typeface="Cambria Math" panose="02040503050406030204" pitchFamily="18" charset="0"/>
+                                      </a:rPr>
+                                    </m:ctrlPr>
+                                  </m:sSubPr>
+                                  <m:e>
+                                    <m:r>
+                                      <a:rPr lang="en-US" sz="1900" b="1" i="1">
+                                        <a:latin typeface="Cambria Math" panose="02040503050406030204" pitchFamily="18" charset="0"/>
+                                      </a:rPr>
+                                      <m:t>𝒙</m:t>
+                                    </m:r>
+                                  </m:e>
+                                  <m:sub>
+                                    <m:r>
+                                      <a:rPr lang="en-US" sz="1900" i="1">
+                                        <a:latin typeface="Cambria Math" panose="02040503050406030204" pitchFamily="18" charset="0"/>
+                                      </a:rPr>
+                                      <m:t>𝑡𝑒𝑠𝑡</m:t>
+                                    </m:r>
+                                  </m:sub>
+                                </m:sSub>
+                              </m:e>
+                            </m:d>
+                            <m:r>
+                              <a:rPr lang="en-US" sz="1900" i="1">
+                                <a:latin typeface="Cambria Math" panose="02040503050406030204" pitchFamily="18" charset="0"/>
+                              </a:rPr>
+                              <m:t>+</m:t>
+                            </m:r>
+                            <m:r>
+                              <a:rPr lang="en-US" sz="1900" i="1">
+                                <a:latin typeface="Cambria Math" panose="02040503050406030204" pitchFamily="18" charset="0"/>
+                                <a:ea typeface="Cambria Math" panose="02040503050406030204" pitchFamily="18" charset="0"/>
+                              </a:rPr>
+                              <m:t>𝜀</m:t>
+                            </m:r>
+                            <m:r>
+                              <a:rPr lang="en-US" sz="1900" i="1">
+                                <a:latin typeface="Cambria Math" panose="02040503050406030204" pitchFamily="18" charset="0"/>
+                              </a:rPr>
+                              <m:t>−</m:t>
+                            </m:r>
+                            <m:r>
+                              <a:rPr lang="en-US" sz="1900" i="1">
+                                <a:solidFill>
+                                  <a:schemeClr val="tx1"/>
+                                </a:solidFill>
+                                <a:latin typeface="Cambria Math" panose="02040503050406030204" pitchFamily="18" charset="0"/>
+                              </a:rPr>
+                              <m:t>𝑓</m:t>
+                            </m:r>
+                            <m:d>
+                              <m:dPr>
+                                <m:ctrlPr>
+                                  <a:rPr lang="en-US" sz="1900" i="1">
+                                    <a:solidFill>
+                                      <a:schemeClr val="tx1"/>
+                                    </a:solidFill>
+                                    <a:latin typeface="Cambria Math" panose="02040503050406030204" pitchFamily="18" charset="0"/>
+                                  </a:rPr>
+                                </m:ctrlPr>
+                              </m:dPr>
+                              <m:e>
+                                <m:sSub>
+                                  <m:sSubPr>
+                                    <m:ctrlPr>
+                                      <a:rPr lang="en-US" sz="1900" b="1" i="1">
+                                        <a:latin typeface="Cambria Math" panose="02040503050406030204" pitchFamily="18" charset="0"/>
+                                      </a:rPr>
+                                    </m:ctrlPr>
+                                  </m:sSubPr>
+                                  <m:e>
+                                    <m:r>
+                                      <a:rPr lang="en-US" sz="1900" b="1" i="1">
+                                        <a:latin typeface="Cambria Math" panose="02040503050406030204" pitchFamily="18" charset="0"/>
+                                      </a:rPr>
+                                      <m:t>𝒙</m:t>
+                                    </m:r>
+                                  </m:e>
+                                  <m:sub>
+                                    <m:r>
+                                      <a:rPr lang="en-US" sz="1900" i="1">
+                                        <a:latin typeface="Cambria Math" panose="02040503050406030204" pitchFamily="18" charset="0"/>
+                                      </a:rPr>
+                                      <m:t>𝑡𝑒𝑠𝑡</m:t>
+                                    </m:r>
+                                  </m:sub>
+                                </m:sSub>
+                                <m:r>
+                                  <a:rPr lang="en-US" sz="1900" b="1" i="1">
+                                    <a:latin typeface="Cambria Math" panose="02040503050406030204" pitchFamily="18" charset="0"/>
+                                  </a:rPr>
+                                  <m:t>,</m:t>
+                                </m:r>
+                                <m:acc>
+                                  <m:accPr>
+                                    <m:chr m:val="̂"/>
+                                    <m:ctrlPr>
+                                      <a:rPr lang="en-US" sz="1900" b="1" i="1">
+                                        <a:latin typeface="Cambria Math" panose="02040503050406030204" pitchFamily="18" charset="0"/>
+                                      </a:rPr>
+                                    </m:ctrlPr>
+                                  </m:accPr>
+                                  <m:e>
+                                    <m:r>
+                                      <a:rPr lang="en-US" sz="1900" b="1" i="1">
+                                        <a:latin typeface="Cambria Math" panose="02040503050406030204" pitchFamily="18" charset="0"/>
+                                      </a:rPr>
+                                      <m:t>𝜷</m:t>
+                                    </m:r>
+                                  </m:e>
+                                </m:acc>
+                              </m:e>
+                            </m:d>
+                          </m:e>
+                        </m:d>
+                      </m:e>
+                      <m:sup>
+                        <m:r>
+                          <a:rPr lang="en-US" sz="1900" i="1">
+                            <a:latin typeface="Cambria Math" panose="02040503050406030204" pitchFamily="18" charset="0"/>
+                          </a:rPr>
+                          <m:t>2</m:t>
+                        </m:r>
+                      </m:sup>
+                    </m:sSup>
+                    <m:r>
+                      <a:rPr lang="en-US" sz="1900" b="0" i="0" smtClean="0">
+                        <a:latin typeface="Cambria Math" panose="02040503050406030204" pitchFamily="18" charset="0"/>
+                      </a:rPr>
+                      <m:t>=</m:t>
+                    </m:r>
+                    <m:sSubSup>
+                      <m:sSubSupPr>
+                        <m:ctrlPr>
+                          <a:rPr lang="en-US" sz="1900" b="0" i="1" smtClean="0">
+                            <a:latin typeface="Cambria Math" panose="02040503050406030204" pitchFamily="18" charset="0"/>
+                          </a:rPr>
+                        </m:ctrlPr>
+                      </m:sSubSupPr>
+                      <m:e>
+                        <m:r>
+                          <a:rPr lang="en-US" sz="1900" i="1">
+                            <a:latin typeface="Cambria Math" panose="02040503050406030204" pitchFamily="18" charset="0"/>
+                          </a:rPr>
+                          <m:t>𝐸</m:t>
+                        </m:r>
+                        <m:sSup>
+                          <m:sSupPr>
+                            <m:ctrlPr>
+                              <a:rPr lang="en-US" sz="1900" i="1">
+                                <a:latin typeface="Cambria Math" panose="02040503050406030204" pitchFamily="18" charset="0"/>
+                              </a:rPr>
+                            </m:ctrlPr>
+                          </m:sSupPr>
+                          <m:e>
+                            <m:d>
+                              <m:dPr>
+                                <m:begChr m:val="["/>
+                                <m:endChr m:val="]"/>
+                                <m:ctrlPr>
+                                  <a:rPr lang="en-US" sz="1900" i="1">
+                                    <a:latin typeface="Cambria Math" panose="02040503050406030204" pitchFamily="18" charset="0"/>
+                                  </a:rPr>
+                                </m:ctrlPr>
+                              </m:dPr>
+                              <m:e>
+                                <m:sSub>
+                                  <m:sSubPr>
+                                    <m:ctrlPr>
+                                      <a:rPr lang="en-US" sz="1900" i="1">
+                                        <a:latin typeface="Cambria Math" panose="02040503050406030204" pitchFamily="18" charset="0"/>
+                                      </a:rPr>
+                                    </m:ctrlPr>
+                                  </m:sSubPr>
+                                  <m:e>
+                                    <m:r>
+                                      <a:rPr lang="en-US" sz="1900" i="1">
+                                        <a:latin typeface="Cambria Math" panose="02040503050406030204" pitchFamily="18" charset="0"/>
+                                      </a:rPr>
+                                      <m:t>𝑓</m:t>
+                                    </m:r>
+                                  </m:e>
+                                  <m:sub>
+                                    <m:r>
+                                      <a:rPr lang="en-US" sz="1900" i="1">
+                                        <a:latin typeface="Cambria Math" panose="02040503050406030204" pitchFamily="18" charset="0"/>
+                                      </a:rPr>
+                                      <m:t>0</m:t>
+                                    </m:r>
+                                  </m:sub>
+                                </m:sSub>
+                                <m:d>
+                                  <m:dPr>
+                                    <m:ctrlPr>
+                                      <a:rPr lang="en-US" sz="1900" i="1">
+                                        <a:latin typeface="Cambria Math" panose="02040503050406030204" pitchFamily="18" charset="0"/>
+                                      </a:rPr>
+                                    </m:ctrlPr>
+                                  </m:dPr>
+                                  <m:e>
+                                    <m:sSub>
+                                      <m:sSubPr>
+                                        <m:ctrlPr>
+                                          <a:rPr lang="en-US" sz="1900" b="1" i="1">
+                                            <a:latin typeface="Cambria Math" panose="02040503050406030204" pitchFamily="18" charset="0"/>
+                                          </a:rPr>
+                                        </m:ctrlPr>
+                                      </m:sSubPr>
+                                      <m:e>
+                                        <m:r>
+                                          <a:rPr lang="en-US" sz="1900" b="1" i="1">
+                                            <a:latin typeface="Cambria Math" panose="02040503050406030204" pitchFamily="18" charset="0"/>
+                                          </a:rPr>
+                                          <m:t>𝒙</m:t>
+                                        </m:r>
+                                      </m:e>
+                                      <m:sub>
+                                        <m:r>
+                                          <a:rPr lang="en-US" sz="1900" i="1">
+                                            <a:latin typeface="Cambria Math" panose="02040503050406030204" pitchFamily="18" charset="0"/>
+                                          </a:rPr>
+                                          <m:t>𝑡𝑒𝑠𝑡</m:t>
+                                        </m:r>
+                                      </m:sub>
+                                    </m:sSub>
+                                  </m:e>
+                                </m:d>
+                                <m:r>
+                                  <a:rPr lang="en-US" sz="1900" i="1">
+                                    <a:latin typeface="Cambria Math" panose="02040503050406030204" pitchFamily="18" charset="0"/>
+                                  </a:rPr>
+                                  <m:t>−</m:t>
+                                </m:r>
+                                <m:r>
+                                  <a:rPr lang="en-US" sz="1900" i="1">
+                                    <a:solidFill>
+                                      <a:schemeClr val="tx1"/>
+                                    </a:solidFill>
+                                    <a:latin typeface="Cambria Math" panose="02040503050406030204" pitchFamily="18" charset="0"/>
+                                  </a:rPr>
+                                  <m:t>𝑓</m:t>
+                                </m:r>
+                                <m:d>
+                                  <m:dPr>
+                                    <m:ctrlPr>
+                                      <a:rPr lang="en-US" sz="1900" i="1">
+                                        <a:solidFill>
+                                          <a:schemeClr val="tx1"/>
+                                        </a:solidFill>
+                                        <a:latin typeface="Cambria Math" panose="02040503050406030204" pitchFamily="18" charset="0"/>
+                                      </a:rPr>
+                                    </m:ctrlPr>
+                                  </m:dPr>
+                                  <m:e>
+                                    <m:sSub>
+                                      <m:sSubPr>
+                                        <m:ctrlPr>
+                                          <a:rPr lang="en-US" sz="1900" b="1" i="1">
+                                            <a:latin typeface="Cambria Math" panose="02040503050406030204" pitchFamily="18" charset="0"/>
+                                          </a:rPr>
+                                        </m:ctrlPr>
+                                      </m:sSubPr>
+                                      <m:e>
+                                        <m:r>
+                                          <a:rPr lang="en-US" sz="1900" b="1" i="1">
+                                            <a:latin typeface="Cambria Math" panose="02040503050406030204" pitchFamily="18" charset="0"/>
+                                          </a:rPr>
+                                          <m:t>𝒙</m:t>
+                                        </m:r>
+                                      </m:e>
+                                      <m:sub>
+                                        <m:r>
+                                          <a:rPr lang="en-US" sz="1900" i="1">
+                                            <a:latin typeface="Cambria Math" panose="02040503050406030204" pitchFamily="18" charset="0"/>
+                                          </a:rPr>
+                                          <m:t>𝑡𝑒𝑠𝑡</m:t>
+                                        </m:r>
+                                      </m:sub>
+                                    </m:sSub>
+                                    <m:r>
+                                      <a:rPr lang="en-US" sz="1900" b="1" i="1">
+                                        <a:latin typeface="Cambria Math" panose="02040503050406030204" pitchFamily="18" charset="0"/>
+                                      </a:rPr>
+                                      <m:t>,</m:t>
+                                    </m:r>
+                                    <m:acc>
+                                      <m:accPr>
+                                        <m:chr m:val="̂"/>
+                                        <m:ctrlPr>
+                                          <a:rPr lang="en-US" sz="1900" b="1" i="1">
+                                            <a:latin typeface="Cambria Math" panose="02040503050406030204" pitchFamily="18" charset="0"/>
+                                          </a:rPr>
+                                        </m:ctrlPr>
+                                      </m:accPr>
+                                      <m:e>
+                                        <m:r>
+                                          <a:rPr lang="en-US" sz="1900" b="1" i="1">
+                                            <a:latin typeface="Cambria Math" panose="02040503050406030204" pitchFamily="18" charset="0"/>
+                                          </a:rPr>
+                                          <m:t>𝜷</m:t>
+                                        </m:r>
+                                      </m:e>
+                                    </m:acc>
+                                  </m:e>
+                                </m:d>
+                              </m:e>
+                            </m:d>
+                          </m:e>
+                          <m:sup>
+                            <m:r>
+                              <a:rPr lang="en-US" sz="1900" i="1">
+                                <a:latin typeface="Cambria Math" panose="02040503050406030204" pitchFamily="18" charset="0"/>
+                              </a:rPr>
+                              <m:t>2</m:t>
+                            </m:r>
+                          </m:sup>
+                        </m:sSup>
+                        <m:r>
+                          <a:rPr lang="en-US" sz="1900" b="0" i="1" smtClean="0">
+                            <a:latin typeface="Cambria Math" panose="02040503050406030204" pitchFamily="18" charset="0"/>
+                          </a:rPr>
+                          <m:t>+</m:t>
+                        </m:r>
+                        <m:r>
+                          <a:rPr lang="en-US" sz="1900" b="0" i="1" smtClean="0">
+                            <a:latin typeface="Cambria Math" panose="02040503050406030204" pitchFamily="18" charset="0"/>
+                            <a:ea typeface="Cambria Math" panose="02040503050406030204" pitchFamily="18" charset="0"/>
+                          </a:rPr>
+                          <m:t>𝜎</m:t>
+                        </m:r>
+                      </m:e>
+                      <m:sub>
+                        <m:r>
+                          <a:rPr lang="en-US" sz="1900" b="0" i="1" smtClean="0">
+                            <a:latin typeface="Cambria Math" panose="02040503050406030204" pitchFamily="18" charset="0"/>
+                            <a:ea typeface="Cambria Math" panose="02040503050406030204" pitchFamily="18" charset="0"/>
+                          </a:rPr>
+                          <m:t>𝜀</m:t>
+                        </m:r>
+                      </m:sub>
+                      <m:sup>
+                        <m:r>
+                          <a:rPr lang="en-US" sz="1900" b="0" i="1" smtClean="0">
+                            <a:latin typeface="Cambria Math" panose="02040503050406030204" pitchFamily="18" charset="0"/>
+                          </a:rPr>
+                          <m:t>2</m:t>
+                        </m:r>
+                      </m:sup>
+                    </m:sSubSup>
+                  </m:oMath>
+                </a14:m>
+                <a:endParaRPr lang="en-US" sz="1900" dirty="0"/>
+              </a:p>
+              <a:p>
+                <a:pPr marL="201168" lvl="1" indent="0">
+                  <a:buNone/>
+                </a:pPr>
+                <a14:m>
+                  <m:oMath xmlns:m="http://schemas.openxmlformats.org/officeDocument/2006/math">
+                    <m:r>
+                      <a:rPr lang="en-US" sz="1900" i="1">
+                        <a:latin typeface="Cambria Math" panose="02040503050406030204" pitchFamily="18" charset="0"/>
+                      </a:rPr>
+                      <m:t>𝐸</m:t>
+                    </m:r>
+                    <m:sSup>
+                      <m:sSupPr>
+                        <m:ctrlPr>
+                          <a:rPr lang="en-US" sz="1900" i="1">
+                            <a:latin typeface="Cambria Math" panose="02040503050406030204" pitchFamily="18" charset="0"/>
+                          </a:rPr>
+                        </m:ctrlPr>
+                      </m:sSupPr>
+                      <m:e>
+                        <m:d>
+                          <m:dPr>
+                            <m:begChr m:val="["/>
+                            <m:endChr m:val="]"/>
+                            <m:ctrlPr>
+                              <a:rPr lang="en-US" sz="1900" i="1">
+                                <a:latin typeface="Cambria Math" panose="02040503050406030204" pitchFamily="18" charset="0"/>
+                              </a:rPr>
+                            </m:ctrlPr>
+                          </m:dPr>
+                          <m:e>
+                            <m:sSub>
+                              <m:sSubPr>
+                                <m:ctrlPr>
+                                  <a:rPr lang="en-US" sz="1900" i="1">
+                                    <a:latin typeface="Cambria Math" panose="02040503050406030204" pitchFamily="18" charset="0"/>
+                                  </a:rPr>
+                                </m:ctrlPr>
+                              </m:sSubPr>
+                              <m:e>
+                                <m:r>
+                                  <a:rPr lang="en-US" sz="1900" i="1">
+                                    <a:latin typeface="Cambria Math" panose="02040503050406030204" pitchFamily="18" charset="0"/>
+                                  </a:rPr>
+                                  <m:t>𝑓</m:t>
+                                </m:r>
+                              </m:e>
+                              <m:sub>
+                                <m:r>
+                                  <a:rPr lang="en-US" sz="1900" i="1">
+                                    <a:latin typeface="Cambria Math" panose="02040503050406030204" pitchFamily="18" charset="0"/>
+                                  </a:rPr>
+                                  <m:t>0</m:t>
+                                </m:r>
+                              </m:sub>
+                            </m:sSub>
+                            <m:d>
+                              <m:dPr>
+                                <m:ctrlPr>
+                                  <a:rPr lang="en-US" sz="1900" i="1">
+                                    <a:latin typeface="Cambria Math" panose="02040503050406030204" pitchFamily="18" charset="0"/>
+                                  </a:rPr>
+                                </m:ctrlPr>
+                              </m:dPr>
+                              <m:e>
+                                <m:sSub>
+                                  <m:sSubPr>
+                                    <m:ctrlPr>
+                                      <a:rPr lang="en-US" sz="1900" b="1" i="1">
+                                        <a:latin typeface="Cambria Math" panose="02040503050406030204" pitchFamily="18" charset="0"/>
+                                      </a:rPr>
+                                    </m:ctrlPr>
+                                  </m:sSubPr>
+                                  <m:e>
+                                    <m:r>
+                                      <a:rPr lang="en-US" sz="1900" b="1" i="1">
+                                        <a:latin typeface="Cambria Math" panose="02040503050406030204" pitchFamily="18" charset="0"/>
+                                      </a:rPr>
+                                      <m:t>𝒙</m:t>
+                                    </m:r>
+                                  </m:e>
+                                  <m:sub>
+                                    <m:r>
+                                      <a:rPr lang="en-US" sz="1900" i="1">
+                                        <a:latin typeface="Cambria Math" panose="02040503050406030204" pitchFamily="18" charset="0"/>
+                                      </a:rPr>
+                                      <m:t>𝑡𝑒𝑠𝑡</m:t>
+                                    </m:r>
+                                  </m:sub>
+                                </m:sSub>
+                              </m:e>
+                            </m:d>
+                            <m:r>
+                              <a:rPr lang="en-US" sz="1900" i="1">
+                                <a:latin typeface="Cambria Math" panose="02040503050406030204" pitchFamily="18" charset="0"/>
+                              </a:rPr>
+                              <m:t>−</m:t>
+                            </m:r>
+                            <m:r>
+                              <a:rPr lang="en-US" sz="1900" i="1">
+                                <a:solidFill>
+                                  <a:schemeClr val="tx1"/>
+                                </a:solidFill>
+                                <a:latin typeface="Cambria Math" panose="02040503050406030204" pitchFamily="18" charset="0"/>
+                              </a:rPr>
+                              <m:t>𝑓</m:t>
+                            </m:r>
+                            <m:d>
+                              <m:dPr>
+                                <m:ctrlPr>
+                                  <a:rPr lang="en-US" sz="1900" i="1">
+                                    <a:solidFill>
+                                      <a:schemeClr val="tx1"/>
+                                    </a:solidFill>
+                                    <a:latin typeface="Cambria Math" panose="02040503050406030204" pitchFamily="18" charset="0"/>
+                                  </a:rPr>
+                                </m:ctrlPr>
+                              </m:dPr>
+                              <m:e>
+                                <m:sSub>
+                                  <m:sSubPr>
+                                    <m:ctrlPr>
+                                      <a:rPr lang="en-US" sz="1900" b="1" i="1">
+                                        <a:latin typeface="Cambria Math" panose="02040503050406030204" pitchFamily="18" charset="0"/>
+                                      </a:rPr>
+                                    </m:ctrlPr>
+                                  </m:sSubPr>
+                                  <m:e>
+                                    <m:r>
+                                      <a:rPr lang="en-US" sz="1900" b="1" i="1">
+                                        <a:latin typeface="Cambria Math" panose="02040503050406030204" pitchFamily="18" charset="0"/>
+                                      </a:rPr>
+                                      <m:t>𝒙</m:t>
+                                    </m:r>
+                                  </m:e>
+                                  <m:sub>
+                                    <m:r>
+                                      <a:rPr lang="en-US" sz="1900" i="1">
+                                        <a:latin typeface="Cambria Math" panose="02040503050406030204" pitchFamily="18" charset="0"/>
+                                      </a:rPr>
+                                      <m:t>𝑡𝑒𝑠𝑡</m:t>
+                                    </m:r>
+                                  </m:sub>
+                                </m:sSub>
+                                <m:r>
+                                  <a:rPr lang="en-US" sz="1900" b="1" i="1">
+                                    <a:latin typeface="Cambria Math" panose="02040503050406030204" pitchFamily="18" charset="0"/>
+                                  </a:rPr>
+                                  <m:t>,</m:t>
+                                </m:r>
+                                <m:acc>
+                                  <m:accPr>
+                                    <m:chr m:val="̂"/>
+                                    <m:ctrlPr>
+                                      <a:rPr lang="en-US" sz="1900" b="1" i="1">
+                                        <a:latin typeface="Cambria Math" panose="02040503050406030204" pitchFamily="18" charset="0"/>
+                                      </a:rPr>
+                                    </m:ctrlPr>
+                                  </m:accPr>
+                                  <m:e>
+                                    <m:r>
+                                      <a:rPr lang="en-US" sz="1900" b="1" i="1">
+                                        <a:latin typeface="Cambria Math" panose="02040503050406030204" pitchFamily="18" charset="0"/>
+                                      </a:rPr>
+                                      <m:t>𝜷</m:t>
+                                    </m:r>
+                                  </m:e>
+                                </m:acc>
+                              </m:e>
+                            </m:d>
+                          </m:e>
+                        </m:d>
+                      </m:e>
+                      <m:sup>
+                        <m:r>
+                          <a:rPr lang="en-US" sz="1900" i="1">
+                            <a:latin typeface="Cambria Math" panose="02040503050406030204" pitchFamily="18" charset="0"/>
+                          </a:rPr>
+                          <m:t>2</m:t>
+                        </m:r>
+                      </m:sup>
+                    </m:sSup>
+                  </m:oMath>
+                </a14:m>
+                <a:r>
+                  <a:rPr lang="en-US" sz="1900" dirty="0"/>
+                  <a:t> </a:t>
+                </a:r>
+                <a14:m>
+                  <m:oMath xmlns:m="http://schemas.openxmlformats.org/officeDocument/2006/math">
+                    <m:r>
+                      <a:rPr lang="en-US" sz="1900" b="0" i="0" smtClean="0">
+                        <a:latin typeface="Cambria Math" panose="02040503050406030204" pitchFamily="18" charset="0"/>
+                      </a:rPr>
+                      <m:t>=</m:t>
+                    </m:r>
+                    <m:r>
+                      <a:rPr lang="en-US" sz="1900" i="1">
+                        <a:latin typeface="Cambria Math" panose="02040503050406030204" pitchFamily="18" charset="0"/>
+                      </a:rPr>
+                      <m:t>𝐸</m:t>
+                    </m:r>
+                    <m:sSup>
+                      <m:sSupPr>
+                        <m:ctrlPr>
+                          <a:rPr lang="en-US" sz="1900" i="1">
+                            <a:latin typeface="Cambria Math" panose="02040503050406030204" pitchFamily="18" charset="0"/>
+                          </a:rPr>
+                        </m:ctrlPr>
+                      </m:sSupPr>
+                      <m:e>
+                        <m:d>
+                          <m:dPr>
+                            <m:begChr m:val="["/>
+                            <m:endChr m:val="]"/>
+                            <m:ctrlPr>
+                              <a:rPr lang="en-US" sz="1900" i="1">
+                                <a:latin typeface="Cambria Math" panose="02040503050406030204" pitchFamily="18" charset="0"/>
+                              </a:rPr>
+                            </m:ctrlPr>
+                          </m:dPr>
+                          <m:e>
+                            <m:sSub>
+                              <m:sSubPr>
+                                <m:ctrlPr>
+                                  <a:rPr lang="en-US" sz="1900" i="1">
+                                    <a:latin typeface="Cambria Math" panose="02040503050406030204" pitchFamily="18" charset="0"/>
+                                  </a:rPr>
+                                </m:ctrlPr>
+                              </m:sSubPr>
+                              <m:e>
+                                <m:r>
+                                  <a:rPr lang="en-US" sz="1900" i="1">
+                                    <a:latin typeface="Cambria Math" panose="02040503050406030204" pitchFamily="18" charset="0"/>
+                                  </a:rPr>
+                                  <m:t>𝑓</m:t>
+                                </m:r>
+                              </m:e>
+                              <m:sub>
+                                <m:r>
+                                  <a:rPr lang="en-US" sz="1900" i="1">
+                                    <a:latin typeface="Cambria Math" panose="02040503050406030204" pitchFamily="18" charset="0"/>
+                                  </a:rPr>
+                                  <m:t>0</m:t>
+                                </m:r>
+                              </m:sub>
+                            </m:sSub>
+                            <m:d>
+                              <m:dPr>
+                                <m:ctrlPr>
+                                  <a:rPr lang="en-US" sz="1900" i="1">
+                                    <a:latin typeface="Cambria Math" panose="02040503050406030204" pitchFamily="18" charset="0"/>
+                                  </a:rPr>
+                                </m:ctrlPr>
+                              </m:dPr>
+                              <m:e>
+                                <m:sSub>
+                                  <m:sSubPr>
+                                    <m:ctrlPr>
+                                      <a:rPr lang="en-US" sz="1900" b="1" i="1">
+                                        <a:latin typeface="Cambria Math" panose="02040503050406030204" pitchFamily="18" charset="0"/>
+                                      </a:rPr>
+                                    </m:ctrlPr>
+                                  </m:sSubPr>
+                                  <m:e>
+                                    <m:r>
+                                      <a:rPr lang="en-US" sz="1900" b="1" i="1">
+                                        <a:latin typeface="Cambria Math" panose="02040503050406030204" pitchFamily="18" charset="0"/>
+                                      </a:rPr>
+                                      <m:t>𝒙</m:t>
+                                    </m:r>
+                                  </m:e>
+                                  <m:sub>
+                                    <m:r>
+                                      <a:rPr lang="en-US" sz="1900" i="1">
+                                        <a:latin typeface="Cambria Math" panose="02040503050406030204" pitchFamily="18" charset="0"/>
+                                      </a:rPr>
+                                      <m:t>𝑡𝑒𝑠𝑡</m:t>
+                                    </m:r>
+                                  </m:sub>
+                                </m:sSub>
+                              </m:e>
+                            </m:d>
+                            <m:r>
+                              <a:rPr lang="en-US" sz="1900" b="0" i="1" smtClean="0">
+                                <a:latin typeface="Cambria Math" panose="02040503050406030204" pitchFamily="18" charset="0"/>
+                              </a:rPr>
+                              <m:t>−</m:t>
+                            </m:r>
+                            <m:r>
+                              <a:rPr lang="en-US" sz="1900" i="1">
+                                <a:latin typeface="Cambria Math" panose="02040503050406030204" pitchFamily="18" charset="0"/>
+                              </a:rPr>
+                              <m:t>𝐸</m:t>
+                            </m:r>
+                            <m:d>
+                              <m:dPr>
+                                <m:begChr m:val="["/>
+                                <m:endChr m:val="]"/>
+                                <m:ctrlPr>
+                                  <a:rPr lang="en-US" sz="1900" i="1">
+                                    <a:latin typeface="Cambria Math" panose="02040503050406030204" pitchFamily="18" charset="0"/>
+                                  </a:rPr>
+                                </m:ctrlPr>
+                              </m:dPr>
+                              <m:e>
+                                <m:r>
+                                  <a:rPr lang="en-US" sz="1900" i="1">
+                                    <a:solidFill>
+                                      <a:schemeClr val="tx1"/>
+                                    </a:solidFill>
+                                    <a:latin typeface="Cambria Math" panose="02040503050406030204" pitchFamily="18" charset="0"/>
+                                  </a:rPr>
+                                  <m:t>𝑓</m:t>
+                                </m:r>
+                                <m:d>
+                                  <m:dPr>
+                                    <m:ctrlPr>
+                                      <a:rPr lang="en-US" sz="1900" i="1">
+                                        <a:solidFill>
+                                          <a:schemeClr val="tx1"/>
+                                        </a:solidFill>
+                                        <a:latin typeface="Cambria Math" panose="02040503050406030204" pitchFamily="18" charset="0"/>
+                                      </a:rPr>
+                                    </m:ctrlPr>
+                                  </m:dPr>
+                                  <m:e>
+                                    <m:sSub>
+                                      <m:sSubPr>
+                                        <m:ctrlPr>
+                                          <a:rPr lang="en-US" sz="1900" b="1" i="1">
+                                            <a:latin typeface="Cambria Math" panose="02040503050406030204" pitchFamily="18" charset="0"/>
+                                          </a:rPr>
+                                        </m:ctrlPr>
+                                      </m:sSubPr>
+                                      <m:e>
+                                        <m:r>
+                                          <a:rPr lang="en-US" sz="1900" b="1" i="1">
+                                            <a:latin typeface="Cambria Math" panose="02040503050406030204" pitchFamily="18" charset="0"/>
+                                          </a:rPr>
+                                          <m:t>𝒙</m:t>
+                                        </m:r>
+                                      </m:e>
+                                      <m:sub>
+                                        <m:r>
+                                          <a:rPr lang="en-US" sz="1900" i="1">
+                                            <a:latin typeface="Cambria Math" panose="02040503050406030204" pitchFamily="18" charset="0"/>
+                                          </a:rPr>
+                                          <m:t>𝑡𝑒𝑠𝑡</m:t>
+                                        </m:r>
+                                      </m:sub>
+                                    </m:sSub>
+                                    <m:r>
+                                      <a:rPr lang="en-US" sz="1900" b="1" i="1">
+                                        <a:latin typeface="Cambria Math" panose="02040503050406030204" pitchFamily="18" charset="0"/>
+                                      </a:rPr>
+                                      <m:t>,</m:t>
+                                    </m:r>
+                                    <m:acc>
+                                      <m:accPr>
+                                        <m:chr m:val="̂"/>
+                                        <m:ctrlPr>
+                                          <a:rPr lang="en-US" sz="1900" b="1" i="1">
+                                            <a:latin typeface="Cambria Math" panose="02040503050406030204" pitchFamily="18" charset="0"/>
+                                          </a:rPr>
+                                        </m:ctrlPr>
+                                      </m:accPr>
+                                      <m:e>
+                                        <m:r>
+                                          <a:rPr lang="en-US" sz="1900" b="1" i="1">
+                                            <a:latin typeface="Cambria Math" panose="02040503050406030204" pitchFamily="18" charset="0"/>
+                                          </a:rPr>
+                                          <m:t>𝜷</m:t>
+                                        </m:r>
+                                      </m:e>
+                                    </m:acc>
+                                  </m:e>
+                                </m:d>
+                              </m:e>
+                            </m:d>
+                            <m:r>
+                              <a:rPr lang="en-US" sz="1900" b="0" i="1" smtClean="0">
+                                <a:latin typeface="Cambria Math" panose="02040503050406030204" pitchFamily="18" charset="0"/>
+                              </a:rPr>
+                              <m:t>+</m:t>
+                            </m:r>
+                            <m:r>
+                              <a:rPr lang="en-US" sz="1900" i="1">
+                                <a:latin typeface="Cambria Math" panose="02040503050406030204" pitchFamily="18" charset="0"/>
+                              </a:rPr>
+                              <m:t>𝐸</m:t>
+                            </m:r>
+                            <m:d>
+                              <m:dPr>
+                                <m:begChr m:val="["/>
+                                <m:endChr m:val="]"/>
+                                <m:ctrlPr>
+                                  <a:rPr lang="en-US" sz="1900" i="1">
+                                    <a:latin typeface="Cambria Math" panose="02040503050406030204" pitchFamily="18" charset="0"/>
+                                  </a:rPr>
+                                </m:ctrlPr>
+                              </m:dPr>
+                              <m:e>
+                                <m:r>
+                                  <a:rPr lang="en-US" sz="1900" i="1">
+                                    <a:solidFill>
+                                      <a:schemeClr val="tx1"/>
+                                    </a:solidFill>
+                                    <a:latin typeface="Cambria Math" panose="02040503050406030204" pitchFamily="18" charset="0"/>
+                                  </a:rPr>
+                                  <m:t>𝑓</m:t>
+                                </m:r>
+                                <m:d>
+                                  <m:dPr>
+                                    <m:ctrlPr>
+                                      <a:rPr lang="en-US" sz="1900" i="1">
+                                        <a:solidFill>
+                                          <a:schemeClr val="tx1"/>
+                                        </a:solidFill>
+                                        <a:latin typeface="Cambria Math" panose="02040503050406030204" pitchFamily="18" charset="0"/>
+                                      </a:rPr>
+                                    </m:ctrlPr>
+                                  </m:dPr>
+                                  <m:e>
+                                    <m:sSub>
+                                      <m:sSubPr>
+                                        <m:ctrlPr>
+                                          <a:rPr lang="en-US" sz="1900" b="1" i="1">
+                                            <a:latin typeface="Cambria Math" panose="02040503050406030204" pitchFamily="18" charset="0"/>
+                                          </a:rPr>
+                                        </m:ctrlPr>
+                                      </m:sSubPr>
+                                      <m:e>
+                                        <m:r>
+                                          <a:rPr lang="en-US" sz="1900" b="1" i="1">
+                                            <a:latin typeface="Cambria Math" panose="02040503050406030204" pitchFamily="18" charset="0"/>
+                                          </a:rPr>
+                                          <m:t>𝒙</m:t>
+                                        </m:r>
+                                      </m:e>
+                                      <m:sub>
+                                        <m:r>
+                                          <a:rPr lang="en-US" sz="1900" i="1">
+                                            <a:latin typeface="Cambria Math" panose="02040503050406030204" pitchFamily="18" charset="0"/>
+                                          </a:rPr>
+                                          <m:t>𝑡𝑒𝑠𝑡</m:t>
+                                        </m:r>
+                                      </m:sub>
+                                    </m:sSub>
+                                    <m:r>
+                                      <a:rPr lang="en-US" sz="1900" b="1" i="1">
+                                        <a:latin typeface="Cambria Math" panose="02040503050406030204" pitchFamily="18" charset="0"/>
+                                      </a:rPr>
+                                      <m:t>,</m:t>
+                                    </m:r>
+                                    <m:acc>
+                                      <m:accPr>
+                                        <m:chr m:val="̂"/>
+                                        <m:ctrlPr>
+                                          <a:rPr lang="en-US" sz="1900" b="1" i="1">
+                                            <a:latin typeface="Cambria Math" panose="02040503050406030204" pitchFamily="18" charset="0"/>
+                                          </a:rPr>
+                                        </m:ctrlPr>
+                                      </m:accPr>
+                                      <m:e>
+                                        <m:r>
+                                          <a:rPr lang="en-US" sz="1900" b="1" i="1">
+                                            <a:latin typeface="Cambria Math" panose="02040503050406030204" pitchFamily="18" charset="0"/>
+                                          </a:rPr>
+                                          <m:t>𝜷</m:t>
+                                        </m:r>
+                                      </m:e>
+                                    </m:acc>
+                                  </m:e>
+                                </m:d>
+                              </m:e>
+                            </m:d>
+                            <m:r>
+                              <a:rPr lang="en-US" sz="1900" i="1">
+                                <a:latin typeface="Cambria Math" panose="02040503050406030204" pitchFamily="18" charset="0"/>
+                              </a:rPr>
+                              <m:t>−</m:t>
+                            </m:r>
+                            <m:r>
+                              <a:rPr lang="en-US" sz="1900" i="1">
+                                <a:solidFill>
+                                  <a:schemeClr val="tx1"/>
+                                </a:solidFill>
+                                <a:latin typeface="Cambria Math" panose="02040503050406030204" pitchFamily="18" charset="0"/>
+                              </a:rPr>
+                              <m:t>𝑓</m:t>
+                            </m:r>
+                            <m:d>
+                              <m:dPr>
+                                <m:ctrlPr>
+                                  <a:rPr lang="en-US" sz="1900" i="1">
+                                    <a:solidFill>
+                                      <a:schemeClr val="tx1"/>
+                                    </a:solidFill>
+                                    <a:latin typeface="Cambria Math" panose="02040503050406030204" pitchFamily="18" charset="0"/>
+                                  </a:rPr>
+                                </m:ctrlPr>
+                              </m:dPr>
+                              <m:e>
+                                <m:sSub>
+                                  <m:sSubPr>
+                                    <m:ctrlPr>
+                                      <a:rPr lang="en-US" sz="1900" b="1" i="1">
+                                        <a:latin typeface="Cambria Math" panose="02040503050406030204" pitchFamily="18" charset="0"/>
+                                      </a:rPr>
+                                    </m:ctrlPr>
+                                  </m:sSubPr>
+                                  <m:e>
+                                    <m:r>
+                                      <a:rPr lang="en-US" sz="1900" b="1" i="1">
+                                        <a:latin typeface="Cambria Math" panose="02040503050406030204" pitchFamily="18" charset="0"/>
+                                      </a:rPr>
+                                      <m:t>𝒙</m:t>
+                                    </m:r>
+                                  </m:e>
+                                  <m:sub>
+                                    <m:r>
+                                      <a:rPr lang="en-US" sz="1900" i="1">
+                                        <a:latin typeface="Cambria Math" panose="02040503050406030204" pitchFamily="18" charset="0"/>
+                                      </a:rPr>
+                                      <m:t>𝑡𝑒𝑠𝑡</m:t>
+                                    </m:r>
+                                  </m:sub>
+                                </m:sSub>
+                                <m:r>
+                                  <a:rPr lang="en-US" sz="1900" b="1" i="1">
+                                    <a:latin typeface="Cambria Math" panose="02040503050406030204" pitchFamily="18" charset="0"/>
+                                  </a:rPr>
+                                  <m:t>,</m:t>
+                                </m:r>
+                                <m:acc>
+                                  <m:accPr>
+                                    <m:chr m:val="̂"/>
+                                    <m:ctrlPr>
+                                      <a:rPr lang="en-US" sz="1900" b="1" i="1">
+                                        <a:latin typeface="Cambria Math" panose="02040503050406030204" pitchFamily="18" charset="0"/>
+                                      </a:rPr>
+                                    </m:ctrlPr>
+                                  </m:accPr>
+                                  <m:e>
+                                    <m:r>
+                                      <a:rPr lang="en-US" sz="1900" b="1" i="1">
+                                        <a:latin typeface="Cambria Math" panose="02040503050406030204" pitchFamily="18" charset="0"/>
+                                      </a:rPr>
+                                      <m:t>𝜷</m:t>
+                                    </m:r>
+                                  </m:e>
+                                </m:acc>
+                              </m:e>
+                            </m:d>
+                          </m:e>
+                        </m:d>
+                      </m:e>
+                      <m:sup>
+                        <m:r>
+                          <a:rPr lang="en-US" sz="1900" i="1">
+                            <a:latin typeface="Cambria Math" panose="02040503050406030204" pitchFamily="18" charset="0"/>
+                          </a:rPr>
+                          <m:t>2</m:t>
+                        </m:r>
+                      </m:sup>
+                    </m:sSup>
+                  </m:oMath>
+                </a14:m>
+                <a:endParaRPr lang="en-US" sz="1900" i="1" dirty="0">
+                  <a:latin typeface="Cambria Math" panose="02040503050406030204" pitchFamily="18" charset="0"/>
+                </a:endParaRPr>
+              </a:p>
+              <a:p>
+                <a:pPr marL="201168" lvl="1" indent="0">
+                  <a:buNone/>
+                </a:pPr>
+                <a:r>
+                  <a:rPr lang="en-US" sz="1900" b="0" dirty="0"/>
+                  <a:t>                       </a:t>
+                </a:r>
+                <a14:m>
+                  <m:oMath xmlns:m="http://schemas.openxmlformats.org/officeDocument/2006/math">
+                    <m:r>
+                      <a:rPr lang="en-US" sz="1900" b="0" i="1" smtClean="0">
+                        <a:latin typeface="Cambria Math" panose="02040503050406030204" pitchFamily="18" charset="0"/>
+                      </a:rPr>
+                      <m:t>=</m:t>
+                    </m:r>
+                    <m:sSup>
+                      <m:sSupPr>
+                        <m:ctrlPr>
+                          <a:rPr lang="en-US" sz="1900" b="0" i="1" smtClean="0">
+                            <a:latin typeface="Cambria Math" panose="02040503050406030204" pitchFamily="18" charset="0"/>
+                          </a:rPr>
+                        </m:ctrlPr>
+                      </m:sSupPr>
+                      <m:e>
+                        <m:d>
+                          <m:dPr>
+                            <m:ctrlPr>
+                              <a:rPr lang="en-US" sz="1900" b="0" i="1" smtClean="0">
+                                <a:latin typeface="Cambria Math" panose="02040503050406030204" pitchFamily="18" charset="0"/>
+                              </a:rPr>
+                            </m:ctrlPr>
+                          </m:dPr>
+                          <m:e>
+                            <m:sSub>
+                              <m:sSubPr>
+                                <m:ctrlPr>
+                                  <a:rPr lang="en-US" sz="1900" i="1">
+                                    <a:latin typeface="Cambria Math" panose="02040503050406030204" pitchFamily="18" charset="0"/>
+                                  </a:rPr>
+                                </m:ctrlPr>
+                              </m:sSubPr>
+                              <m:e>
+                                <m:r>
+                                  <a:rPr lang="en-US" sz="1900" i="1">
+                                    <a:latin typeface="Cambria Math" panose="02040503050406030204" pitchFamily="18" charset="0"/>
+                                  </a:rPr>
+                                  <m:t>𝑓</m:t>
+                                </m:r>
+                              </m:e>
+                              <m:sub>
+                                <m:r>
+                                  <a:rPr lang="en-US" sz="1900" i="1">
+                                    <a:latin typeface="Cambria Math" panose="02040503050406030204" pitchFamily="18" charset="0"/>
+                                  </a:rPr>
+                                  <m:t>0</m:t>
+                                </m:r>
+                              </m:sub>
+                            </m:sSub>
+                            <m:d>
+                              <m:dPr>
+                                <m:ctrlPr>
+                                  <a:rPr lang="en-US" sz="1900" i="1">
+                                    <a:latin typeface="Cambria Math" panose="02040503050406030204" pitchFamily="18" charset="0"/>
+                                  </a:rPr>
+                                </m:ctrlPr>
+                              </m:dPr>
+                              <m:e>
+                                <m:sSub>
+                                  <m:sSubPr>
+                                    <m:ctrlPr>
+                                      <a:rPr lang="en-US" sz="1900" b="1" i="1">
+                                        <a:latin typeface="Cambria Math" panose="02040503050406030204" pitchFamily="18" charset="0"/>
+                                      </a:rPr>
+                                    </m:ctrlPr>
+                                  </m:sSubPr>
+                                  <m:e>
+                                    <m:r>
+                                      <a:rPr lang="en-US" sz="1900" b="1" i="1">
+                                        <a:latin typeface="Cambria Math" panose="02040503050406030204" pitchFamily="18" charset="0"/>
+                                      </a:rPr>
+                                      <m:t>𝒙</m:t>
+                                    </m:r>
+                                  </m:e>
+                                  <m:sub>
+                                    <m:r>
+                                      <a:rPr lang="en-US" sz="1900" i="1">
+                                        <a:latin typeface="Cambria Math" panose="02040503050406030204" pitchFamily="18" charset="0"/>
+                                      </a:rPr>
+                                      <m:t>𝑡𝑒𝑠𝑡</m:t>
+                                    </m:r>
+                                  </m:sub>
+                                </m:sSub>
+                              </m:e>
+                            </m:d>
+                            <m:r>
+                              <a:rPr lang="en-US" sz="1900" i="1">
+                                <a:latin typeface="Cambria Math" panose="02040503050406030204" pitchFamily="18" charset="0"/>
+                              </a:rPr>
+                              <m:t>−</m:t>
+                            </m:r>
+                            <m:r>
+                              <a:rPr lang="en-US" sz="1900" i="1">
+                                <a:latin typeface="Cambria Math" panose="02040503050406030204" pitchFamily="18" charset="0"/>
+                              </a:rPr>
+                              <m:t>𝐸</m:t>
+                            </m:r>
+                            <m:d>
+                              <m:dPr>
+                                <m:begChr m:val="["/>
+                                <m:endChr m:val="]"/>
+                                <m:ctrlPr>
+                                  <a:rPr lang="en-US" sz="1900" i="1">
+                                    <a:latin typeface="Cambria Math" panose="02040503050406030204" pitchFamily="18" charset="0"/>
+                                  </a:rPr>
+                                </m:ctrlPr>
+                              </m:dPr>
+                              <m:e>
+                                <m:r>
+                                  <a:rPr lang="en-US" sz="1900" i="1">
+                                    <a:solidFill>
+                                      <a:schemeClr val="tx1"/>
+                                    </a:solidFill>
+                                    <a:latin typeface="Cambria Math" panose="02040503050406030204" pitchFamily="18" charset="0"/>
+                                  </a:rPr>
+                                  <m:t>𝑓</m:t>
+                                </m:r>
+                                <m:d>
+                                  <m:dPr>
+                                    <m:ctrlPr>
+                                      <a:rPr lang="en-US" sz="1900" i="1">
+                                        <a:solidFill>
+                                          <a:schemeClr val="tx1"/>
+                                        </a:solidFill>
+                                        <a:latin typeface="Cambria Math" panose="02040503050406030204" pitchFamily="18" charset="0"/>
+                                      </a:rPr>
+                                    </m:ctrlPr>
+                                  </m:dPr>
+                                  <m:e>
+                                    <m:sSub>
+                                      <m:sSubPr>
+                                        <m:ctrlPr>
+                                          <a:rPr lang="en-US" sz="1900" b="1" i="1">
+                                            <a:latin typeface="Cambria Math" panose="02040503050406030204" pitchFamily="18" charset="0"/>
+                                          </a:rPr>
+                                        </m:ctrlPr>
+                                      </m:sSubPr>
+                                      <m:e>
+                                        <m:r>
+                                          <a:rPr lang="en-US" sz="1900" b="1" i="1">
+                                            <a:latin typeface="Cambria Math" panose="02040503050406030204" pitchFamily="18" charset="0"/>
+                                          </a:rPr>
+                                          <m:t>𝒙</m:t>
+                                        </m:r>
+                                      </m:e>
+                                      <m:sub>
+                                        <m:r>
+                                          <a:rPr lang="en-US" sz="1900" i="1">
+                                            <a:latin typeface="Cambria Math" panose="02040503050406030204" pitchFamily="18" charset="0"/>
+                                          </a:rPr>
+                                          <m:t>𝑡𝑒𝑠𝑡</m:t>
+                                        </m:r>
+                                      </m:sub>
+                                    </m:sSub>
+                                    <m:r>
+                                      <a:rPr lang="en-US" sz="1900" b="1" i="1">
+                                        <a:latin typeface="Cambria Math" panose="02040503050406030204" pitchFamily="18" charset="0"/>
+                                      </a:rPr>
+                                      <m:t>,</m:t>
+                                    </m:r>
+                                    <m:acc>
+                                      <m:accPr>
+                                        <m:chr m:val="̂"/>
+                                        <m:ctrlPr>
+                                          <a:rPr lang="en-US" sz="1900" b="1" i="1">
+                                            <a:latin typeface="Cambria Math" panose="02040503050406030204" pitchFamily="18" charset="0"/>
+                                          </a:rPr>
+                                        </m:ctrlPr>
+                                      </m:accPr>
+                                      <m:e>
+                                        <m:r>
+                                          <a:rPr lang="en-US" sz="1900" b="1" i="1">
+                                            <a:latin typeface="Cambria Math" panose="02040503050406030204" pitchFamily="18" charset="0"/>
+                                          </a:rPr>
+                                          <m:t>𝜷</m:t>
+                                        </m:r>
+                                      </m:e>
+                                    </m:acc>
+                                  </m:e>
+                                </m:d>
+                              </m:e>
+                            </m:d>
+                          </m:e>
+                        </m:d>
+                      </m:e>
+                      <m:sup>
+                        <m:r>
+                          <a:rPr lang="en-US" sz="1900" b="0" i="1" smtClean="0">
+                            <a:latin typeface="Cambria Math" panose="02040503050406030204" pitchFamily="18" charset="0"/>
+                          </a:rPr>
+                          <m:t>2</m:t>
+                        </m:r>
+                      </m:sup>
+                    </m:sSup>
+                    <m:r>
+                      <a:rPr lang="en-US" sz="1900" b="0" i="1" smtClean="0">
+                        <a:latin typeface="Cambria Math" panose="02040503050406030204" pitchFamily="18" charset="0"/>
+                      </a:rPr>
+                      <m:t>+</m:t>
+                    </m:r>
+                    <m:r>
+                      <a:rPr lang="en-US" sz="1900" i="1">
+                        <a:latin typeface="Cambria Math" panose="02040503050406030204" pitchFamily="18" charset="0"/>
+                      </a:rPr>
+                      <m:t>𝐸</m:t>
+                    </m:r>
+                    <m:sSup>
+                      <m:sSupPr>
+                        <m:ctrlPr>
+                          <a:rPr lang="en-US" sz="1900" i="1">
+                            <a:latin typeface="Cambria Math" panose="02040503050406030204" pitchFamily="18" charset="0"/>
+                          </a:rPr>
+                        </m:ctrlPr>
+                      </m:sSupPr>
+                      <m:e>
+                        <m:d>
+                          <m:dPr>
+                            <m:begChr m:val="["/>
+                            <m:endChr m:val="]"/>
+                            <m:ctrlPr>
+                              <a:rPr lang="en-US" sz="1900" i="1">
+                                <a:latin typeface="Cambria Math" panose="02040503050406030204" pitchFamily="18" charset="0"/>
+                              </a:rPr>
+                            </m:ctrlPr>
+                          </m:dPr>
+                          <m:e>
+                            <m:r>
+                              <a:rPr lang="en-US" sz="1900" i="1">
+                                <a:solidFill>
+                                  <a:schemeClr val="tx1"/>
+                                </a:solidFill>
+                                <a:latin typeface="Cambria Math" panose="02040503050406030204" pitchFamily="18" charset="0"/>
+                              </a:rPr>
+                              <m:t>𝑓</m:t>
+                            </m:r>
+                            <m:d>
+                              <m:dPr>
+                                <m:ctrlPr>
+                                  <a:rPr lang="en-US" sz="1900" i="1">
+                                    <a:solidFill>
+                                      <a:schemeClr val="tx1"/>
+                                    </a:solidFill>
+                                    <a:latin typeface="Cambria Math" panose="02040503050406030204" pitchFamily="18" charset="0"/>
+                                  </a:rPr>
+                                </m:ctrlPr>
+                              </m:dPr>
+                              <m:e>
+                                <m:sSub>
+                                  <m:sSubPr>
+                                    <m:ctrlPr>
+                                      <a:rPr lang="en-US" sz="1900" b="1" i="1">
+                                        <a:latin typeface="Cambria Math" panose="02040503050406030204" pitchFamily="18" charset="0"/>
+                                      </a:rPr>
+                                    </m:ctrlPr>
+                                  </m:sSubPr>
+                                  <m:e>
+                                    <m:r>
+                                      <a:rPr lang="en-US" sz="1900" b="1" i="1">
+                                        <a:latin typeface="Cambria Math" panose="02040503050406030204" pitchFamily="18" charset="0"/>
+                                      </a:rPr>
+                                      <m:t>𝒙</m:t>
+                                    </m:r>
+                                  </m:e>
+                                  <m:sub>
+                                    <m:r>
+                                      <a:rPr lang="en-US" sz="1900" i="1">
+                                        <a:latin typeface="Cambria Math" panose="02040503050406030204" pitchFamily="18" charset="0"/>
+                                      </a:rPr>
+                                      <m:t>𝑡𝑒𝑠𝑡</m:t>
+                                    </m:r>
+                                  </m:sub>
+                                </m:sSub>
+                                <m:r>
+                                  <a:rPr lang="en-US" sz="1900" b="1" i="1">
+                                    <a:latin typeface="Cambria Math" panose="02040503050406030204" pitchFamily="18" charset="0"/>
+                                  </a:rPr>
+                                  <m:t>,</m:t>
+                                </m:r>
+                                <m:acc>
+                                  <m:accPr>
+                                    <m:chr m:val="̂"/>
+                                    <m:ctrlPr>
+                                      <a:rPr lang="en-US" sz="1900" b="1" i="1">
+                                        <a:latin typeface="Cambria Math" panose="02040503050406030204" pitchFamily="18" charset="0"/>
+                                      </a:rPr>
+                                    </m:ctrlPr>
+                                  </m:accPr>
+                                  <m:e>
+                                    <m:r>
+                                      <a:rPr lang="en-US" sz="1900" b="1" i="1">
+                                        <a:latin typeface="Cambria Math" panose="02040503050406030204" pitchFamily="18" charset="0"/>
+                                      </a:rPr>
+                                      <m:t>𝜷</m:t>
+                                    </m:r>
+                                  </m:e>
+                                </m:acc>
+                              </m:e>
+                            </m:d>
+                            <m:r>
+                              <a:rPr lang="en-US" sz="1900" b="0" i="1" smtClean="0">
+                                <a:latin typeface="Cambria Math" panose="02040503050406030204" pitchFamily="18" charset="0"/>
+                              </a:rPr>
+                              <m:t>−</m:t>
+                            </m:r>
+                            <m:r>
+                              <a:rPr lang="en-US" sz="1900" i="1">
+                                <a:latin typeface="Cambria Math" panose="02040503050406030204" pitchFamily="18" charset="0"/>
+                              </a:rPr>
+                              <m:t>𝐸</m:t>
+                            </m:r>
+                            <m:d>
+                              <m:dPr>
+                                <m:begChr m:val="["/>
+                                <m:endChr m:val="]"/>
+                                <m:ctrlPr>
+                                  <a:rPr lang="en-US" sz="1900" i="1">
+                                    <a:latin typeface="Cambria Math" panose="02040503050406030204" pitchFamily="18" charset="0"/>
+                                  </a:rPr>
+                                </m:ctrlPr>
+                              </m:dPr>
+                              <m:e>
+                                <m:r>
+                                  <a:rPr lang="en-US" sz="1900" i="1">
+                                    <a:solidFill>
+                                      <a:schemeClr val="tx1"/>
+                                    </a:solidFill>
+                                    <a:latin typeface="Cambria Math" panose="02040503050406030204" pitchFamily="18" charset="0"/>
+                                  </a:rPr>
+                                  <m:t>𝑓</m:t>
+                                </m:r>
+                                <m:d>
+                                  <m:dPr>
+                                    <m:ctrlPr>
+                                      <a:rPr lang="en-US" sz="1900" i="1">
+                                        <a:solidFill>
+                                          <a:schemeClr val="tx1"/>
+                                        </a:solidFill>
+                                        <a:latin typeface="Cambria Math" panose="02040503050406030204" pitchFamily="18" charset="0"/>
+                                      </a:rPr>
+                                    </m:ctrlPr>
+                                  </m:dPr>
+                                  <m:e>
+                                    <m:sSub>
+                                      <m:sSubPr>
+                                        <m:ctrlPr>
+                                          <a:rPr lang="en-US" sz="1900" b="1" i="1">
+                                            <a:latin typeface="Cambria Math" panose="02040503050406030204" pitchFamily="18" charset="0"/>
+                                          </a:rPr>
+                                        </m:ctrlPr>
+                                      </m:sSubPr>
+                                      <m:e>
+                                        <m:r>
+                                          <a:rPr lang="en-US" sz="1900" b="1" i="1">
+                                            <a:latin typeface="Cambria Math" panose="02040503050406030204" pitchFamily="18" charset="0"/>
+                                          </a:rPr>
+                                          <m:t>𝒙</m:t>
+                                        </m:r>
+                                      </m:e>
+                                      <m:sub>
+                                        <m:r>
+                                          <a:rPr lang="en-US" sz="1900" i="1">
+                                            <a:latin typeface="Cambria Math" panose="02040503050406030204" pitchFamily="18" charset="0"/>
+                                          </a:rPr>
+                                          <m:t>𝑡𝑒𝑠𝑡</m:t>
+                                        </m:r>
+                                      </m:sub>
+                                    </m:sSub>
+                                    <m:r>
+                                      <a:rPr lang="en-US" sz="1900" b="1" i="1">
+                                        <a:latin typeface="Cambria Math" panose="02040503050406030204" pitchFamily="18" charset="0"/>
+                                      </a:rPr>
+                                      <m:t>,</m:t>
+                                    </m:r>
+                                    <m:acc>
+                                      <m:accPr>
+                                        <m:chr m:val="̂"/>
+                                        <m:ctrlPr>
+                                          <a:rPr lang="en-US" sz="1900" b="1" i="1">
+                                            <a:latin typeface="Cambria Math" panose="02040503050406030204" pitchFamily="18" charset="0"/>
+                                          </a:rPr>
+                                        </m:ctrlPr>
+                                      </m:accPr>
+                                      <m:e>
+                                        <m:r>
+                                          <a:rPr lang="en-US" sz="1900" b="1" i="1">
+                                            <a:latin typeface="Cambria Math" panose="02040503050406030204" pitchFamily="18" charset="0"/>
+                                          </a:rPr>
+                                          <m:t>𝜷</m:t>
+                                        </m:r>
+                                      </m:e>
+                                    </m:acc>
+                                  </m:e>
+                                </m:d>
+                              </m:e>
+                            </m:d>
+                          </m:e>
+                        </m:d>
+                      </m:e>
+                      <m:sup>
+                        <m:r>
+                          <a:rPr lang="en-US" sz="1900" i="1">
+                            <a:latin typeface="Cambria Math" panose="02040503050406030204" pitchFamily="18" charset="0"/>
+                          </a:rPr>
+                          <m:t>2</m:t>
+                        </m:r>
+                      </m:sup>
+                    </m:sSup>
+                  </m:oMath>
+                </a14:m>
+                <a:endParaRPr lang="en-US" b="0" dirty="0">
+                  <a:ea typeface="Cambria Math" panose="02040503050406030204" pitchFamily="18" charset="0"/>
+                </a:endParaRPr>
+              </a:p>
+              <a:p>
+                <a:r>
+                  <a:rPr lang="en-US" dirty="0">
+                    <a:solidFill>
+                      <a:schemeClr val="accent1">
+                        <a:lumMod val="60000"/>
+                        <a:lumOff val="40000"/>
+                      </a:schemeClr>
+                    </a:solidFill>
+                  </a:rPr>
+                  <a:t>Bias</a:t>
+                </a:r>
+                <a:r>
+                  <a:rPr lang="en-US" dirty="0"/>
+                  <a:t>:  </a:t>
+                </a:r>
+                <a14:m>
+                  <m:oMath xmlns:m="http://schemas.openxmlformats.org/officeDocument/2006/math">
+                    <m:r>
+                      <a:rPr lang="en-US" i="1">
+                        <a:latin typeface="Cambria Math" panose="02040503050406030204" pitchFamily="18" charset="0"/>
+                      </a:rPr>
+                      <m:t>𝐵𝑖𝑎𝑠</m:t>
+                    </m:r>
+                    <m:d>
+                      <m:dPr>
+                        <m:ctrlPr>
+                          <a:rPr lang="en-US" i="1">
+                            <a:latin typeface="Cambria Math" panose="02040503050406030204" pitchFamily="18" charset="0"/>
+                          </a:rPr>
+                        </m:ctrlPr>
+                      </m:dPr>
+                      <m:e>
+                        <m:sSub>
+                          <m:sSubPr>
+                            <m:ctrlPr>
+                              <a:rPr lang="en-US" b="1" i="1">
+                                <a:latin typeface="Cambria Math" panose="02040503050406030204" pitchFamily="18" charset="0"/>
+                              </a:rPr>
+                            </m:ctrlPr>
+                          </m:sSubPr>
+                          <m:e>
+                            <m:r>
+                              <a:rPr lang="en-US" b="1" i="1">
+                                <a:latin typeface="Cambria Math" panose="02040503050406030204" pitchFamily="18" charset="0"/>
+                              </a:rPr>
+                              <m:t>𝒙</m:t>
+                            </m:r>
+                          </m:e>
+                          <m:sub>
+                            <m:r>
+                              <a:rPr lang="en-US" i="1">
+                                <a:latin typeface="Cambria Math" panose="02040503050406030204" pitchFamily="18" charset="0"/>
+                              </a:rPr>
+                              <m:t>𝑡𝑒𝑠𝑡</m:t>
+                            </m:r>
+                          </m:sub>
+                        </m:sSub>
+                      </m:e>
+                    </m:d>
+                    <m:r>
+                      <a:rPr lang="en-US" i="1">
+                        <a:latin typeface="Cambria Math" panose="02040503050406030204" pitchFamily="18" charset="0"/>
+                      </a:rPr>
+                      <m:t>:=</m:t>
+                    </m:r>
+                    <m:sSub>
+                      <m:sSubPr>
+                        <m:ctrlPr>
+                          <a:rPr lang="en-US" i="1">
+                            <a:latin typeface="Cambria Math" panose="02040503050406030204" pitchFamily="18" charset="0"/>
+                          </a:rPr>
+                        </m:ctrlPr>
+                      </m:sSubPr>
+                      <m:e>
+                        <m:r>
+                          <a:rPr lang="en-US" i="1">
+                            <a:latin typeface="Cambria Math" panose="02040503050406030204" pitchFamily="18" charset="0"/>
+                          </a:rPr>
+                          <m:t>𝑓</m:t>
+                        </m:r>
+                      </m:e>
+                      <m:sub>
+                        <m:r>
+                          <a:rPr lang="en-US" i="1">
+                            <a:latin typeface="Cambria Math" panose="02040503050406030204" pitchFamily="18" charset="0"/>
+                          </a:rPr>
+                          <m:t>0</m:t>
+                        </m:r>
+                      </m:sub>
+                    </m:sSub>
+                    <m:d>
+                      <m:dPr>
+                        <m:ctrlPr>
+                          <a:rPr lang="en-US" i="1">
+                            <a:latin typeface="Cambria Math" panose="02040503050406030204" pitchFamily="18" charset="0"/>
+                          </a:rPr>
+                        </m:ctrlPr>
+                      </m:dPr>
+                      <m:e>
+                        <m:sSub>
+                          <m:sSubPr>
+                            <m:ctrlPr>
+                              <a:rPr lang="en-US" b="1" i="1">
+                                <a:latin typeface="Cambria Math" panose="02040503050406030204" pitchFamily="18" charset="0"/>
+                              </a:rPr>
+                            </m:ctrlPr>
+                          </m:sSubPr>
+                          <m:e>
+                            <m:r>
+                              <a:rPr lang="en-US" b="1" i="1">
+                                <a:latin typeface="Cambria Math" panose="02040503050406030204" pitchFamily="18" charset="0"/>
+                              </a:rPr>
+                              <m:t>𝒙</m:t>
+                            </m:r>
+                          </m:e>
+                          <m:sub>
+                            <m:r>
+                              <a:rPr lang="en-US" i="1">
+                                <a:latin typeface="Cambria Math" panose="02040503050406030204" pitchFamily="18" charset="0"/>
+                              </a:rPr>
+                              <m:t>𝑡𝑒𝑠𝑡</m:t>
+                            </m:r>
+                          </m:sub>
+                        </m:sSub>
+                      </m:e>
+                    </m:d>
+                    <m:r>
+                      <a:rPr lang="en-US" i="1">
+                        <a:latin typeface="Cambria Math" panose="02040503050406030204" pitchFamily="18" charset="0"/>
+                      </a:rPr>
+                      <m:t>−</m:t>
+                    </m:r>
+                    <m:r>
+                      <a:rPr lang="en-US" b="0" i="1" smtClean="0">
+                        <a:latin typeface="Cambria Math" panose="02040503050406030204" pitchFamily="18" charset="0"/>
+                      </a:rPr>
+                      <m:t>𝐸</m:t>
+                    </m:r>
+                    <m:d>
+                      <m:dPr>
+                        <m:begChr m:val="["/>
+                        <m:endChr m:val="]"/>
+                        <m:ctrlPr>
+                          <a:rPr lang="en-US" b="0" i="1" smtClean="0">
+                            <a:latin typeface="Cambria Math" panose="02040503050406030204" pitchFamily="18" charset="0"/>
+                          </a:rPr>
+                        </m:ctrlPr>
+                      </m:dPr>
+                      <m:e>
+                        <m:r>
+                          <a:rPr lang="en-US" i="1">
+                            <a:solidFill>
+                              <a:schemeClr val="tx1"/>
+                            </a:solidFill>
+                            <a:latin typeface="Cambria Math" panose="02040503050406030204" pitchFamily="18" charset="0"/>
+                          </a:rPr>
+                          <m:t>𝑓</m:t>
+                        </m:r>
+                        <m:d>
+                          <m:dPr>
+                            <m:ctrlPr>
+                              <a:rPr lang="en-US" i="1">
+                                <a:solidFill>
+                                  <a:schemeClr val="tx1"/>
+                                </a:solidFill>
+                                <a:latin typeface="Cambria Math" panose="02040503050406030204" pitchFamily="18" charset="0"/>
+                              </a:rPr>
+                            </m:ctrlPr>
+                          </m:dPr>
+                          <m:e>
+                            <m:sSub>
+                              <m:sSubPr>
+                                <m:ctrlPr>
+                                  <a:rPr lang="en-US" b="1" i="1">
+                                    <a:latin typeface="Cambria Math" panose="02040503050406030204" pitchFamily="18" charset="0"/>
+                                  </a:rPr>
+                                </m:ctrlPr>
+                              </m:sSubPr>
+                              <m:e>
+                                <m:r>
+                                  <a:rPr lang="en-US" b="1" i="1">
+                                    <a:latin typeface="Cambria Math" panose="02040503050406030204" pitchFamily="18" charset="0"/>
+                                  </a:rPr>
+                                  <m:t>𝒙</m:t>
+                                </m:r>
+                              </m:e>
+                              <m:sub>
+                                <m:r>
+                                  <a:rPr lang="en-US" i="1">
+                                    <a:latin typeface="Cambria Math" panose="02040503050406030204" pitchFamily="18" charset="0"/>
+                                  </a:rPr>
+                                  <m:t>𝑡𝑒𝑠𝑡</m:t>
+                                </m:r>
+                              </m:sub>
+                            </m:sSub>
+                            <m:r>
+                              <a:rPr lang="en-US" b="1" i="1">
+                                <a:latin typeface="Cambria Math" panose="02040503050406030204" pitchFamily="18" charset="0"/>
+                              </a:rPr>
+                              <m:t>,</m:t>
+                            </m:r>
+                            <m:acc>
+                              <m:accPr>
+                                <m:chr m:val="̂"/>
+                                <m:ctrlPr>
+                                  <a:rPr lang="en-US" b="1" i="1">
+                                    <a:latin typeface="Cambria Math" panose="02040503050406030204" pitchFamily="18" charset="0"/>
+                                  </a:rPr>
+                                </m:ctrlPr>
+                              </m:accPr>
+                              <m:e>
+                                <m:r>
+                                  <a:rPr lang="en-US" b="1" i="1">
+                                    <a:latin typeface="Cambria Math" panose="02040503050406030204" pitchFamily="18" charset="0"/>
+                                  </a:rPr>
+                                  <m:t>𝜷</m:t>
+                                </m:r>
+                              </m:e>
+                            </m:acc>
+                          </m:e>
+                        </m:d>
+                      </m:e>
+                    </m:d>
+                  </m:oMath>
+                </a14:m>
+                <a:endParaRPr lang="en-US" b="0" dirty="0"/>
+              </a:p>
+              <a:p>
+                <a:r>
+                  <a:rPr lang="en-US" b="0" dirty="0">
+                    <a:solidFill>
+                      <a:schemeClr val="accent1">
+                        <a:lumMod val="60000"/>
+                        <a:lumOff val="40000"/>
+                      </a:schemeClr>
+                    </a:solidFill>
+                  </a:rPr>
+                  <a:t>Variance</a:t>
+                </a:r>
+                <a:r>
+                  <a:rPr lang="en-US" b="0" dirty="0"/>
+                  <a:t>:  </a:t>
+                </a:r>
+                <a14:m>
+                  <m:oMath xmlns:m="http://schemas.openxmlformats.org/officeDocument/2006/math">
+                    <m:r>
+                      <a:rPr lang="en-US" b="0" i="1" smtClean="0">
+                        <a:latin typeface="Cambria Math" panose="02040503050406030204" pitchFamily="18" charset="0"/>
+                      </a:rPr>
+                      <m:t>𝑉𝑎𝑟</m:t>
+                    </m:r>
+                    <m:d>
+                      <m:dPr>
+                        <m:ctrlPr>
+                          <a:rPr lang="en-US" i="1">
+                            <a:latin typeface="Cambria Math" panose="02040503050406030204" pitchFamily="18" charset="0"/>
+                          </a:rPr>
+                        </m:ctrlPr>
+                      </m:dPr>
+                      <m:e>
+                        <m:sSub>
+                          <m:sSubPr>
+                            <m:ctrlPr>
+                              <a:rPr lang="en-US" b="1" i="1">
+                                <a:latin typeface="Cambria Math" panose="02040503050406030204" pitchFamily="18" charset="0"/>
+                              </a:rPr>
+                            </m:ctrlPr>
+                          </m:sSubPr>
+                          <m:e>
+                            <m:r>
+                              <a:rPr lang="en-US" b="1" i="1">
+                                <a:latin typeface="Cambria Math" panose="02040503050406030204" pitchFamily="18" charset="0"/>
+                              </a:rPr>
+                              <m:t>𝒙</m:t>
+                            </m:r>
+                          </m:e>
+                          <m:sub>
+                            <m:r>
+                              <a:rPr lang="en-US" i="1">
+                                <a:latin typeface="Cambria Math" panose="02040503050406030204" pitchFamily="18" charset="0"/>
+                              </a:rPr>
+                              <m:t>𝑡𝑒𝑠𝑡</m:t>
+                            </m:r>
+                          </m:sub>
+                        </m:sSub>
+                      </m:e>
+                    </m:d>
+                    <m:r>
+                      <a:rPr lang="en-US" i="1" smtClean="0">
+                        <a:latin typeface="Cambria Math" panose="02040503050406030204" pitchFamily="18" charset="0"/>
+                      </a:rPr>
+                      <m:t>≔</m:t>
+                    </m:r>
+                    <m:r>
+                      <a:rPr lang="en-US" i="1" smtClean="0">
+                        <a:latin typeface="Cambria Math" panose="02040503050406030204" pitchFamily="18" charset="0"/>
+                      </a:rPr>
+                      <m:t>𝐸</m:t>
+                    </m:r>
+                    <m:sSup>
+                      <m:sSupPr>
+                        <m:ctrlPr>
+                          <a:rPr lang="en-US" b="0" i="1" smtClean="0">
+                            <a:latin typeface="Cambria Math" panose="02040503050406030204" pitchFamily="18" charset="0"/>
+                          </a:rPr>
+                        </m:ctrlPr>
+                      </m:sSupPr>
+                      <m:e>
+                        <m:d>
+                          <m:dPr>
+                            <m:begChr m:val="["/>
+                            <m:endChr m:val="]"/>
+                            <m:ctrlPr>
+                              <a:rPr lang="en-US" i="1" smtClean="0">
+                                <a:latin typeface="Cambria Math" panose="02040503050406030204" pitchFamily="18" charset="0"/>
+                              </a:rPr>
+                            </m:ctrlPr>
+                          </m:dPr>
+                          <m:e>
+                            <m:r>
+                              <a:rPr lang="en-US" i="1">
+                                <a:solidFill>
+                                  <a:schemeClr val="tx1"/>
+                                </a:solidFill>
+                                <a:latin typeface="Cambria Math" panose="02040503050406030204" pitchFamily="18" charset="0"/>
+                              </a:rPr>
+                              <m:t>𝑓</m:t>
+                            </m:r>
+                            <m:d>
+                              <m:dPr>
+                                <m:ctrlPr>
+                                  <a:rPr lang="en-US" i="1">
+                                    <a:solidFill>
+                                      <a:schemeClr val="tx1"/>
+                                    </a:solidFill>
+                                    <a:latin typeface="Cambria Math" panose="02040503050406030204" pitchFamily="18" charset="0"/>
+                                  </a:rPr>
+                                </m:ctrlPr>
+                              </m:dPr>
+                              <m:e>
+                                <m:sSub>
+                                  <m:sSubPr>
+                                    <m:ctrlPr>
+                                      <a:rPr lang="en-US" b="1" i="1">
+                                        <a:latin typeface="Cambria Math" panose="02040503050406030204" pitchFamily="18" charset="0"/>
+                                      </a:rPr>
+                                    </m:ctrlPr>
+                                  </m:sSubPr>
+                                  <m:e>
+                                    <m:r>
+                                      <a:rPr lang="en-US" b="1" i="1">
+                                        <a:latin typeface="Cambria Math" panose="02040503050406030204" pitchFamily="18" charset="0"/>
+                                      </a:rPr>
+                                      <m:t>𝒙</m:t>
+                                    </m:r>
+                                  </m:e>
+                                  <m:sub>
+                                    <m:r>
+                                      <a:rPr lang="en-US" i="1">
+                                        <a:latin typeface="Cambria Math" panose="02040503050406030204" pitchFamily="18" charset="0"/>
+                                      </a:rPr>
+                                      <m:t>𝑡𝑒𝑠𝑡</m:t>
+                                    </m:r>
+                                  </m:sub>
+                                </m:sSub>
+                                <m:r>
+                                  <a:rPr lang="en-US" b="1" i="1">
+                                    <a:latin typeface="Cambria Math" panose="02040503050406030204" pitchFamily="18" charset="0"/>
+                                  </a:rPr>
+                                  <m:t>,</m:t>
+                                </m:r>
+                                <m:acc>
+                                  <m:accPr>
+                                    <m:chr m:val="̂"/>
+                                    <m:ctrlPr>
+                                      <a:rPr lang="en-US" b="1" i="1">
+                                        <a:latin typeface="Cambria Math" panose="02040503050406030204" pitchFamily="18" charset="0"/>
+                                      </a:rPr>
+                                    </m:ctrlPr>
+                                  </m:accPr>
+                                  <m:e>
+                                    <m:r>
+                                      <a:rPr lang="en-US" b="1" i="1">
+                                        <a:latin typeface="Cambria Math" panose="02040503050406030204" pitchFamily="18" charset="0"/>
+                                      </a:rPr>
+                                      <m:t>𝜷</m:t>
+                                    </m:r>
+                                  </m:e>
+                                </m:acc>
+                              </m:e>
+                            </m:d>
+                            <m:r>
+                              <a:rPr lang="en-US" b="0" i="1" smtClean="0">
+                                <a:latin typeface="Cambria Math" panose="02040503050406030204" pitchFamily="18" charset="0"/>
+                              </a:rPr>
+                              <m:t>−</m:t>
+                            </m:r>
+                            <m:r>
+                              <a:rPr lang="en-US" i="1">
+                                <a:latin typeface="Cambria Math" panose="02040503050406030204" pitchFamily="18" charset="0"/>
+                              </a:rPr>
+                              <m:t>𝐸</m:t>
+                            </m:r>
+                            <m:d>
+                              <m:dPr>
+                                <m:begChr m:val="["/>
+                                <m:endChr m:val="]"/>
+                                <m:ctrlPr>
+                                  <a:rPr lang="en-US" i="1">
+                                    <a:latin typeface="Cambria Math" panose="02040503050406030204" pitchFamily="18" charset="0"/>
+                                  </a:rPr>
+                                </m:ctrlPr>
+                              </m:dPr>
+                              <m:e>
+                                <m:r>
+                                  <a:rPr lang="en-US" i="1">
+                                    <a:solidFill>
+                                      <a:schemeClr val="tx1"/>
+                                    </a:solidFill>
+                                    <a:latin typeface="Cambria Math" panose="02040503050406030204" pitchFamily="18" charset="0"/>
+                                  </a:rPr>
+                                  <m:t>𝑓</m:t>
+                                </m:r>
+                                <m:d>
+                                  <m:dPr>
+                                    <m:ctrlPr>
+                                      <a:rPr lang="en-US" i="1">
+                                        <a:solidFill>
+                                          <a:schemeClr val="tx1"/>
+                                        </a:solidFill>
+                                        <a:latin typeface="Cambria Math" panose="02040503050406030204" pitchFamily="18" charset="0"/>
+                                      </a:rPr>
+                                    </m:ctrlPr>
+                                  </m:dPr>
+                                  <m:e>
+                                    <m:sSub>
+                                      <m:sSubPr>
+                                        <m:ctrlPr>
+                                          <a:rPr lang="en-US" b="1" i="1">
+                                            <a:latin typeface="Cambria Math" panose="02040503050406030204" pitchFamily="18" charset="0"/>
+                                          </a:rPr>
+                                        </m:ctrlPr>
+                                      </m:sSubPr>
+                                      <m:e>
+                                        <m:r>
+                                          <a:rPr lang="en-US" b="1" i="1">
+                                            <a:latin typeface="Cambria Math" panose="02040503050406030204" pitchFamily="18" charset="0"/>
+                                          </a:rPr>
+                                          <m:t>𝒙</m:t>
+                                        </m:r>
+                                      </m:e>
+                                      <m:sub>
+                                        <m:r>
+                                          <a:rPr lang="en-US" i="1">
+                                            <a:latin typeface="Cambria Math" panose="02040503050406030204" pitchFamily="18" charset="0"/>
+                                          </a:rPr>
+                                          <m:t>𝑡𝑒𝑠𝑡</m:t>
+                                        </m:r>
+                                      </m:sub>
+                                    </m:sSub>
+                                    <m:r>
+                                      <a:rPr lang="en-US" b="1" i="1">
+                                        <a:latin typeface="Cambria Math" panose="02040503050406030204" pitchFamily="18" charset="0"/>
+                                      </a:rPr>
+                                      <m:t>,</m:t>
+                                    </m:r>
+                                    <m:acc>
+                                      <m:accPr>
+                                        <m:chr m:val="̂"/>
+                                        <m:ctrlPr>
+                                          <a:rPr lang="en-US" b="1" i="1">
+                                            <a:latin typeface="Cambria Math" panose="02040503050406030204" pitchFamily="18" charset="0"/>
+                                          </a:rPr>
+                                        </m:ctrlPr>
+                                      </m:accPr>
+                                      <m:e>
+                                        <m:r>
+                                          <a:rPr lang="en-US" b="1" i="1">
+                                            <a:latin typeface="Cambria Math" panose="02040503050406030204" pitchFamily="18" charset="0"/>
+                                          </a:rPr>
+                                          <m:t>𝜷</m:t>
+                                        </m:r>
+                                      </m:e>
+                                    </m:acc>
+                                  </m:e>
+                                </m:d>
+                              </m:e>
+                            </m:d>
+                          </m:e>
+                        </m:d>
+                      </m:e>
+                      <m:sup>
+                        <m:r>
+                          <a:rPr lang="en-US" b="0" i="1" smtClean="0">
+                            <a:latin typeface="Cambria Math" panose="02040503050406030204" pitchFamily="18" charset="0"/>
+                          </a:rPr>
+                          <m:t>2</m:t>
+                        </m:r>
+                      </m:sup>
+                    </m:sSup>
+                  </m:oMath>
+                </a14:m>
+                <a:endParaRPr lang="en-US" dirty="0"/>
+              </a:p>
+              <a:p>
+                <a:r>
+                  <a:rPr lang="en-US" dirty="0">
+                    <a:solidFill>
+                      <a:schemeClr val="accent1">
+                        <a:lumMod val="60000"/>
+                        <a:lumOff val="40000"/>
+                      </a:schemeClr>
+                    </a:solidFill>
+                  </a:rPr>
+                  <a:t>Bias-Variance formula </a:t>
+                </a:r>
+                <a:r>
+                  <a:rPr lang="en-US" dirty="0"/>
+                  <a:t>:  </a:t>
+                </a:r>
+                <a14:m>
+                  <m:oMath xmlns:m="http://schemas.openxmlformats.org/officeDocument/2006/math">
+                    <m:r>
+                      <a:rPr lang="en-US" b="0" i="1" smtClean="0">
+                        <a:solidFill>
+                          <a:srgbClr val="FF0000"/>
+                        </a:solidFill>
+                        <a:latin typeface="Cambria Math" panose="02040503050406030204" pitchFamily="18" charset="0"/>
+                      </a:rPr>
+                      <m:t>𝑀𝑆𝐸</m:t>
+                    </m:r>
+                    <m:d>
+                      <m:dPr>
+                        <m:ctrlPr>
+                          <a:rPr lang="en-US" i="1">
+                            <a:solidFill>
+                              <a:srgbClr val="FF0000"/>
+                            </a:solidFill>
+                            <a:latin typeface="Cambria Math" panose="02040503050406030204" pitchFamily="18" charset="0"/>
+                          </a:rPr>
+                        </m:ctrlPr>
+                      </m:dPr>
+                      <m:e>
+                        <m:sSub>
+                          <m:sSubPr>
+                            <m:ctrlPr>
+                              <a:rPr lang="en-US" b="1" i="1">
+                                <a:solidFill>
+                                  <a:srgbClr val="FF0000"/>
+                                </a:solidFill>
+                                <a:latin typeface="Cambria Math" panose="02040503050406030204" pitchFamily="18" charset="0"/>
+                              </a:rPr>
+                            </m:ctrlPr>
+                          </m:sSubPr>
+                          <m:e>
+                            <m:r>
+                              <a:rPr lang="en-US" b="1" i="1">
+                                <a:solidFill>
+                                  <a:srgbClr val="FF0000"/>
+                                </a:solidFill>
+                                <a:latin typeface="Cambria Math" panose="02040503050406030204" pitchFamily="18" charset="0"/>
+                              </a:rPr>
+                              <m:t>𝒙</m:t>
+                            </m:r>
+                          </m:e>
+                          <m:sub>
+                            <m:r>
+                              <a:rPr lang="en-US" i="1">
+                                <a:solidFill>
+                                  <a:srgbClr val="FF0000"/>
+                                </a:solidFill>
+                                <a:latin typeface="Cambria Math" panose="02040503050406030204" pitchFamily="18" charset="0"/>
+                              </a:rPr>
+                              <m:t>𝑡𝑒𝑠𝑡</m:t>
+                            </m:r>
+                          </m:sub>
+                        </m:sSub>
+                      </m:e>
+                    </m:d>
+                    <m:r>
+                      <a:rPr lang="en-US" b="0" i="1" smtClean="0">
+                        <a:solidFill>
+                          <a:srgbClr val="FF0000"/>
+                        </a:solidFill>
+                        <a:latin typeface="Cambria Math" panose="02040503050406030204" pitchFamily="18" charset="0"/>
+                      </a:rPr>
+                      <m:t>=</m:t>
+                    </m:r>
+                  </m:oMath>
+                </a14:m>
+                <a:r>
+                  <a:rPr lang="en-US" dirty="0">
+                    <a:solidFill>
+                      <a:srgbClr val="FF0000"/>
+                    </a:solidFill>
+                  </a:rPr>
+                  <a:t> </a:t>
+                </a:r>
+                <a14:m>
+                  <m:oMath xmlns:m="http://schemas.openxmlformats.org/officeDocument/2006/math">
+                    <m:sSup>
+                      <m:sSupPr>
+                        <m:ctrlPr>
+                          <a:rPr lang="en-US" i="1" smtClean="0">
+                            <a:solidFill>
+                              <a:srgbClr val="FF0000"/>
+                            </a:solidFill>
+                            <a:latin typeface="Cambria Math" panose="02040503050406030204" pitchFamily="18" charset="0"/>
+                          </a:rPr>
+                        </m:ctrlPr>
+                      </m:sSupPr>
+                      <m:e>
+                        <m:r>
+                          <a:rPr lang="en-US" i="1">
+                            <a:solidFill>
+                              <a:srgbClr val="FF0000"/>
+                            </a:solidFill>
+                            <a:latin typeface="Cambria Math" panose="02040503050406030204" pitchFamily="18" charset="0"/>
+                          </a:rPr>
+                          <m:t>𝐵𝑖𝑎𝑠</m:t>
+                        </m:r>
+                        <m:d>
+                          <m:dPr>
+                            <m:ctrlPr>
+                              <a:rPr lang="en-US" i="1">
+                                <a:solidFill>
+                                  <a:srgbClr val="FF0000"/>
+                                </a:solidFill>
+                                <a:latin typeface="Cambria Math" panose="02040503050406030204" pitchFamily="18" charset="0"/>
+                              </a:rPr>
+                            </m:ctrlPr>
+                          </m:dPr>
+                          <m:e>
+                            <m:sSub>
+                              <m:sSubPr>
+                                <m:ctrlPr>
+                                  <a:rPr lang="en-US" b="1" i="1">
+                                    <a:solidFill>
+                                      <a:srgbClr val="FF0000"/>
+                                    </a:solidFill>
+                                    <a:latin typeface="Cambria Math" panose="02040503050406030204" pitchFamily="18" charset="0"/>
+                                  </a:rPr>
+                                </m:ctrlPr>
+                              </m:sSubPr>
+                              <m:e>
+                                <m:r>
+                                  <a:rPr lang="en-US" b="1" i="1">
+                                    <a:solidFill>
+                                      <a:srgbClr val="FF0000"/>
+                                    </a:solidFill>
+                                    <a:latin typeface="Cambria Math" panose="02040503050406030204" pitchFamily="18" charset="0"/>
+                                  </a:rPr>
+                                  <m:t>𝒙</m:t>
+                                </m:r>
+                              </m:e>
+                              <m:sub>
+                                <m:r>
+                                  <a:rPr lang="en-US" i="1">
+                                    <a:solidFill>
+                                      <a:srgbClr val="FF0000"/>
+                                    </a:solidFill>
+                                    <a:latin typeface="Cambria Math" panose="02040503050406030204" pitchFamily="18" charset="0"/>
+                                  </a:rPr>
+                                  <m:t>𝑡𝑒𝑠𝑡</m:t>
+                                </m:r>
+                              </m:sub>
+                            </m:sSub>
+                          </m:e>
+                        </m:d>
+                      </m:e>
+                      <m:sup>
+                        <m:r>
+                          <a:rPr lang="en-US" b="0" i="1" smtClean="0">
+                            <a:solidFill>
+                              <a:srgbClr val="FF0000"/>
+                            </a:solidFill>
+                            <a:latin typeface="Cambria Math" panose="02040503050406030204" pitchFamily="18" charset="0"/>
+                          </a:rPr>
+                          <m:t>2</m:t>
+                        </m:r>
+                      </m:sup>
+                    </m:sSup>
+                    <m:r>
+                      <a:rPr lang="en-US" b="1" i="1" smtClean="0">
+                        <a:solidFill>
+                          <a:srgbClr val="FF0000"/>
+                        </a:solidFill>
+                        <a:latin typeface="Cambria Math" panose="02040503050406030204" pitchFamily="18" charset="0"/>
+                      </a:rPr>
+                      <m:t>+</m:t>
+                    </m:r>
+                    <m:r>
+                      <a:rPr lang="en-US" i="1">
+                        <a:solidFill>
+                          <a:srgbClr val="FF0000"/>
+                        </a:solidFill>
+                        <a:latin typeface="Cambria Math" panose="02040503050406030204" pitchFamily="18" charset="0"/>
+                      </a:rPr>
+                      <m:t>𝑉𝑎𝑟</m:t>
+                    </m:r>
+                    <m:d>
+                      <m:dPr>
+                        <m:ctrlPr>
+                          <a:rPr lang="en-US" i="1">
+                            <a:solidFill>
+                              <a:srgbClr val="FF0000"/>
+                            </a:solidFill>
+                            <a:latin typeface="Cambria Math" panose="02040503050406030204" pitchFamily="18" charset="0"/>
+                          </a:rPr>
+                        </m:ctrlPr>
+                      </m:dPr>
+                      <m:e>
+                        <m:sSub>
+                          <m:sSubPr>
+                            <m:ctrlPr>
+                              <a:rPr lang="en-US" b="1" i="1">
+                                <a:solidFill>
+                                  <a:srgbClr val="FF0000"/>
+                                </a:solidFill>
+                                <a:latin typeface="Cambria Math" panose="02040503050406030204" pitchFamily="18" charset="0"/>
+                              </a:rPr>
+                            </m:ctrlPr>
+                          </m:sSubPr>
+                          <m:e>
+                            <m:r>
+                              <a:rPr lang="en-US" b="1" i="1">
+                                <a:solidFill>
+                                  <a:srgbClr val="FF0000"/>
+                                </a:solidFill>
+                                <a:latin typeface="Cambria Math" panose="02040503050406030204" pitchFamily="18" charset="0"/>
+                              </a:rPr>
+                              <m:t>𝒙</m:t>
+                            </m:r>
+                          </m:e>
+                          <m:sub>
+                            <m:r>
+                              <a:rPr lang="en-US" i="1">
+                                <a:solidFill>
+                                  <a:srgbClr val="FF0000"/>
+                                </a:solidFill>
+                                <a:latin typeface="Cambria Math" panose="02040503050406030204" pitchFamily="18" charset="0"/>
+                              </a:rPr>
+                              <m:t>𝑡𝑒𝑠𝑡</m:t>
+                            </m:r>
+                          </m:sub>
+                        </m:sSub>
+                      </m:e>
+                    </m:d>
+                    <m:r>
+                      <a:rPr lang="en-US" b="0" i="1" smtClean="0">
+                        <a:solidFill>
+                          <a:srgbClr val="FF0000"/>
+                        </a:solidFill>
+                        <a:latin typeface="Cambria Math" panose="02040503050406030204" pitchFamily="18" charset="0"/>
+                      </a:rPr>
+                      <m:t>+</m:t>
+                    </m:r>
+                    <m:sSubSup>
+                      <m:sSubSupPr>
+                        <m:ctrlPr>
+                          <a:rPr lang="en-US" i="1">
+                            <a:solidFill>
+                              <a:srgbClr val="FF0000"/>
+                            </a:solidFill>
+                            <a:latin typeface="Cambria Math" panose="02040503050406030204" pitchFamily="18" charset="0"/>
+                          </a:rPr>
+                        </m:ctrlPr>
+                      </m:sSubSupPr>
+                      <m:e>
+                        <m:r>
+                          <a:rPr lang="en-US" i="1">
+                            <a:solidFill>
+                              <a:srgbClr val="FF0000"/>
+                            </a:solidFill>
+                            <a:latin typeface="Cambria Math" panose="02040503050406030204" pitchFamily="18" charset="0"/>
+                            <a:ea typeface="Cambria Math" panose="02040503050406030204" pitchFamily="18" charset="0"/>
+                          </a:rPr>
+                          <m:t>𝜎</m:t>
+                        </m:r>
+                      </m:e>
+                      <m:sub>
+                        <m:r>
+                          <a:rPr lang="en-US" i="1">
+                            <a:solidFill>
+                              <a:srgbClr val="FF0000"/>
+                            </a:solidFill>
+                            <a:latin typeface="Cambria Math" panose="02040503050406030204" pitchFamily="18" charset="0"/>
+                            <a:ea typeface="Cambria Math" panose="02040503050406030204" pitchFamily="18" charset="0"/>
+                          </a:rPr>
+                          <m:t>𝜀</m:t>
+                        </m:r>
+                      </m:sub>
+                      <m:sup>
+                        <m:r>
+                          <a:rPr lang="en-US" i="1">
+                            <a:solidFill>
+                              <a:srgbClr val="FF0000"/>
+                            </a:solidFill>
+                            <a:latin typeface="Cambria Math" panose="02040503050406030204" pitchFamily="18" charset="0"/>
+                          </a:rPr>
+                          <m:t>2</m:t>
+                        </m:r>
+                      </m:sup>
+                    </m:sSubSup>
+                  </m:oMath>
+                </a14:m>
+                <a:r>
+                  <a:rPr lang="en-US" dirty="0"/>
+                  <a:t> (irreducible error)</a:t>
+                </a:r>
+              </a:p>
+              <a:p>
+                <a:r>
+                  <a:rPr lang="en-US" dirty="0"/>
+                  <a:t>Note that expectation is taken over  </a:t>
+                </a:r>
+                <a14:m>
+                  <m:oMath xmlns:m="http://schemas.openxmlformats.org/officeDocument/2006/math">
+                    <m:acc>
+                      <m:accPr>
+                        <m:chr m:val="̂"/>
+                        <m:ctrlPr>
+                          <a:rPr lang="en-US" b="1" i="1">
+                            <a:latin typeface="Cambria Math" panose="02040503050406030204" pitchFamily="18" charset="0"/>
+                          </a:rPr>
+                        </m:ctrlPr>
+                      </m:accPr>
+                      <m:e>
+                        <m:r>
+                          <a:rPr lang="en-US" b="1" i="1">
+                            <a:latin typeface="Cambria Math" panose="02040503050406030204" pitchFamily="18" charset="0"/>
+                          </a:rPr>
+                          <m:t>𝜷</m:t>
+                        </m:r>
+                      </m:e>
+                    </m:acc>
+                  </m:oMath>
+                </a14:m>
+                <a:r>
+                  <a:rPr lang="en-US" dirty="0"/>
+                  <a:t> derived from different training samples</a:t>
+                </a:r>
+              </a:p>
+              <a:p>
+                <a:r>
+                  <a:rPr lang="en-US" dirty="0"/>
+                  <a:t>Further averaging over test samples: </a:t>
+                </a:r>
+                <a14:m>
+                  <m:oMath xmlns:m="http://schemas.openxmlformats.org/officeDocument/2006/math">
+                    <m:r>
+                      <a:rPr lang="en-US" i="1" smtClean="0">
+                        <a:solidFill>
+                          <a:srgbClr val="FF0000"/>
+                        </a:solidFill>
+                        <a:latin typeface="Cambria Math" panose="02040503050406030204" pitchFamily="18" charset="0"/>
+                      </a:rPr>
+                      <m:t>𝑀</m:t>
+                    </m:r>
+                    <m:r>
+                      <a:rPr lang="en-US" b="0" i="1" smtClean="0">
+                        <a:solidFill>
+                          <a:srgbClr val="FF0000"/>
+                        </a:solidFill>
+                        <a:latin typeface="Cambria Math" panose="02040503050406030204" pitchFamily="18" charset="0"/>
+                      </a:rPr>
+                      <m:t>𝑆𝐸</m:t>
+                    </m:r>
+                    <m:r>
+                      <a:rPr lang="en-US" i="1">
+                        <a:solidFill>
+                          <a:srgbClr val="FF0000"/>
+                        </a:solidFill>
+                        <a:latin typeface="Cambria Math" panose="02040503050406030204" pitchFamily="18" charset="0"/>
+                      </a:rPr>
+                      <m:t>=</m:t>
+                    </m:r>
+                  </m:oMath>
+                </a14:m>
+                <a:r>
+                  <a:rPr lang="en-US" dirty="0">
+                    <a:solidFill>
+                      <a:srgbClr val="FF0000"/>
+                    </a:solidFill>
+                  </a:rPr>
+                  <a:t> </a:t>
+                </a:r>
+                <a14:m>
+                  <m:oMath xmlns:m="http://schemas.openxmlformats.org/officeDocument/2006/math">
+                    <m:sSup>
+                      <m:sSupPr>
+                        <m:ctrlPr>
+                          <a:rPr lang="en-US" i="1">
+                            <a:solidFill>
+                              <a:srgbClr val="FF0000"/>
+                            </a:solidFill>
+                            <a:latin typeface="Cambria Math" panose="02040503050406030204" pitchFamily="18" charset="0"/>
+                          </a:rPr>
+                        </m:ctrlPr>
+                      </m:sSupPr>
+                      <m:e>
+                        <m:r>
+                          <a:rPr lang="en-US" i="1">
+                            <a:solidFill>
+                              <a:srgbClr val="FF0000"/>
+                            </a:solidFill>
+                            <a:latin typeface="Cambria Math" panose="02040503050406030204" pitchFamily="18" charset="0"/>
+                          </a:rPr>
+                          <m:t>𝐵𝑖𝑎𝑠</m:t>
+                        </m:r>
+                      </m:e>
+                      <m:sup>
+                        <m:r>
+                          <a:rPr lang="en-US" i="1">
+                            <a:solidFill>
+                              <a:srgbClr val="FF0000"/>
+                            </a:solidFill>
+                            <a:latin typeface="Cambria Math" panose="02040503050406030204" pitchFamily="18" charset="0"/>
+                          </a:rPr>
+                          <m:t>2</m:t>
+                        </m:r>
+                      </m:sup>
+                    </m:sSup>
+                    <m:r>
+                      <a:rPr lang="en-US" b="1" i="1">
+                        <a:solidFill>
+                          <a:srgbClr val="FF0000"/>
+                        </a:solidFill>
+                        <a:latin typeface="Cambria Math" panose="02040503050406030204" pitchFamily="18" charset="0"/>
+                      </a:rPr>
+                      <m:t>+</m:t>
+                    </m:r>
+                    <m:r>
+                      <a:rPr lang="en-US" i="1">
+                        <a:solidFill>
+                          <a:srgbClr val="FF0000"/>
+                        </a:solidFill>
+                        <a:latin typeface="Cambria Math" panose="02040503050406030204" pitchFamily="18" charset="0"/>
+                      </a:rPr>
+                      <m:t>𝑉𝑎𝑟</m:t>
+                    </m:r>
+                    <m:r>
+                      <a:rPr lang="en-US" i="1">
+                        <a:solidFill>
+                          <a:srgbClr val="FF0000"/>
+                        </a:solidFill>
+                        <a:latin typeface="Cambria Math" panose="02040503050406030204" pitchFamily="18" charset="0"/>
+                      </a:rPr>
+                      <m:t>+</m:t>
+                    </m:r>
+                    <m:sSubSup>
+                      <m:sSubSupPr>
+                        <m:ctrlPr>
+                          <a:rPr lang="en-US" i="1">
+                            <a:solidFill>
+                              <a:srgbClr val="FF0000"/>
+                            </a:solidFill>
+                            <a:latin typeface="Cambria Math" panose="02040503050406030204" pitchFamily="18" charset="0"/>
+                          </a:rPr>
+                        </m:ctrlPr>
+                      </m:sSubSupPr>
+                      <m:e>
+                        <m:r>
+                          <a:rPr lang="en-US" i="1">
+                            <a:solidFill>
+                              <a:srgbClr val="FF0000"/>
+                            </a:solidFill>
+                            <a:latin typeface="Cambria Math" panose="02040503050406030204" pitchFamily="18" charset="0"/>
+                            <a:ea typeface="Cambria Math" panose="02040503050406030204" pitchFamily="18" charset="0"/>
+                          </a:rPr>
+                          <m:t>𝜎</m:t>
+                        </m:r>
+                      </m:e>
+                      <m:sub>
+                        <m:r>
+                          <a:rPr lang="en-US" i="1">
+                            <a:solidFill>
+                              <a:srgbClr val="FF0000"/>
+                            </a:solidFill>
+                            <a:latin typeface="Cambria Math" panose="02040503050406030204" pitchFamily="18" charset="0"/>
+                            <a:ea typeface="Cambria Math" panose="02040503050406030204" pitchFamily="18" charset="0"/>
+                          </a:rPr>
+                          <m:t>𝜀</m:t>
+                        </m:r>
+                      </m:sub>
+                      <m:sup>
+                        <m:r>
+                          <a:rPr lang="en-US" i="1">
+                            <a:solidFill>
+                              <a:srgbClr val="FF0000"/>
+                            </a:solidFill>
+                            <a:latin typeface="Cambria Math" panose="02040503050406030204" pitchFamily="18" charset="0"/>
+                          </a:rPr>
+                          <m:t>2</m:t>
+                        </m:r>
+                      </m:sup>
+                    </m:sSubSup>
+                  </m:oMath>
+                </a14:m>
+                <a:r>
+                  <a:rPr lang="en-US" dirty="0"/>
+                  <a:t> (irreducible error)</a:t>
+                </a:r>
+              </a:p>
+              <a:p>
+                <a:endParaRPr lang="en-US" dirty="0"/>
+              </a:p>
+              <a:p>
+                <a:pPr lvl="1"/>
+                <a:endParaRPr lang="en-US" dirty="0"/>
+              </a:p>
+            </p:txBody>
+          </p:sp>
+        </mc:Choice>
+        <mc:Fallback>
+          <p:sp>
+            <p:nvSpPr>
+              <p:cNvPr id="3" name="Content Placeholder 2">
+                <a:extLst>
+                  <a:ext uri="{FF2B5EF4-FFF2-40B4-BE49-F238E27FC236}">
+                    <a16:creationId xmlns:a16="http://schemas.microsoft.com/office/drawing/2014/main" id="{DE7025CB-006B-4E3B-A7C4-CD04ABA54560}"/>
+                  </a:ext>
+                </a:extLst>
+              </p:cNvPr>
+              <p:cNvSpPr>
+                <a:spLocks noGrp="1" noRot="1" noChangeAspect="1" noMove="1" noResize="1" noEditPoints="1" noAdjustHandles="1" noChangeArrowheads="1" noChangeShapeType="1" noTextEdit="1"/>
+              </p:cNvSpPr>
+              <p:nvPr>
+                <p:ph idx="1"/>
+              </p:nvPr>
+            </p:nvSpPr>
+            <p:spPr>
+              <a:blipFill>
+                <a:blip r:embed="rId3"/>
+                <a:stretch>
+                  <a:fillRect l="-1261" t="-2339"/>
+                </a:stretch>
+              </a:blipFill>
+            </p:spPr>
+            <p:txBody>
+              <a:bodyPr/>
+              <a:lstStyle/>
+              <a:p>
+                <a:r>
+                  <a:rPr lang="en-US">
+                    <a:noFill/>
+                  </a:rPr>
+                  <a:t> </a:t>
+                </a:r>
+              </a:p>
+            </p:txBody>
+          </p:sp>
+        </mc:Fallback>
+      </mc:AlternateContent>
+      <p:sp>
+        <p:nvSpPr>
+          <p:cNvPr id="4" name="Slide Number Placeholder 3">
+            <a:extLst>
+              <a:ext uri="{FF2B5EF4-FFF2-40B4-BE49-F238E27FC236}">
+                <a16:creationId xmlns:a16="http://schemas.microsoft.com/office/drawing/2014/main" id="{F5DBF58A-5BE2-4386-805E-F7895E94FB94}"/>
+              </a:ext>
+            </a:extLst>
+          </p:cNvPr>
+          <p:cNvSpPr>
+            <a:spLocks noGrp="1"/>
+          </p:cNvSpPr>
+          <p:nvPr>
+            <p:ph type="sldNum" sz="quarter" idx="12"/>
+          </p:nvPr>
+        </p:nvSpPr>
+        <p:spPr/>
+        <p:txBody>
+          <a:bodyPr/>
+          <a:lstStyle/>
+          <a:p>
+            <a:fld id="{629637A9-119A-49DA-BD12-AAC58B377D80}" type="slidenum">
+              <a:rPr lang="en-US" smtClean="0"/>
+              <a:t>23</a:t>
+            </a:fld>
+            <a:endParaRPr lang="en-US" dirty="0"/>
+          </a:p>
+        </p:txBody>
+      </p:sp>
+    </p:spTree>
+    <p:extLst>
+      <p:ext uri="{BB962C8B-B14F-4D97-AF65-F5344CB8AC3E}">
+        <p14:creationId xmlns:p14="http://schemas.microsoft.com/office/powerpoint/2010/main" val="1989178963"/>
+      </p:ext>
+    </p:extLst>
+  </p:cSld>
+  <p:clrMapOvr>
+    <a:masterClrMapping/>
+  </p:clrMapOvr>
+</p:sld>
+</file>
+
+<file path=ppt/slides/slide24.xml><?xml version="1.0" encoding="utf-8"?>
+<p:sld xmlns:a="http://schemas.openxmlformats.org/drawingml/2006/main" xmlns:r="http://schemas.openxmlformats.org/officeDocument/2006/relationships" xmlns:p="http://schemas.openxmlformats.org/presentationml/2006/main">
+  <p:cSld>
+    <p:spTree>
+      <p:nvGrpSpPr>
+        <p:cNvPr id="1" name=""/>
+        <p:cNvGrpSpPr/>
+        <p:nvPr/>
+      </p:nvGrpSpPr>
+      <p:grpSpPr>
+        <a:xfrm>
+          <a:off x="0" y="0"/>
+          <a:ext cx="0" cy="0"/>
+          <a:chOff x="0" y="0"/>
+          <a:chExt cx="0" cy="0"/>
+        </a:xfrm>
+      </p:grpSpPr>
+      <p:sp>
+        <p:nvSpPr>
+          <p:cNvPr id="2" name="Title 1">
+            <a:extLst>
+              <a:ext uri="{FF2B5EF4-FFF2-40B4-BE49-F238E27FC236}">
                 <a16:creationId xmlns:a16="http://schemas.microsoft.com/office/drawing/2014/main" id="{334208F6-D882-4384-AA00-B6A6618CFFC9}"/>
               </a:ext>
             </a:extLst>
@@ -17127,6 +20461,18 @@
             </a:r>
           </a:p>
           <a:p>
+            <a:r>
+              <a:rPr lang="en-US" dirty="0"/>
+              <a:t>Solid line: mean estimate among all trials</a:t>
+            </a:r>
+          </a:p>
+          <a:p>
+            <a:r>
+              <a:rPr lang="en-US" dirty="0"/>
+              <a:t>Error bars: 1 STD</a:t>
+            </a:r>
+          </a:p>
+          <a:p>
             <a:pPr marL="0" indent="0">
               <a:buNone/>
             </a:pPr>
@@ -17160,7 +20506,7 @@
           <a:p>
             <a:fld id="{629637A9-119A-49DA-BD12-AAC58B377D80}" type="slidenum">
               <a:rPr lang="en-US" smtClean="0"/>
-              <a:t>23</a:t>
+              <a:t>24</a:t>
             </a:fld>
             <a:endParaRPr lang="en-US" dirty="0"/>
           </a:p>
@@ -17293,7 +20639,7 @@
 </p:sld>
 </file>
 
-<file path=ppt/slides/slide24.xml><?xml version="1.0" encoding="utf-8"?>
+<file path=ppt/slides/slide25.xml><?xml version="1.0" encoding="utf-8"?>
 <p:sld xmlns:a="http://schemas.openxmlformats.org/drawingml/2006/main" xmlns:r="http://schemas.openxmlformats.org/officeDocument/2006/relationships" xmlns:p="http://schemas.openxmlformats.org/presentationml/2006/main">
   <p:cSld>
     <p:spTree>
@@ -17390,7 +20736,7 @@
           <a:p>
             <a:fld id="{629637A9-119A-49DA-BD12-AAC58B377D80}" type="slidenum">
               <a:rPr lang="en-US" smtClean="0"/>
-              <a:t>24</a:t>
+              <a:t>25</a:t>
             </a:fld>
             <a:endParaRPr lang="en-US" dirty="0"/>
           </a:p>
@@ -17582,164 +20928,45 @@
           </a:p>
         </p:txBody>
       </p:sp>
+      <p:sp>
+        <p:nvSpPr>
+          <p:cNvPr id="5" name="TextBox 4">
+            <a:extLst>
+              <a:ext uri="{FF2B5EF4-FFF2-40B4-BE49-F238E27FC236}">
+                <a16:creationId xmlns:a16="http://schemas.microsoft.com/office/drawing/2014/main" id="{6E915C91-987F-B942-90C4-B4A388BB6387}"/>
+              </a:ext>
+            </a:extLst>
+          </p:cNvPr>
+          <p:cNvSpPr txBox="1"/>
+          <p:nvPr/>
+        </p:nvSpPr>
+        <p:spPr>
+          <a:xfrm>
+            <a:off x="5216064" y="3676198"/>
+            <a:ext cx="2627451" cy="369332"/>
+          </a:xfrm>
+          <a:prstGeom prst="rect">
+            <a:avLst/>
+          </a:prstGeom>
+          <a:noFill/>
+        </p:spPr>
+        <p:txBody>
+          <a:bodyPr wrap="none" rtlCol="0">
+            <a:spAutoFit/>
+          </a:bodyPr>
+          <a:lstStyle/>
+          <a:p>
+            <a:r>
+              <a:rPr lang="en-US" dirty="0"/>
+              <a:t>Floor is the noise variance</a:t>
+            </a:r>
+          </a:p>
+        </p:txBody>
+      </p:sp>
     </p:spTree>
     <p:extLst>
       <p:ext uri="{BB962C8B-B14F-4D97-AF65-F5344CB8AC3E}">
         <p14:creationId xmlns:p14="http://schemas.microsoft.com/office/powerpoint/2010/main" val="1231735916"/>
-      </p:ext>
-    </p:extLst>
-  </p:cSld>
-  <p:clrMapOvr>
-    <a:masterClrMapping/>
-  </p:clrMapOvr>
-</p:sld>
-</file>
-
-<file path=ppt/slides/slide25.xml><?xml version="1.0" encoding="utf-8"?>
-<p:sld xmlns:a="http://schemas.openxmlformats.org/drawingml/2006/main" xmlns:r="http://schemas.openxmlformats.org/officeDocument/2006/relationships" xmlns:p="http://schemas.openxmlformats.org/presentationml/2006/main">
-  <p:cSld>
-    <p:spTree>
-      <p:nvGrpSpPr>
-        <p:cNvPr id="1" name=""/>
-        <p:cNvGrpSpPr/>
-        <p:nvPr/>
-      </p:nvGrpSpPr>
-      <p:grpSpPr>
-        <a:xfrm>
-          <a:off x="0" y="0"/>
-          <a:ext cx="0" cy="0"/>
-          <a:chOff x="0" y="0"/>
-          <a:chExt cx="0" cy="0"/>
-        </a:xfrm>
-      </p:grpSpPr>
-      <p:sp>
-        <p:nvSpPr>
-          <p:cNvPr id="2" name="Title 1">
-            <a:extLst>
-              <a:ext uri="{FF2B5EF4-FFF2-40B4-BE49-F238E27FC236}">
-                <a16:creationId xmlns:a16="http://schemas.microsoft.com/office/drawing/2014/main" id="{EB50AB0B-F865-448D-8964-F801F8E136BD}"/>
-              </a:ext>
-            </a:extLst>
-          </p:cNvPr>
-          <p:cNvSpPr>
-            <a:spLocks noGrp="1"/>
-          </p:cNvSpPr>
-          <p:nvPr>
-            <p:ph type="title"/>
-          </p:nvPr>
-        </p:nvSpPr>
-        <p:spPr/>
-        <p:txBody>
-          <a:bodyPr/>
-          <a:lstStyle/>
-          <a:p>
-            <a:r>
-              <a:rPr lang="en-US" dirty="0"/>
-              <a:t>Bias-Variance in Linear Models</a:t>
-            </a:r>
-          </a:p>
-        </p:txBody>
-      </p:sp>
-      <p:sp>
-        <p:nvSpPr>
-          <p:cNvPr id="3" name="Content Placeholder 2">
-            <a:extLst>
-              <a:ext uri="{FF2B5EF4-FFF2-40B4-BE49-F238E27FC236}">
-                <a16:creationId xmlns:a16="http://schemas.microsoft.com/office/drawing/2014/main" id="{DF4B36AB-3BB4-4F73-849D-770B73651D70}"/>
-              </a:ext>
-            </a:extLst>
-          </p:cNvPr>
-          <p:cNvSpPr>
-            <a:spLocks noGrp="1"/>
-          </p:cNvSpPr>
-          <p:nvPr>
-            <p:ph idx="1"/>
-          </p:nvPr>
-        </p:nvSpPr>
-        <p:spPr/>
-        <p:txBody>
-          <a:bodyPr/>
-          <a:lstStyle/>
-          <a:p>
-            <a:r>
-              <a:rPr lang="en-US" dirty="0"/>
-              <a:t>Computing bias and variance with noise is beyond this class</a:t>
-            </a:r>
-          </a:p>
-          <a:p>
-            <a:pPr lvl="1"/>
-            <a:r>
-              <a:rPr lang="en-US" dirty="0"/>
-              <a:t>Take the probability or detection and estimation class!</a:t>
-            </a:r>
-          </a:p>
-          <a:p>
-            <a:pPr lvl="1"/>
-            <a:r>
-              <a:rPr lang="en-US" dirty="0"/>
-              <a:t>Not hard, but need a little more work</a:t>
-            </a:r>
-          </a:p>
-          <a:p>
-            <a:endParaRPr lang="en-US" dirty="0"/>
-          </a:p>
-          <a:p>
-            <a:r>
-              <a:rPr lang="en-US" dirty="0"/>
-              <a:t>This class:  Only compute bias in the noise-free case in this class</a:t>
-            </a:r>
-          </a:p>
-          <a:p>
-            <a:endParaRPr lang="en-US" dirty="0"/>
-          </a:p>
-          <a:p>
-            <a:r>
-              <a:rPr lang="en-US" dirty="0"/>
-              <a:t>We state some results from probability without proof</a:t>
-            </a:r>
-          </a:p>
-          <a:p>
-            <a:pPr lvl="1"/>
-            <a:endParaRPr lang="en-US" dirty="0"/>
-          </a:p>
-          <a:p>
-            <a:endParaRPr lang="en-US" dirty="0"/>
-          </a:p>
-        </p:txBody>
-      </p:sp>
-      <p:sp>
-        <p:nvSpPr>
-          <p:cNvPr id="4" name="Slide Number Placeholder 3">
-            <a:extLst>
-              <a:ext uri="{FF2B5EF4-FFF2-40B4-BE49-F238E27FC236}">
-                <a16:creationId xmlns:a16="http://schemas.microsoft.com/office/drawing/2014/main" id="{35155493-A186-4024-B5AA-05361068C08B}"/>
-              </a:ext>
-            </a:extLst>
-          </p:cNvPr>
-          <p:cNvSpPr>
-            <a:spLocks noGrp="1"/>
-          </p:cNvSpPr>
-          <p:nvPr>
-            <p:ph type="sldNum" sz="quarter" idx="12"/>
-          </p:nvPr>
-        </p:nvSpPr>
-        <p:spPr/>
-        <p:txBody>
-          <a:bodyPr/>
-          <a:lstStyle/>
-          <a:p>
-            <a:fld id="{629637A9-119A-49DA-BD12-AAC58B377D80}" type="slidenum">
-              <a:rPr lang="en-US" smtClean="0"/>
-              <a:t>25</a:t>
-            </a:fld>
-            <a:endParaRPr lang="en-US" dirty="0"/>
-          </a:p>
-        </p:txBody>
-      </p:sp>
-    </p:spTree>
-    <p:extLst>
-      <p:ext uri="{BB962C8B-B14F-4D97-AF65-F5344CB8AC3E}">
-        <p14:creationId xmlns:p14="http://schemas.microsoft.com/office/powerpoint/2010/main" val="1566562473"/>
       </p:ext>
     </p:extLst>
   </p:cSld>
@@ -17789,7 +21016,7 @@
           <a:p>
             <a:r>
               <a:rPr lang="en-US" dirty="0"/>
-              <a:t>Results for Linear Models (No proof)</a:t>
+              <a:t>Results for Linear Models</a:t>
             </a:r>
           </a:p>
         </p:txBody>
@@ -17814,7 +21041,9 @@
             </p:nvSpPr>
             <p:spPr/>
             <p:txBody>
-              <a:bodyPr/>
+              <a:bodyPr>
+                <a:normAutofit/>
+              </a:bodyPr>
               <a:lstStyle/>
               <a:p>
                 <a:r>
@@ -17950,11 +21179,205 @@
                 </a:r>
               </a:p>
               <a:p>
-                <a:pPr lvl="1"/>
-                <a:r>
-                  <a:rPr lang="en-US" dirty="0"/>
-                  <a:t>Mean estimate will always match “true” parameter.</a:t>
-                </a:r>
+                <a:pPr marL="201168" lvl="1" indent="0">
+                  <a:buNone/>
+                </a:pPr>
+                <a14:m>
+                  <m:oMathPara xmlns:m="http://schemas.openxmlformats.org/officeDocument/2006/math">
+                    <m:oMathParaPr>
+                      <m:jc m:val="centerGroup"/>
+                    </m:oMathParaPr>
+                    <m:oMath xmlns:m="http://schemas.openxmlformats.org/officeDocument/2006/math">
+                      <m:r>
+                        <a:rPr lang="en-US" i="1">
+                          <a:latin typeface="Cambria Math" panose="02040503050406030204" pitchFamily="18" charset="0"/>
+                        </a:rPr>
+                        <m:t>𝐸</m:t>
+                      </m:r>
+                      <m:d>
+                        <m:dPr>
+                          <m:begChr m:val="["/>
+                          <m:endChr m:val="]"/>
+                          <m:ctrlPr>
+                            <a:rPr lang="en-US" i="1">
+                              <a:latin typeface="Cambria Math" panose="02040503050406030204" pitchFamily="18" charset="0"/>
+                            </a:rPr>
+                          </m:ctrlPr>
+                        </m:dPr>
+                        <m:e>
+                          <m:r>
+                            <a:rPr lang="en-US" i="1">
+                              <a:solidFill>
+                                <a:schemeClr val="tx1"/>
+                              </a:solidFill>
+                              <a:latin typeface="Cambria Math" panose="02040503050406030204" pitchFamily="18" charset="0"/>
+                            </a:rPr>
+                            <m:t>𝑓</m:t>
+                          </m:r>
+                          <m:d>
+                            <m:dPr>
+                              <m:ctrlPr>
+                                <a:rPr lang="en-US" i="1">
+                                  <a:solidFill>
+                                    <a:schemeClr val="tx1"/>
+                                  </a:solidFill>
+                                  <a:latin typeface="Cambria Math" panose="02040503050406030204" pitchFamily="18" charset="0"/>
+                                </a:rPr>
+                              </m:ctrlPr>
+                            </m:dPr>
+                            <m:e>
+                              <m:sSub>
+                                <m:sSubPr>
+                                  <m:ctrlPr>
+                                    <a:rPr lang="en-US" b="1" i="1">
+                                      <a:latin typeface="Cambria Math" panose="02040503050406030204" pitchFamily="18" charset="0"/>
+                                    </a:rPr>
+                                  </m:ctrlPr>
+                                </m:sSubPr>
+                                <m:e>
+                                  <m:r>
+                                    <a:rPr lang="en-US" b="1" i="1">
+                                      <a:latin typeface="Cambria Math" panose="02040503050406030204" pitchFamily="18" charset="0"/>
+                                    </a:rPr>
+                                    <m:t>𝒙</m:t>
+                                  </m:r>
+                                </m:e>
+                                <m:sub>
+                                  <m:r>
+                                    <a:rPr lang="en-US" i="1">
+                                      <a:latin typeface="Cambria Math" panose="02040503050406030204" pitchFamily="18" charset="0"/>
+                                    </a:rPr>
+                                    <m:t>𝑡𝑒𝑠𝑡</m:t>
+                                  </m:r>
+                                </m:sub>
+                              </m:sSub>
+                              <m:r>
+                                <a:rPr lang="en-US" b="1" i="1">
+                                  <a:latin typeface="Cambria Math" panose="02040503050406030204" pitchFamily="18" charset="0"/>
+                                </a:rPr>
+                                <m:t>,</m:t>
+                              </m:r>
+                              <m:acc>
+                                <m:accPr>
+                                  <m:chr m:val="̂"/>
+                                  <m:ctrlPr>
+                                    <a:rPr lang="en-US" b="1" i="1">
+                                      <a:latin typeface="Cambria Math" panose="02040503050406030204" pitchFamily="18" charset="0"/>
+                                    </a:rPr>
+                                  </m:ctrlPr>
+                                </m:accPr>
+                                <m:e>
+                                  <m:r>
+                                    <a:rPr lang="en-US" b="1" i="1">
+                                      <a:latin typeface="Cambria Math" panose="02040503050406030204" pitchFamily="18" charset="0"/>
+                                    </a:rPr>
+                                    <m:t>𝜷</m:t>
+                                  </m:r>
+                                </m:e>
+                              </m:acc>
+                            </m:e>
+                          </m:d>
+                        </m:e>
+                      </m:d>
+                      <m:sSub>
+                        <m:sSubPr>
+                          <m:ctrlPr>
+                            <a:rPr lang="en-US" i="1">
+                              <a:solidFill>
+                                <a:schemeClr val="tx1"/>
+                              </a:solidFill>
+                              <a:latin typeface="Cambria Math" panose="02040503050406030204" pitchFamily="18" charset="0"/>
+                            </a:rPr>
+                          </m:ctrlPr>
+                        </m:sSubPr>
+                        <m:e>
+                          <m:r>
+                            <a:rPr lang="en-US" b="0" i="1" smtClean="0">
+                              <a:solidFill>
+                                <a:schemeClr val="tx1"/>
+                              </a:solidFill>
+                              <a:latin typeface="Cambria Math" panose="02040503050406030204" pitchFamily="18" charset="0"/>
+                            </a:rPr>
+                            <m:t>=</m:t>
+                          </m:r>
+                          <m:r>
+                            <a:rPr lang="en-US" i="1">
+                              <a:solidFill>
+                                <a:schemeClr val="tx1"/>
+                              </a:solidFill>
+                              <a:latin typeface="Cambria Math" panose="02040503050406030204" pitchFamily="18" charset="0"/>
+                            </a:rPr>
+                            <m:t>𝑓</m:t>
+                          </m:r>
+                        </m:e>
+                        <m:sub>
+                          <m:r>
+                            <a:rPr lang="en-US" i="1">
+                              <a:solidFill>
+                                <a:schemeClr val="tx1"/>
+                              </a:solidFill>
+                              <a:latin typeface="Cambria Math" panose="02040503050406030204" pitchFamily="18" charset="0"/>
+                            </a:rPr>
+                            <m:t>0</m:t>
+                          </m:r>
+                        </m:sub>
+                      </m:sSub>
+                      <m:d>
+                        <m:dPr>
+                          <m:ctrlPr>
+                            <a:rPr lang="en-US" i="1" smtClean="0">
+                              <a:solidFill>
+                                <a:schemeClr val="tx1"/>
+                              </a:solidFill>
+                              <a:latin typeface="Cambria Math" panose="02040503050406030204" pitchFamily="18" charset="0"/>
+                            </a:rPr>
+                          </m:ctrlPr>
+                        </m:dPr>
+                        <m:e>
+                          <m:sSub>
+                            <m:sSubPr>
+                              <m:ctrlPr>
+                                <a:rPr lang="en-US" b="1" i="1">
+                                  <a:latin typeface="Cambria Math" panose="02040503050406030204" pitchFamily="18" charset="0"/>
+                                </a:rPr>
+                              </m:ctrlPr>
+                            </m:sSubPr>
+                            <m:e>
+                              <m:r>
+                                <a:rPr lang="en-US" b="1" i="1">
+                                  <a:latin typeface="Cambria Math" panose="02040503050406030204" pitchFamily="18" charset="0"/>
+                                </a:rPr>
+                                <m:t>𝒙</m:t>
+                              </m:r>
+                            </m:e>
+                            <m:sub>
+                              <m:r>
+                                <a:rPr lang="en-US" i="1">
+                                  <a:latin typeface="Cambria Math" panose="02040503050406030204" pitchFamily="18" charset="0"/>
+                                </a:rPr>
+                                <m:t>𝑡𝑒𝑠𝑡</m:t>
+                              </m:r>
+                            </m:sub>
+                          </m:sSub>
+                          <m:r>
+                            <a:rPr lang="en-US" b="1" i="1">
+                              <a:latin typeface="Cambria Math" panose="02040503050406030204" pitchFamily="18" charset="0"/>
+                            </a:rPr>
+                            <m:t>,</m:t>
+                          </m:r>
+                        </m:e>
+                      </m:d>
+                      <m:r>
+                        <m:rPr>
+                          <m:nor/>
+                        </m:rPr>
+                        <a:rPr lang="en-US" dirty="0"/>
+                        <m:t>.</m:t>
+                      </m:r>
+                    </m:oMath>
+                  </m:oMathPara>
+                </a14:m>
+                <a:endParaRPr lang="en-US" dirty="0"/>
               </a:p>
               <a:p>
                 <a:r>
@@ -17990,6 +21413,10 @@
                 <a:br>
                   <a:rPr lang="en-US" dirty="0"/>
                 </a:br>
+                <a:r>
+                  <a:rPr lang="en-US" dirty="0"/>
+                  <a:t>	</a:t>
+                </a:r>
                 <a14:m>
                   <m:oMath xmlns:m="http://schemas.openxmlformats.org/officeDocument/2006/math">
                     <m:r>
@@ -17998,42 +21425,6 @@
                       </a:rPr>
                       <m:t>𝑉𝑎𝑟</m:t>
                     </m:r>
-                    <m:d>
-                      <m:dPr>
-                        <m:ctrlPr>
-                          <a:rPr lang="en-US" i="1">
-                            <a:latin typeface="Cambria Math" panose="02040503050406030204" pitchFamily="18" charset="0"/>
-                          </a:rPr>
-                        </m:ctrlPr>
-                      </m:dPr>
-                      <m:e>
-                        <m:sSub>
-                          <m:sSubPr>
-                            <m:ctrlPr>
-                              <a:rPr lang="en-US" b="1" i="1">
-                                <a:latin typeface="Cambria Math" panose="02040503050406030204" pitchFamily="18" charset="0"/>
-                              </a:rPr>
-                            </m:ctrlPr>
-                          </m:sSubPr>
-                          <m:e>
-                            <m:r>
-                              <a:rPr lang="en-US" b="1" i="1">
-                                <a:latin typeface="Cambria Math" panose="02040503050406030204" pitchFamily="18" charset="0"/>
-                              </a:rPr>
-                              <m:t>𝒙</m:t>
-                            </m:r>
-                          </m:e>
-                          <m:sub>
-                            <m:r>
-                              <a:rPr lang="en-US" i="1">
-                                <a:latin typeface="Cambria Math" panose="02040503050406030204" pitchFamily="18" charset="0"/>
-                              </a:rPr>
-                              <m:t>𝑡𝑒𝑠𝑡</m:t>
-                            </m:r>
-                          </m:sub>
-                        </m:sSub>
-                      </m:e>
-                    </m:d>
                     <m:r>
                       <a:rPr lang="en-US" b="1" i="1" smtClean="0">
                         <a:latin typeface="Cambria Math" panose="02040503050406030204" pitchFamily="18" charset="0"/>
@@ -18100,18 +21491,48 @@
                     </m:sSubSup>
                   </m:oMath>
                 </a14:m>
-                <a:endParaRPr lang="en-US" dirty="0"/>
-              </a:p>
-              <a:p>
-                <a:pPr lvl="1"/>
-                <a:endParaRPr lang="en-US" dirty="0"/>
+                <a:r>
+                  <a:rPr lang="en-US" dirty="0"/>
+                  <a:t> </a:t>
+                </a:r>
               </a:p>
               <a:p>
                 <a:pPr lvl="1"/>
                 <a:r>
-                  <a:rPr lang="en-US" dirty="0"/>
+                  <a:rPr lang="en-US" dirty="0">
+                    <a:solidFill>
+                      <a:srgbClr val="FF0000"/>
+                    </a:solidFill>
+                  </a:rPr>
                   <a:t>Variance increases linearly with number of parameters and inversely with number of samples</a:t>
                 </a:r>
+              </a:p>
+              <a:p>
+                <a:r>
+                  <a:rPr lang="en-US" dirty="0">
+                    <a:solidFill>
+                      <a:schemeClr val="tx1"/>
+                    </a:solidFill>
+                  </a:rPr>
+                  <a:t>See textbook for proof: [Hastie] </a:t>
+                </a:r>
+                <a:r>
+                  <a:rPr lang="en-US" dirty="0"/>
+                  <a:t>Hastie, </a:t>
+                </a:r>
+                <a:r>
+                  <a:rPr lang="en-US" dirty="0" err="1"/>
+                  <a:t>Tibshirani</a:t>
+                </a:r>
+                <a:r>
+                  <a:rPr lang="en-US" dirty="0"/>
+                  <a:t>, Friedman, The elements of statistical learning.</a:t>
+                </a:r>
+                <a:endParaRPr lang="en-US" dirty="0">
+                  <a:solidFill>
+                    <a:schemeClr val="tx1"/>
+                  </a:solidFill>
+                </a:endParaRPr>
               </a:p>
             </p:txBody>
           </p:sp>
@@ -18137,7 +21558,7 @@
               <a:blipFill>
                 <a:blip r:embed="rId3"/>
                 <a:stretch>
-                  <a:fillRect l="-1455" t="-1549"/>
+                  <a:fillRect l="-1261" t="-1462" b="-585"/>
                 </a:stretch>
               </a:blipFill>
             </p:spPr>
@@ -18217,1153 +21638,6 @@
       </p:grpSpPr>
       <p:sp>
         <p:nvSpPr>
-          <p:cNvPr id="2" name="Title 1">
-            <a:extLst>
-              <a:ext uri="{FF2B5EF4-FFF2-40B4-BE49-F238E27FC236}">
-                <a16:creationId xmlns:a16="http://schemas.microsoft.com/office/drawing/2014/main" id="{F266BF6B-89BD-4A73-8FFF-E792F45AA05D}"/>
-              </a:ext>
-            </a:extLst>
-          </p:cNvPr>
-          <p:cNvSpPr>
-            <a:spLocks noGrp="1"/>
-          </p:cNvSpPr>
-          <p:nvPr>
-            <p:ph type="title"/>
-          </p:nvPr>
-        </p:nvSpPr>
-        <p:spPr/>
-        <p:txBody>
-          <a:bodyPr/>
-          <a:lstStyle/>
-          <a:p>
-            <a:r>
-              <a:rPr lang="en-US" dirty="0"/>
-              <a:t>Bias-Variance Formula (Advanced)</a:t>
-            </a:r>
-          </a:p>
-        </p:txBody>
-      </p:sp>
-      <mc:AlternateContent xmlns:mc="http://schemas.openxmlformats.org/markup-compatibility/2006">
-        <mc:Choice xmlns:a14="http://schemas.microsoft.com/office/drawing/2010/main" Requires="a14">
-          <p:sp>
-            <p:nvSpPr>
-              <p:cNvPr id="3" name="Content Placeholder 2">
-                <a:extLst>
-                  <a:ext uri="{FF2B5EF4-FFF2-40B4-BE49-F238E27FC236}">
-                    <a16:creationId xmlns:a16="http://schemas.microsoft.com/office/drawing/2014/main" id="{DE7025CB-006B-4E3B-A7C4-CD04ABA54560}"/>
-                  </a:ext>
-                </a:extLst>
-              </p:cNvPr>
-              <p:cNvSpPr>
-                <a:spLocks noGrp="1"/>
-              </p:cNvSpPr>
-              <p:nvPr>
-                <p:ph idx="1"/>
-              </p:nvPr>
-            </p:nvSpPr>
-            <p:spPr/>
-            <p:txBody>
-              <a:bodyPr/>
-              <a:lstStyle/>
-              <a:p>
-                <a:r>
-                  <a:rPr lang="en-US" dirty="0"/>
-                  <a:t>Consider test point </a:t>
-                </a:r>
-                <a14:m>
-                  <m:oMath xmlns:m="http://schemas.openxmlformats.org/officeDocument/2006/math">
-                    <m:sSub>
-                      <m:sSubPr>
-                        <m:ctrlPr>
-                          <a:rPr lang="en-US" b="1" i="1">
-                            <a:latin typeface="Cambria Math" panose="02040503050406030204" pitchFamily="18" charset="0"/>
-                          </a:rPr>
-                        </m:ctrlPr>
-                      </m:sSubPr>
-                      <m:e>
-                        <m:r>
-                          <a:rPr lang="en-US" b="1" i="1">
-                            <a:latin typeface="Cambria Math" panose="02040503050406030204" pitchFamily="18" charset="0"/>
-                          </a:rPr>
-                          <m:t>𝒙</m:t>
-                        </m:r>
-                      </m:e>
-                      <m:sub>
-                        <m:r>
-                          <a:rPr lang="en-US" i="1">
-                            <a:latin typeface="Cambria Math" panose="02040503050406030204" pitchFamily="18" charset="0"/>
-                          </a:rPr>
-                          <m:t>𝑡𝑒𝑠𝑡</m:t>
-                        </m:r>
-                      </m:sub>
-                    </m:sSub>
-                  </m:oMath>
-                </a14:m>
-                <a:r>
-                  <a:rPr lang="en-US" dirty="0"/>
-                  <a:t> </a:t>
-                </a:r>
-              </a:p>
-              <a:p>
-                <a:r>
-                  <a:rPr lang="en-US" dirty="0">
-                    <a:solidFill>
-                      <a:schemeClr val="accent1">
-                        <a:lumMod val="60000"/>
-                        <a:lumOff val="40000"/>
-                      </a:schemeClr>
-                    </a:solidFill>
-                  </a:rPr>
-                  <a:t>Bias</a:t>
-                </a:r>
-                <a:r>
-                  <a:rPr lang="en-US" dirty="0"/>
-                  <a:t>:  </a:t>
-                </a:r>
-                <a14:m>
-                  <m:oMath xmlns:m="http://schemas.openxmlformats.org/officeDocument/2006/math">
-                    <m:r>
-                      <a:rPr lang="en-US" i="1">
-                        <a:latin typeface="Cambria Math" panose="02040503050406030204" pitchFamily="18" charset="0"/>
-                      </a:rPr>
-                      <m:t>𝐵𝑖𝑎𝑠</m:t>
-                    </m:r>
-                    <m:d>
-                      <m:dPr>
-                        <m:ctrlPr>
-                          <a:rPr lang="en-US" i="1">
-                            <a:latin typeface="Cambria Math" panose="02040503050406030204" pitchFamily="18" charset="0"/>
-                          </a:rPr>
-                        </m:ctrlPr>
-                      </m:dPr>
-                      <m:e>
-                        <m:sSub>
-                          <m:sSubPr>
-                            <m:ctrlPr>
-                              <a:rPr lang="en-US" b="1" i="1">
-                                <a:latin typeface="Cambria Math" panose="02040503050406030204" pitchFamily="18" charset="0"/>
-                              </a:rPr>
-                            </m:ctrlPr>
-                          </m:sSubPr>
-                          <m:e>
-                            <m:r>
-                              <a:rPr lang="en-US" b="1" i="1">
-                                <a:latin typeface="Cambria Math" panose="02040503050406030204" pitchFamily="18" charset="0"/>
-                              </a:rPr>
-                              <m:t>𝒙</m:t>
-                            </m:r>
-                          </m:e>
-                          <m:sub>
-                            <m:r>
-                              <a:rPr lang="en-US" i="1">
-                                <a:latin typeface="Cambria Math" panose="02040503050406030204" pitchFamily="18" charset="0"/>
-                              </a:rPr>
-                              <m:t>𝑡𝑒𝑠𝑡</m:t>
-                            </m:r>
-                          </m:sub>
-                        </m:sSub>
-                      </m:e>
-                    </m:d>
-                    <m:r>
-                      <a:rPr lang="en-US" i="1">
-                        <a:latin typeface="Cambria Math" panose="02040503050406030204" pitchFamily="18" charset="0"/>
-                      </a:rPr>
-                      <m:t>:=</m:t>
-                    </m:r>
-                    <m:sSub>
-                      <m:sSubPr>
-                        <m:ctrlPr>
-                          <a:rPr lang="en-US" i="1">
-                            <a:latin typeface="Cambria Math" panose="02040503050406030204" pitchFamily="18" charset="0"/>
-                          </a:rPr>
-                        </m:ctrlPr>
-                      </m:sSubPr>
-                      <m:e>
-                        <m:r>
-                          <a:rPr lang="en-US" i="1">
-                            <a:latin typeface="Cambria Math" panose="02040503050406030204" pitchFamily="18" charset="0"/>
-                          </a:rPr>
-                          <m:t>𝑓</m:t>
-                        </m:r>
-                      </m:e>
-                      <m:sub>
-                        <m:r>
-                          <a:rPr lang="en-US" i="1">
-                            <a:latin typeface="Cambria Math" panose="02040503050406030204" pitchFamily="18" charset="0"/>
-                          </a:rPr>
-                          <m:t>0</m:t>
-                        </m:r>
-                      </m:sub>
-                    </m:sSub>
-                    <m:d>
-                      <m:dPr>
-                        <m:ctrlPr>
-                          <a:rPr lang="en-US" i="1">
-                            <a:latin typeface="Cambria Math" panose="02040503050406030204" pitchFamily="18" charset="0"/>
-                          </a:rPr>
-                        </m:ctrlPr>
-                      </m:dPr>
-                      <m:e>
-                        <m:sSub>
-                          <m:sSubPr>
-                            <m:ctrlPr>
-                              <a:rPr lang="en-US" b="1" i="1">
-                                <a:latin typeface="Cambria Math" panose="02040503050406030204" pitchFamily="18" charset="0"/>
-                              </a:rPr>
-                            </m:ctrlPr>
-                          </m:sSubPr>
-                          <m:e>
-                            <m:r>
-                              <a:rPr lang="en-US" b="1" i="1">
-                                <a:latin typeface="Cambria Math" panose="02040503050406030204" pitchFamily="18" charset="0"/>
-                              </a:rPr>
-                              <m:t>𝒙</m:t>
-                            </m:r>
-                          </m:e>
-                          <m:sub>
-                            <m:r>
-                              <a:rPr lang="en-US" i="1">
-                                <a:latin typeface="Cambria Math" panose="02040503050406030204" pitchFamily="18" charset="0"/>
-                              </a:rPr>
-                              <m:t>𝑡𝑒𝑠𝑡</m:t>
-                            </m:r>
-                          </m:sub>
-                        </m:sSub>
-                      </m:e>
-                    </m:d>
-                    <m:r>
-                      <a:rPr lang="en-US" i="1">
-                        <a:latin typeface="Cambria Math" panose="02040503050406030204" pitchFamily="18" charset="0"/>
-                      </a:rPr>
-                      <m:t>−</m:t>
-                    </m:r>
-                    <m:r>
-                      <a:rPr lang="en-US" b="0" i="1" smtClean="0">
-                        <a:latin typeface="Cambria Math" panose="02040503050406030204" pitchFamily="18" charset="0"/>
-                      </a:rPr>
-                      <m:t>𝐸</m:t>
-                    </m:r>
-                    <m:d>
-                      <m:dPr>
-                        <m:begChr m:val="["/>
-                        <m:endChr m:val="]"/>
-                        <m:ctrlPr>
-                          <a:rPr lang="en-US" b="0" i="1" smtClean="0">
-                            <a:latin typeface="Cambria Math" panose="02040503050406030204" pitchFamily="18" charset="0"/>
-                          </a:rPr>
-                        </m:ctrlPr>
-                      </m:dPr>
-                      <m:e>
-                        <m:r>
-                          <a:rPr lang="en-US" i="1">
-                            <a:solidFill>
-                              <a:schemeClr val="tx1"/>
-                            </a:solidFill>
-                            <a:latin typeface="Cambria Math" panose="02040503050406030204" pitchFamily="18" charset="0"/>
-                          </a:rPr>
-                          <m:t>𝑓</m:t>
-                        </m:r>
-                        <m:d>
-                          <m:dPr>
-                            <m:ctrlPr>
-                              <a:rPr lang="en-US" i="1">
-                                <a:solidFill>
-                                  <a:schemeClr val="tx1"/>
-                                </a:solidFill>
-                                <a:latin typeface="Cambria Math" panose="02040503050406030204" pitchFamily="18" charset="0"/>
-                              </a:rPr>
-                            </m:ctrlPr>
-                          </m:dPr>
-                          <m:e>
-                            <m:sSub>
-                              <m:sSubPr>
-                                <m:ctrlPr>
-                                  <a:rPr lang="en-US" b="1" i="1">
-                                    <a:latin typeface="Cambria Math" panose="02040503050406030204" pitchFamily="18" charset="0"/>
-                                  </a:rPr>
-                                </m:ctrlPr>
-                              </m:sSubPr>
-                              <m:e>
-                                <m:r>
-                                  <a:rPr lang="en-US" b="1" i="1">
-                                    <a:latin typeface="Cambria Math" panose="02040503050406030204" pitchFamily="18" charset="0"/>
-                                  </a:rPr>
-                                  <m:t>𝒙</m:t>
-                                </m:r>
-                              </m:e>
-                              <m:sub>
-                                <m:r>
-                                  <a:rPr lang="en-US" i="1">
-                                    <a:latin typeface="Cambria Math" panose="02040503050406030204" pitchFamily="18" charset="0"/>
-                                  </a:rPr>
-                                  <m:t>𝑡𝑒𝑠𝑡</m:t>
-                                </m:r>
-                              </m:sub>
-                            </m:sSub>
-                            <m:r>
-                              <a:rPr lang="en-US" b="1" i="1">
-                                <a:latin typeface="Cambria Math" panose="02040503050406030204" pitchFamily="18" charset="0"/>
-                              </a:rPr>
-                              <m:t>,</m:t>
-                            </m:r>
-                            <m:acc>
-                              <m:accPr>
-                                <m:chr m:val="̂"/>
-                                <m:ctrlPr>
-                                  <a:rPr lang="en-US" b="1" i="1">
-                                    <a:latin typeface="Cambria Math" panose="02040503050406030204" pitchFamily="18" charset="0"/>
-                                  </a:rPr>
-                                </m:ctrlPr>
-                              </m:accPr>
-                              <m:e>
-                                <m:r>
-                                  <a:rPr lang="en-US" b="1" i="1">
-                                    <a:latin typeface="Cambria Math" panose="02040503050406030204" pitchFamily="18" charset="0"/>
-                                  </a:rPr>
-                                  <m:t>𝜷</m:t>
-                                </m:r>
-                              </m:e>
-                            </m:acc>
-                          </m:e>
-                        </m:d>
-                      </m:e>
-                    </m:d>
-                  </m:oMath>
-                </a14:m>
-                <a:endParaRPr lang="en-US" b="0" dirty="0"/>
-              </a:p>
-              <a:p>
-                <a:pPr lvl="1"/>
-                <a:r>
-                  <a:rPr lang="en-US" dirty="0"/>
-                  <a:t>Represents under-modeling</a:t>
-                </a:r>
-              </a:p>
-              <a:p>
-                <a:r>
-                  <a:rPr lang="en-US" b="0" dirty="0">
-                    <a:solidFill>
-                      <a:schemeClr val="accent1">
-                        <a:lumMod val="60000"/>
-                        <a:lumOff val="40000"/>
-                      </a:schemeClr>
-                    </a:solidFill>
-                  </a:rPr>
-                  <a:t>Variance</a:t>
-                </a:r>
-                <a:r>
-                  <a:rPr lang="en-US" b="0" dirty="0"/>
-                  <a:t>:  </a:t>
-                </a:r>
-                <a14:m>
-                  <m:oMath xmlns:m="http://schemas.openxmlformats.org/officeDocument/2006/math">
-                    <m:r>
-                      <a:rPr lang="en-US" b="0" i="1" smtClean="0">
-                        <a:latin typeface="Cambria Math" panose="02040503050406030204" pitchFamily="18" charset="0"/>
-                      </a:rPr>
-                      <m:t>𝑉𝑎𝑟</m:t>
-                    </m:r>
-                    <m:d>
-                      <m:dPr>
-                        <m:ctrlPr>
-                          <a:rPr lang="en-US" i="1">
-                            <a:latin typeface="Cambria Math" panose="02040503050406030204" pitchFamily="18" charset="0"/>
-                          </a:rPr>
-                        </m:ctrlPr>
-                      </m:dPr>
-                      <m:e>
-                        <m:sSub>
-                          <m:sSubPr>
-                            <m:ctrlPr>
-                              <a:rPr lang="en-US" b="1" i="1">
-                                <a:latin typeface="Cambria Math" panose="02040503050406030204" pitchFamily="18" charset="0"/>
-                              </a:rPr>
-                            </m:ctrlPr>
-                          </m:sSubPr>
-                          <m:e>
-                            <m:r>
-                              <a:rPr lang="en-US" b="1" i="1">
-                                <a:latin typeface="Cambria Math" panose="02040503050406030204" pitchFamily="18" charset="0"/>
-                              </a:rPr>
-                              <m:t>𝒙</m:t>
-                            </m:r>
-                          </m:e>
-                          <m:sub>
-                            <m:r>
-                              <a:rPr lang="en-US" i="1">
-                                <a:latin typeface="Cambria Math" panose="02040503050406030204" pitchFamily="18" charset="0"/>
-                              </a:rPr>
-                              <m:t>𝑡𝑒𝑠𝑡</m:t>
-                            </m:r>
-                          </m:sub>
-                        </m:sSub>
-                      </m:e>
-                    </m:d>
-                    <m:r>
-                      <a:rPr lang="en-US" i="1" smtClean="0">
-                        <a:latin typeface="Cambria Math" panose="02040503050406030204" pitchFamily="18" charset="0"/>
-                      </a:rPr>
-                      <m:t>≔</m:t>
-                    </m:r>
-                    <m:r>
-                      <a:rPr lang="en-US" i="1" smtClean="0">
-                        <a:latin typeface="Cambria Math" panose="02040503050406030204" pitchFamily="18" charset="0"/>
-                      </a:rPr>
-                      <m:t>𝐸</m:t>
-                    </m:r>
-                    <m:sSup>
-                      <m:sSupPr>
-                        <m:ctrlPr>
-                          <a:rPr lang="en-US" b="0" i="1" smtClean="0">
-                            <a:latin typeface="Cambria Math" panose="02040503050406030204" pitchFamily="18" charset="0"/>
-                          </a:rPr>
-                        </m:ctrlPr>
-                      </m:sSupPr>
-                      <m:e>
-                        <m:d>
-                          <m:dPr>
-                            <m:begChr m:val="["/>
-                            <m:endChr m:val="]"/>
-                            <m:ctrlPr>
-                              <a:rPr lang="en-US" i="1" smtClean="0">
-                                <a:latin typeface="Cambria Math" panose="02040503050406030204" pitchFamily="18" charset="0"/>
-                              </a:rPr>
-                            </m:ctrlPr>
-                          </m:dPr>
-                          <m:e>
-                            <m:r>
-                              <a:rPr lang="en-US" i="1">
-                                <a:latin typeface="Cambria Math" panose="02040503050406030204" pitchFamily="18" charset="0"/>
-                              </a:rPr>
-                              <m:t>𝐸</m:t>
-                            </m:r>
-                            <m:d>
-                              <m:dPr>
-                                <m:begChr m:val="["/>
-                                <m:endChr m:val="]"/>
-                                <m:ctrlPr>
-                                  <a:rPr lang="en-US" i="1">
-                                    <a:latin typeface="Cambria Math" panose="02040503050406030204" pitchFamily="18" charset="0"/>
-                                  </a:rPr>
-                                </m:ctrlPr>
-                              </m:dPr>
-                              <m:e>
-                                <m:r>
-                                  <a:rPr lang="en-US" i="1">
-                                    <a:solidFill>
-                                      <a:schemeClr val="tx1"/>
-                                    </a:solidFill>
-                                    <a:latin typeface="Cambria Math" panose="02040503050406030204" pitchFamily="18" charset="0"/>
-                                  </a:rPr>
-                                  <m:t>𝑓</m:t>
-                                </m:r>
-                                <m:d>
-                                  <m:dPr>
-                                    <m:ctrlPr>
-                                      <a:rPr lang="en-US" i="1">
-                                        <a:solidFill>
-                                          <a:schemeClr val="tx1"/>
-                                        </a:solidFill>
-                                        <a:latin typeface="Cambria Math" panose="02040503050406030204" pitchFamily="18" charset="0"/>
-                                      </a:rPr>
-                                    </m:ctrlPr>
-                                  </m:dPr>
-                                  <m:e>
-                                    <m:sSub>
-                                      <m:sSubPr>
-                                        <m:ctrlPr>
-                                          <a:rPr lang="en-US" b="1" i="1">
-                                            <a:latin typeface="Cambria Math" panose="02040503050406030204" pitchFamily="18" charset="0"/>
-                                          </a:rPr>
-                                        </m:ctrlPr>
-                                      </m:sSubPr>
-                                      <m:e>
-                                        <m:r>
-                                          <a:rPr lang="en-US" b="1" i="1">
-                                            <a:latin typeface="Cambria Math" panose="02040503050406030204" pitchFamily="18" charset="0"/>
-                                          </a:rPr>
-                                          <m:t>𝒙</m:t>
-                                        </m:r>
-                                      </m:e>
-                                      <m:sub>
-                                        <m:r>
-                                          <a:rPr lang="en-US" i="1">
-                                            <a:latin typeface="Cambria Math" panose="02040503050406030204" pitchFamily="18" charset="0"/>
-                                          </a:rPr>
-                                          <m:t>𝑡𝑒𝑠𝑡</m:t>
-                                        </m:r>
-                                      </m:sub>
-                                    </m:sSub>
-                                    <m:r>
-                                      <a:rPr lang="en-US" b="1" i="1">
-                                        <a:latin typeface="Cambria Math" panose="02040503050406030204" pitchFamily="18" charset="0"/>
-                                      </a:rPr>
-                                      <m:t>,</m:t>
-                                    </m:r>
-                                    <m:acc>
-                                      <m:accPr>
-                                        <m:chr m:val="̂"/>
-                                        <m:ctrlPr>
-                                          <a:rPr lang="en-US" b="1" i="1">
-                                            <a:latin typeface="Cambria Math" panose="02040503050406030204" pitchFamily="18" charset="0"/>
-                                          </a:rPr>
-                                        </m:ctrlPr>
-                                      </m:accPr>
-                                      <m:e>
-                                        <m:r>
-                                          <a:rPr lang="en-US" b="1" i="1">
-                                            <a:latin typeface="Cambria Math" panose="02040503050406030204" pitchFamily="18" charset="0"/>
-                                          </a:rPr>
-                                          <m:t>𝜷</m:t>
-                                        </m:r>
-                                      </m:e>
-                                    </m:acc>
-                                  </m:e>
-                                </m:d>
-                              </m:e>
-                            </m:d>
-                            <m:r>
-                              <a:rPr lang="en-US" i="1">
-                                <a:latin typeface="Cambria Math" panose="02040503050406030204" pitchFamily="18" charset="0"/>
-                              </a:rPr>
-                              <m:t>−</m:t>
-                            </m:r>
-                            <m:r>
-                              <a:rPr lang="en-US" i="1">
-                                <a:solidFill>
-                                  <a:schemeClr val="tx1"/>
-                                </a:solidFill>
-                                <a:latin typeface="Cambria Math" panose="02040503050406030204" pitchFamily="18" charset="0"/>
-                              </a:rPr>
-                              <m:t>𝑓</m:t>
-                            </m:r>
-                            <m:d>
-                              <m:dPr>
-                                <m:ctrlPr>
-                                  <a:rPr lang="en-US" i="1">
-                                    <a:solidFill>
-                                      <a:schemeClr val="tx1"/>
-                                    </a:solidFill>
-                                    <a:latin typeface="Cambria Math" panose="02040503050406030204" pitchFamily="18" charset="0"/>
-                                  </a:rPr>
-                                </m:ctrlPr>
-                              </m:dPr>
-                              <m:e>
-                                <m:sSub>
-                                  <m:sSubPr>
-                                    <m:ctrlPr>
-                                      <a:rPr lang="en-US" b="1" i="1">
-                                        <a:latin typeface="Cambria Math" panose="02040503050406030204" pitchFamily="18" charset="0"/>
-                                      </a:rPr>
-                                    </m:ctrlPr>
-                                  </m:sSubPr>
-                                  <m:e>
-                                    <m:r>
-                                      <a:rPr lang="en-US" b="1" i="1">
-                                        <a:latin typeface="Cambria Math" panose="02040503050406030204" pitchFamily="18" charset="0"/>
-                                      </a:rPr>
-                                      <m:t>𝒙</m:t>
-                                    </m:r>
-                                  </m:e>
-                                  <m:sub>
-                                    <m:r>
-                                      <a:rPr lang="en-US" i="1">
-                                        <a:latin typeface="Cambria Math" panose="02040503050406030204" pitchFamily="18" charset="0"/>
-                                      </a:rPr>
-                                      <m:t>𝑡𝑒𝑠𝑡</m:t>
-                                    </m:r>
-                                  </m:sub>
-                                </m:sSub>
-                                <m:r>
-                                  <a:rPr lang="en-US" b="1" i="1">
-                                    <a:latin typeface="Cambria Math" panose="02040503050406030204" pitchFamily="18" charset="0"/>
-                                  </a:rPr>
-                                  <m:t>,</m:t>
-                                </m:r>
-                                <m:acc>
-                                  <m:accPr>
-                                    <m:chr m:val="̂"/>
-                                    <m:ctrlPr>
-                                      <a:rPr lang="en-US" b="1" i="1">
-                                        <a:latin typeface="Cambria Math" panose="02040503050406030204" pitchFamily="18" charset="0"/>
-                                      </a:rPr>
-                                    </m:ctrlPr>
-                                  </m:accPr>
-                                  <m:e>
-                                    <m:r>
-                                      <a:rPr lang="en-US" b="1" i="1">
-                                        <a:latin typeface="Cambria Math" panose="02040503050406030204" pitchFamily="18" charset="0"/>
-                                      </a:rPr>
-                                      <m:t>𝜷</m:t>
-                                    </m:r>
-                                  </m:e>
-                                </m:acc>
-                              </m:e>
-                            </m:d>
-                          </m:e>
-                        </m:d>
-                      </m:e>
-                      <m:sup>
-                        <m:r>
-                          <a:rPr lang="en-US" b="0" i="1" smtClean="0">
-                            <a:latin typeface="Cambria Math" panose="02040503050406030204" pitchFamily="18" charset="0"/>
-                          </a:rPr>
-                          <m:t>2</m:t>
-                        </m:r>
-                      </m:sup>
-                    </m:sSup>
-                  </m:oMath>
-                </a14:m>
-                <a:endParaRPr lang="en-US" dirty="0"/>
-              </a:p>
-              <a:p>
-                <a:pPr lvl="1"/>
-                <a:r>
-                  <a:rPr lang="en-US" dirty="0"/>
-                  <a:t>Represents effect of noise</a:t>
-                </a:r>
-              </a:p>
-              <a:p>
-                <a:r>
-                  <a:rPr lang="en-US" dirty="0"/>
-                  <a:t>Mean-squared error:  </a:t>
-                </a:r>
-                <a14:m>
-                  <m:oMath xmlns:m="http://schemas.openxmlformats.org/officeDocument/2006/math">
-                    <m:r>
-                      <a:rPr lang="en-US" b="0" i="1" smtClean="0">
-                        <a:latin typeface="Cambria Math" panose="02040503050406030204" pitchFamily="18" charset="0"/>
-                      </a:rPr>
-                      <m:t>𝑀𝑆𝐸</m:t>
-                    </m:r>
-                    <m:d>
-                      <m:dPr>
-                        <m:ctrlPr>
-                          <a:rPr lang="en-US" i="1">
-                            <a:latin typeface="Cambria Math" panose="02040503050406030204" pitchFamily="18" charset="0"/>
-                          </a:rPr>
-                        </m:ctrlPr>
-                      </m:dPr>
-                      <m:e>
-                        <m:sSub>
-                          <m:sSubPr>
-                            <m:ctrlPr>
-                              <a:rPr lang="en-US" b="1" i="1">
-                                <a:latin typeface="Cambria Math" panose="02040503050406030204" pitchFamily="18" charset="0"/>
-                              </a:rPr>
-                            </m:ctrlPr>
-                          </m:sSubPr>
-                          <m:e>
-                            <m:r>
-                              <a:rPr lang="en-US" b="1" i="1">
-                                <a:latin typeface="Cambria Math" panose="02040503050406030204" pitchFamily="18" charset="0"/>
-                              </a:rPr>
-                              <m:t>𝒙</m:t>
-                            </m:r>
-                          </m:e>
-                          <m:sub>
-                            <m:r>
-                              <a:rPr lang="en-US" i="1">
-                                <a:latin typeface="Cambria Math" panose="02040503050406030204" pitchFamily="18" charset="0"/>
-                              </a:rPr>
-                              <m:t>𝑡𝑒𝑠𝑡</m:t>
-                            </m:r>
-                          </m:sub>
-                        </m:sSub>
-                      </m:e>
-                    </m:d>
-                    <m:r>
-                      <a:rPr lang="en-US" i="1">
-                        <a:latin typeface="Cambria Math" panose="02040503050406030204" pitchFamily="18" charset="0"/>
-                      </a:rPr>
-                      <m:t>≔</m:t>
-                    </m:r>
-                    <m:r>
-                      <a:rPr lang="en-US" i="1">
-                        <a:latin typeface="Cambria Math" panose="02040503050406030204" pitchFamily="18" charset="0"/>
-                      </a:rPr>
-                      <m:t>𝐸</m:t>
-                    </m:r>
-                    <m:sSup>
-                      <m:sSupPr>
-                        <m:ctrlPr>
-                          <a:rPr lang="en-US" i="1">
-                            <a:latin typeface="Cambria Math" panose="02040503050406030204" pitchFamily="18" charset="0"/>
-                          </a:rPr>
-                        </m:ctrlPr>
-                      </m:sSupPr>
-                      <m:e>
-                        <m:d>
-                          <m:dPr>
-                            <m:begChr m:val="["/>
-                            <m:endChr m:val="]"/>
-                            <m:ctrlPr>
-                              <a:rPr lang="en-US" i="1">
-                                <a:latin typeface="Cambria Math" panose="02040503050406030204" pitchFamily="18" charset="0"/>
-                              </a:rPr>
-                            </m:ctrlPr>
-                          </m:dPr>
-                          <m:e>
-                            <m:sSub>
-                              <m:sSubPr>
-                                <m:ctrlPr>
-                                  <a:rPr lang="en-US" i="1">
-                                    <a:latin typeface="Cambria Math" panose="02040503050406030204" pitchFamily="18" charset="0"/>
-                                  </a:rPr>
-                                </m:ctrlPr>
-                              </m:sSubPr>
-                              <m:e>
-                                <m:r>
-                                  <a:rPr lang="en-US" i="1">
-                                    <a:latin typeface="Cambria Math" panose="02040503050406030204" pitchFamily="18" charset="0"/>
-                                  </a:rPr>
-                                  <m:t>𝑓</m:t>
-                                </m:r>
-                              </m:e>
-                              <m:sub>
-                                <m:r>
-                                  <a:rPr lang="en-US" i="1">
-                                    <a:latin typeface="Cambria Math" panose="02040503050406030204" pitchFamily="18" charset="0"/>
-                                  </a:rPr>
-                                  <m:t>0</m:t>
-                                </m:r>
-                              </m:sub>
-                            </m:sSub>
-                            <m:d>
-                              <m:dPr>
-                                <m:ctrlPr>
-                                  <a:rPr lang="en-US" i="1">
-                                    <a:latin typeface="Cambria Math" panose="02040503050406030204" pitchFamily="18" charset="0"/>
-                                  </a:rPr>
-                                </m:ctrlPr>
-                              </m:dPr>
-                              <m:e>
-                                <m:sSub>
-                                  <m:sSubPr>
-                                    <m:ctrlPr>
-                                      <a:rPr lang="en-US" b="1" i="1">
-                                        <a:latin typeface="Cambria Math" panose="02040503050406030204" pitchFamily="18" charset="0"/>
-                                      </a:rPr>
-                                    </m:ctrlPr>
-                                  </m:sSubPr>
-                                  <m:e>
-                                    <m:r>
-                                      <a:rPr lang="en-US" b="1" i="1">
-                                        <a:latin typeface="Cambria Math" panose="02040503050406030204" pitchFamily="18" charset="0"/>
-                                      </a:rPr>
-                                      <m:t>𝒙</m:t>
-                                    </m:r>
-                                  </m:e>
-                                  <m:sub>
-                                    <m:r>
-                                      <a:rPr lang="en-US" i="1">
-                                        <a:latin typeface="Cambria Math" panose="02040503050406030204" pitchFamily="18" charset="0"/>
-                                      </a:rPr>
-                                      <m:t>𝑡𝑒𝑠𝑡</m:t>
-                                    </m:r>
-                                  </m:sub>
-                                </m:sSub>
-                              </m:e>
-                            </m:d>
-                            <m:r>
-                              <a:rPr lang="en-US" i="1">
-                                <a:latin typeface="Cambria Math" panose="02040503050406030204" pitchFamily="18" charset="0"/>
-                              </a:rPr>
-                              <m:t>−</m:t>
-                            </m:r>
-                            <m:r>
-                              <a:rPr lang="en-US" i="1">
-                                <a:solidFill>
-                                  <a:schemeClr val="tx1"/>
-                                </a:solidFill>
-                                <a:latin typeface="Cambria Math" panose="02040503050406030204" pitchFamily="18" charset="0"/>
-                              </a:rPr>
-                              <m:t>𝑓</m:t>
-                            </m:r>
-                            <m:d>
-                              <m:dPr>
-                                <m:ctrlPr>
-                                  <a:rPr lang="en-US" i="1">
-                                    <a:solidFill>
-                                      <a:schemeClr val="tx1"/>
-                                    </a:solidFill>
-                                    <a:latin typeface="Cambria Math" panose="02040503050406030204" pitchFamily="18" charset="0"/>
-                                  </a:rPr>
-                                </m:ctrlPr>
-                              </m:dPr>
-                              <m:e>
-                                <m:sSub>
-                                  <m:sSubPr>
-                                    <m:ctrlPr>
-                                      <a:rPr lang="en-US" b="1" i="1">
-                                        <a:latin typeface="Cambria Math" panose="02040503050406030204" pitchFamily="18" charset="0"/>
-                                      </a:rPr>
-                                    </m:ctrlPr>
-                                  </m:sSubPr>
-                                  <m:e>
-                                    <m:r>
-                                      <a:rPr lang="en-US" b="1" i="1">
-                                        <a:latin typeface="Cambria Math" panose="02040503050406030204" pitchFamily="18" charset="0"/>
-                                      </a:rPr>
-                                      <m:t>𝒙</m:t>
-                                    </m:r>
-                                  </m:e>
-                                  <m:sub>
-                                    <m:r>
-                                      <a:rPr lang="en-US" i="1">
-                                        <a:latin typeface="Cambria Math" panose="02040503050406030204" pitchFamily="18" charset="0"/>
-                                      </a:rPr>
-                                      <m:t>𝑡𝑒𝑠𝑡</m:t>
-                                    </m:r>
-                                  </m:sub>
-                                </m:sSub>
-                                <m:r>
-                                  <a:rPr lang="en-US" b="1" i="1">
-                                    <a:latin typeface="Cambria Math" panose="02040503050406030204" pitchFamily="18" charset="0"/>
-                                  </a:rPr>
-                                  <m:t>,</m:t>
-                                </m:r>
-                                <m:acc>
-                                  <m:accPr>
-                                    <m:chr m:val="̂"/>
-                                    <m:ctrlPr>
-                                      <a:rPr lang="en-US" b="1" i="1">
-                                        <a:latin typeface="Cambria Math" panose="02040503050406030204" pitchFamily="18" charset="0"/>
-                                      </a:rPr>
-                                    </m:ctrlPr>
-                                  </m:accPr>
-                                  <m:e>
-                                    <m:r>
-                                      <a:rPr lang="en-US" b="1" i="1">
-                                        <a:latin typeface="Cambria Math" panose="02040503050406030204" pitchFamily="18" charset="0"/>
-                                      </a:rPr>
-                                      <m:t>𝜷</m:t>
-                                    </m:r>
-                                  </m:e>
-                                </m:acc>
-                              </m:e>
-                            </m:d>
-                          </m:e>
-                        </m:d>
-                      </m:e>
-                      <m:sup>
-                        <m:r>
-                          <a:rPr lang="en-US" i="1">
-                            <a:latin typeface="Cambria Math" panose="02040503050406030204" pitchFamily="18" charset="0"/>
-                          </a:rPr>
-                          <m:t>2</m:t>
-                        </m:r>
-                      </m:sup>
-                    </m:sSup>
-                  </m:oMath>
-                </a14:m>
-                <a:endParaRPr lang="en-US" dirty="0"/>
-              </a:p>
-              <a:p>
-                <a:r>
-                  <a:rPr lang="en-US" dirty="0">
-                    <a:solidFill>
-                      <a:schemeClr val="accent1">
-                        <a:lumMod val="60000"/>
-                        <a:lumOff val="40000"/>
-                      </a:schemeClr>
-                    </a:solidFill>
-                  </a:rPr>
-                  <a:t>Bias-Variance formula</a:t>
-                </a:r>
-                <a:br>
-                  <a:rPr lang="en-US" dirty="0"/>
-                </a:br>
-                <a14:m>
-                  <m:oMath xmlns:m="http://schemas.openxmlformats.org/officeDocument/2006/math">
-                    <m:r>
-                      <m:rPr>
-                        <m:nor/>
-                      </m:rPr>
-                      <a:rPr lang="en-US">
-                        <a:latin typeface="Cambria Math" panose="02040503050406030204" pitchFamily="18" charset="0"/>
-                      </a:rPr>
-                      <m:t>MSE</m:t>
-                    </m:r>
-                    <m:d>
-                      <m:dPr>
-                        <m:ctrlPr>
-                          <a:rPr lang="en-US" i="1">
-                            <a:latin typeface="Cambria Math" panose="02040503050406030204" pitchFamily="18" charset="0"/>
-                          </a:rPr>
-                        </m:ctrlPr>
-                      </m:dPr>
-                      <m:e>
-                        <m:sSub>
-                          <m:sSubPr>
-                            <m:ctrlPr>
-                              <a:rPr lang="en-US" b="1" i="1">
-                                <a:latin typeface="Cambria Math" panose="02040503050406030204" pitchFamily="18" charset="0"/>
-                              </a:rPr>
-                            </m:ctrlPr>
-                          </m:sSubPr>
-                          <m:e>
-                            <m:r>
-                              <a:rPr lang="en-US" b="1" i="1">
-                                <a:latin typeface="Cambria Math" panose="02040503050406030204" pitchFamily="18" charset="0"/>
-                              </a:rPr>
-                              <m:t>𝒙</m:t>
-                            </m:r>
-                          </m:e>
-                          <m:sub>
-                            <m:r>
-                              <a:rPr lang="en-US" i="1">
-                                <a:latin typeface="Cambria Math" panose="02040503050406030204" pitchFamily="18" charset="0"/>
-                              </a:rPr>
-                              <m:t>𝑡𝑒𝑠𝑡</m:t>
-                            </m:r>
-                          </m:sub>
-                        </m:sSub>
-                      </m:e>
-                    </m:d>
-                    <m:r>
-                      <a:rPr lang="en-US" i="1">
-                        <a:latin typeface="Cambria Math" panose="02040503050406030204" pitchFamily="18" charset="0"/>
-                      </a:rPr>
-                      <m:t>=</m:t>
-                    </m:r>
-                    <m:sSup>
-                      <m:sSupPr>
-                        <m:ctrlPr>
-                          <a:rPr lang="en-US" i="1">
-                            <a:latin typeface="Cambria Math" panose="02040503050406030204" pitchFamily="18" charset="0"/>
-                          </a:rPr>
-                        </m:ctrlPr>
-                      </m:sSupPr>
-                      <m:e>
-                        <m:r>
-                          <m:rPr>
-                            <m:nor/>
-                          </m:rPr>
-                          <a:rPr lang="en-US">
-                            <a:latin typeface="Cambria Math" panose="02040503050406030204" pitchFamily="18" charset="0"/>
-                          </a:rPr>
-                          <m:t>Bias</m:t>
-                        </m:r>
-                      </m:e>
-                      <m:sup>
-                        <m:r>
-                          <a:rPr lang="en-US" i="1">
-                            <a:latin typeface="Cambria Math" panose="02040503050406030204" pitchFamily="18" charset="0"/>
-                          </a:rPr>
-                          <m:t>2</m:t>
-                        </m:r>
-                      </m:sup>
-                    </m:sSup>
-                    <m:d>
-                      <m:dPr>
-                        <m:ctrlPr>
-                          <a:rPr lang="en-US" i="1">
-                            <a:latin typeface="Cambria Math" panose="02040503050406030204" pitchFamily="18" charset="0"/>
-                          </a:rPr>
-                        </m:ctrlPr>
-                      </m:dPr>
-                      <m:e>
-                        <m:sSub>
-                          <m:sSubPr>
-                            <m:ctrlPr>
-                              <a:rPr lang="en-US" b="1" i="1">
-                                <a:latin typeface="Cambria Math" panose="02040503050406030204" pitchFamily="18" charset="0"/>
-                              </a:rPr>
-                            </m:ctrlPr>
-                          </m:sSubPr>
-                          <m:e>
-                            <m:r>
-                              <a:rPr lang="en-US" b="1" i="1">
-                                <a:latin typeface="Cambria Math" panose="02040503050406030204" pitchFamily="18" charset="0"/>
-                              </a:rPr>
-                              <m:t>𝒙</m:t>
-                            </m:r>
-                          </m:e>
-                          <m:sub>
-                            <m:r>
-                              <a:rPr lang="en-US" i="1">
-                                <a:latin typeface="Cambria Math" panose="02040503050406030204" pitchFamily="18" charset="0"/>
-                              </a:rPr>
-                              <m:t>𝑡𝑒𝑠𝑡</m:t>
-                            </m:r>
-                          </m:sub>
-                        </m:sSub>
-                      </m:e>
-                    </m:d>
-                    <m:r>
-                      <a:rPr lang="en-US" i="1">
-                        <a:latin typeface="Cambria Math" panose="02040503050406030204" pitchFamily="18" charset="0"/>
-                      </a:rPr>
-                      <m:t>+</m:t>
-                    </m:r>
-                    <m:r>
-                      <m:rPr>
-                        <m:nor/>
-                      </m:rPr>
-                      <a:rPr lang="en-US">
-                        <a:latin typeface="Cambria Math" panose="02040503050406030204" pitchFamily="18" charset="0"/>
-                      </a:rPr>
-                      <m:t>Var</m:t>
-                    </m:r>
-                    <m:d>
-                      <m:dPr>
-                        <m:ctrlPr>
-                          <a:rPr lang="en-US" i="1">
-                            <a:latin typeface="Cambria Math" panose="02040503050406030204" pitchFamily="18" charset="0"/>
-                          </a:rPr>
-                        </m:ctrlPr>
-                      </m:dPr>
-                      <m:e>
-                        <m:sSub>
-                          <m:sSubPr>
-                            <m:ctrlPr>
-                              <a:rPr lang="en-US" b="1" i="1">
-                                <a:latin typeface="Cambria Math" panose="02040503050406030204" pitchFamily="18" charset="0"/>
-                              </a:rPr>
-                            </m:ctrlPr>
-                          </m:sSubPr>
-                          <m:e>
-                            <m:r>
-                              <a:rPr lang="en-US" b="1" i="1">
-                                <a:latin typeface="Cambria Math" panose="02040503050406030204" pitchFamily="18" charset="0"/>
-                              </a:rPr>
-                              <m:t>𝒙</m:t>
-                            </m:r>
-                          </m:e>
-                          <m:sub>
-                            <m:r>
-                              <a:rPr lang="en-US" i="1">
-                                <a:latin typeface="Cambria Math" panose="02040503050406030204" pitchFamily="18" charset="0"/>
-                              </a:rPr>
-                              <m:t>𝑡𝑒𝑠𝑡</m:t>
-                            </m:r>
-                          </m:sub>
-                        </m:sSub>
-                      </m:e>
-                    </m:d>
-                  </m:oMath>
-                </a14:m>
-                <a:endParaRPr lang="en-US" dirty="0"/>
-              </a:p>
-              <a:p>
-                <a:pPr lvl="1"/>
-                <a:r>
-                  <a:rPr lang="en-US" dirty="0"/>
-                  <a:t>See proof in text</a:t>
-                </a:r>
-              </a:p>
-              <a:p>
-                <a:endParaRPr lang="en-US" dirty="0"/>
-              </a:p>
-              <a:p>
-                <a:pPr lvl="1"/>
-                <a:endParaRPr lang="en-US" dirty="0"/>
-              </a:p>
-            </p:txBody>
-          </p:sp>
-        </mc:Choice>
-        <mc:Fallback>
-          <p:sp>
-            <p:nvSpPr>
-              <p:cNvPr id="3" name="Content Placeholder 2">
-                <a:extLst>
-                  <a:ext uri="{FF2B5EF4-FFF2-40B4-BE49-F238E27FC236}">
-                    <a16:creationId xmlns:a16="http://schemas.microsoft.com/office/drawing/2014/main" id="{DE7025CB-006B-4E3B-A7C4-CD04ABA54560}"/>
-                  </a:ext>
-                </a:extLst>
-              </p:cNvPr>
-              <p:cNvSpPr>
-                <a:spLocks noGrp="1" noRot="1" noChangeAspect="1" noMove="1" noResize="1" noEditPoints="1" noAdjustHandles="1" noChangeArrowheads="1" noChangeShapeType="1" noTextEdit="1"/>
-              </p:cNvSpPr>
-              <p:nvPr>
-                <p:ph idx="1"/>
-              </p:nvPr>
-            </p:nvSpPr>
-            <p:spPr>
-              <a:blipFill>
-                <a:blip r:embed="rId3"/>
-                <a:stretch>
-                  <a:fillRect l="-1455" t="-1549"/>
-                </a:stretch>
-              </a:blipFill>
-            </p:spPr>
-            <p:txBody>
-              <a:bodyPr/>
-              <a:lstStyle/>
-              <a:p>
-                <a:r>
-                  <a:rPr lang="en-US">
-                    <a:noFill/>
-                  </a:rPr>
-                  <a:t> </a:t>
-                </a:r>
-              </a:p>
-            </p:txBody>
-          </p:sp>
-        </mc:Fallback>
-      </mc:AlternateContent>
-      <p:sp>
-        <p:nvSpPr>
-          <p:cNvPr id="4" name="Slide Number Placeholder 3">
-            <a:extLst>
-              <a:ext uri="{FF2B5EF4-FFF2-40B4-BE49-F238E27FC236}">
-                <a16:creationId xmlns:a16="http://schemas.microsoft.com/office/drawing/2014/main" id="{F5DBF58A-5BE2-4386-805E-F7895E94FB94}"/>
-              </a:ext>
-            </a:extLst>
-          </p:cNvPr>
-          <p:cNvSpPr>
-            <a:spLocks noGrp="1"/>
-          </p:cNvSpPr>
-          <p:nvPr>
-            <p:ph type="sldNum" sz="quarter" idx="12"/>
-          </p:nvPr>
-        </p:nvSpPr>
-        <p:spPr/>
-        <p:txBody>
-          <a:bodyPr/>
-          <a:lstStyle/>
-          <a:p>
-            <a:fld id="{629637A9-119A-49DA-BD12-AAC58B377D80}" type="slidenum">
-              <a:rPr lang="en-US" smtClean="0"/>
-              <a:t>27</a:t>
-            </a:fld>
-            <a:endParaRPr lang="en-US" dirty="0"/>
-          </a:p>
-        </p:txBody>
-      </p:sp>
-    </p:spTree>
-    <p:extLst>
-      <p:ext uri="{BB962C8B-B14F-4D97-AF65-F5344CB8AC3E}">
-        <p14:creationId xmlns:p14="http://schemas.microsoft.com/office/powerpoint/2010/main" val="1541712291"/>
-      </p:ext>
-    </p:extLst>
-  </p:cSld>
-  <p:clrMapOvr>
-    <a:masterClrMapping/>
-  </p:clrMapOvr>
-</p:sld>
-</file>
-
-<file path=ppt/slides/slide28.xml><?xml version="1.0" encoding="utf-8"?>
-<p:sld xmlns:a="http://schemas.openxmlformats.org/drawingml/2006/main" xmlns:r="http://schemas.openxmlformats.org/officeDocument/2006/relationships" xmlns:p="http://schemas.openxmlformats.org/presentationml/2006/main">
-  <p:cSld>
-    <p:spTree>
-      <p:nvGrpSpPr>
-        <p:cNvPr id="1" name=""/>
-        <p:cNvGrpSpPr/>
-        <p:nvPr/>
-      </p:nvGrpSpPr>
-      <p:grpSpPr>
-        <a:xfrm>
-          <a:off x="0" y="0"/>
-          <a:ext cx="0" cy="0"/>
-          <a:chOff x="0" y="0"/>
-          <a:chExt cx="0" cy="0"/>
-        </a:xfrm>
-      </p:grpSpPr>
-      <p:sp>
-        <p:nvSpPr>
           <p:cNvPr id="2" name="Title 1"/>
           <p:cNvSpPr>
             <a:spLocks noGrp="1"/>
@@ -19435,7 +21709,7 @@
           <a:p>
             <a:fld id="{629637A9-119A-49DA-BD12-AAC58B377D80}" type="slidenum">
               <a:rPr lang="en-US" smtClean="0"/>
-              <a:t>28</a:t>
+              <a:t>27</a:t>
             </a:fld>
             <a:endParaRPr lang="en-US" dirty="0"/>
           </a:p>
@@ -19500,7 +21774,7 @@
 </p:sld>
 </file>
 
-<file path=ppt/slides/slide29.xml><?xml version="1.0" encoding="utf-8"?>
+<file path=ppt/slides/slide28.xml><?xml version="1.0" encoding="utf-8"?>
 <p:sld xmlns:a="http://schemas.openxmlformats.org/drawingml/2006/main" xmlns:r="http://schemas.openxmlformats.org/officeDocument/2006/relationships" xmlns:p="http://schemas.openxmlformats.org/presentationml/2006/main">
   <p:cSld>
     <p:spTree>
@@ -19539,8 +21813,8 @@
           </a:p>
         </p:txBody>
       </p:sp>
-      <mc:AlternateContent xmlns:mc="http://schemas.openxmlformats.org/markup-compatibility/2006" xmlns:a14="http://schemas.microsoft.com/office/drawing/2010/main">
-        <mc:Choice Requires="a14">
+      <mc:AlternateContent xmlns:mc="http://schemas.openxmlformats.org/markup-compatibility/2006">
+        <mc:Choice xmlns:a14="http://schemas.microsoft.com/office/drawing/2010/main" Requires="a14">
           <p:sp>
             <p:nvSpPr>
               <p:cNvPr id="3" name="Content Placeholder 2"/>
@@ -19558,7 +21832,7 @@
               <a:p>
                 <a:r>
                   <a:rPr lang="en-US" dirty="0"/>
-                  <a:t>Concept:  Need to test fit on data independent of training data</a:t>
+                  <a:t>Concept:  Need to fit on test data independent of training data</a:t>
                 </a:r>
               </a:p>
               <a:p>
@@ -19972,7 +22246,7 @@
             </p:txBody>
           </p:sp>
         </mc:Choice>
-        <mc:Fallback xmlns="">
+        <mc:Fallback>
           <p:sp>
             <p:nvSpPr>
               <p:cNvPr id="3" name="Content Placeholder 2"/>
@@ -19987,7 +22261,7 @@
               <a:blipFill>
                 <a:blip r:embed="rId3"/>
                 <a:stretch>
-                  <a:fillRect l="-1455" t="-1549"/>
+                  <a:fillRect l="-1261" t="-1462"/>
                 </a:stretch>
               </a:blipFill>
             </p:spPr>
@@ -20023,7 +22297,7 @@
           <a:p>
             <a:fld id="{629637A9-119A-49DA-BD12-AAC58B377D80}" type="slidenum">
               <a:rPr lang="en-US" smtClean="0"/>
-              <a:t>29</a:t>
+              <a:t>28</a:t>
             </a:fld>
             <a:endParaRPr lang="en-US" dirty="0"/>
           </a:p>
@@ -20042,7 +22316,7 @@
 </p:sld>
 </file>
 
-<file path=ppt/slides/slide3.xml><?xml version="1.0" encoding="utf-8"?>
+<file path=ppt/slides/slide29.xml><?xml version="1.0" encoding="utf-8"?>
 <p:sld xmlns:a="http://schemas.openxmlformats.org/drawingml/2006/main" xmlns:r="http://schemas.openxmlformats.org/officeDocument/2006/relationships" xmlns:p="http://schemas.openxmlformats.org/presentationml/2006/main">
   <p:cSld>
     <p:spTree>
@@ -20071,161 +22345,6 @@
         </p:nvSpPr>
         <p:spPr/>
         <p:txBody>
-          <a:bodyPr/>
-          <a:lstStyle/>
-          <a:p>
-            <a:r>
-              <a:rPr lang="en-US" dirty="0"/>
-              <a:t>Outline	</a:t>
-            </a:r>
-          </a:p>
-        </p:txBody>
-      </p:sp>
-      <p:sp>
-        <p:nvSpPr>
-          <p:cNvPr id="3" name="Content Placeholder 2"/>
-          <p:cNvSpPr>
-            <a:spLocks noGrp="1"/>
-          </p:cNvSpPr>
-          <p:nvPr>
-            <p:ph idx="1"/>
-          </p:nvPr>
-        </p:nvSpPr>
-        <p:spPr/>
-        <p:txBody>
-          <a:bodyPr/>
-          <a:lstStyle/>
-          <a:p>
-            <a:r>
-              <a:rPr lang="en-US" dirty="0"/>
-              <a:t>Motivating Example:  What polynomial degree should a model use? </a:t>
-            </a:r>
-          </a:p>
-          <a:p>
-            <a:r>
-              <a:rPr lang="en-US" dirty="0"/>
-              <a:t>Bias and variance </a:t>
-            </a:r>
-          </a:p>
-          <a:p>
-            <a:r>
-              <a:rPr lang="en-US" dirty="0"/>
-              <a:t>Cross-validation</a:t>
-            </a:r>
-          </a:p>
-        </p:txBody>
-      </p:sp>
-      <p:sp>
-        <p:nvSpPr>
-          <p:cNvPr id="4" name="Slide Number Placeholder 3"/>
-          <p:cNvSpPr>
-            <a:spLocks noGrp="1"/>
-          </p:cNvSpPr>
-          <p:nvPr>
-            <p:ph type="sldNum" sz="quarter" idx="12"/>
-          </p:nvPr>
-        </p:nvSpPr>
-        <p:spPr/>
-        <p:txBody>
-          <a:bodyPr/>
-          <a:lstStyle/>
-          <a:p>
-            <a:fld id="{629637A9-119A-49DA-BD12-AAC58B377D80}" type="slidenum">
-              <a:rPr lang="en-US" smtClean="0"/>
-              <a:t>3</a:t>
-            </a:fld>
-            <a:endParaRPr lang="en-US" dirty="0"/>
-          </a:p>
-        </p:txBody>
-      </p:sp>
-      <p:sp>
-        <p:nvSpPr>
-          <p:cNvPr id="5" name="Arrow: Right 4"/>
-          <p:cNvSpPr/>
-          <p:nvPr/>
-        </p:nvSpPr>
-        <p:spPr>
-          <a:xfrm>
-            <a:off x="350383" y="1439055"/>
-            <a:ext cx="978408" cy="484632"/>
-          </a:xfrm>
-          <a:prstGeom prst="rightArrow">
-            <a:avLst/>
-          </a:prstGeom>
-          <a:solidFill>
-            <a:schemeClr val="accent1">
-              <a:lumMod val="60000"/>
-              <a:lumOff val="40000"/>
-            </a:schemeClr>
-          </a:solidFill>
-        </p:spPr>
-        <p:style>
-          <a:lnRef idx="2">
-            <a:schemeClr val="accent1">
-              <a:shade val="50000"/>
-            </a:schemeClr>
-          </a:lnRef>
-          <a:fillRef idx="1">
-            <a:schemeClr val="accent1"/>
-          </a:fillRef>
-          <a:effectRef idx="0">
-            <a:schemeClr val="accent1"/>
-          </a:effectRef>
-          <a:fontRef idx="minor">
-            <a:schemeClr val="lt1"/>
-          </a:fontRef>
-        </p:style>
-        <p:txBody>
-          <a:bodyPr rtlCol="0" anchor="ctr"/>
-          <a:lstStyle/>
-          <a:p>
-            <a:pPr algn="ctr"/>
-            <a:endParaRPr lang="en-US"/>
-          </a:p>
-        </p:txBody>
-      </p:sp>
-    </p:spTree>
-    <p:extLst>
-      <p:ext uri="{BB962C8B-B14F-4D97-AF65-F5344CB8AC3E}">
-        <p14:creationId xmlns:p14="http://schemas.microsoft.com/office/powerpoint/2010/main" val="3884060235"/>
-      </p:ext>
-    </p:extLst>
-  </p:cSld>
-  <p:clrMapOvr>
-    <a:masterClrMapping/>
-  </p:clrMapOvr>
-</p:sld>
-</file>
-
-<file path=ppt/slides/slide30.xml><?xml version="1.0" encoding="utf-8"?>
-<p:sld xmlns:a="http://schemas.openxmlformats.org/drawingml/2006/main" xmlns:r="http://schemas.openxmlformats.org/officeDocument/2006/relationships" xmlns:p="http://schemas.openxmlformats.org/presentationml/2006/main">
-  <p:cSld>
-    <p:spTree>
-      <p:nvGrpSpPr>
-        <p:cNvPr id="1" name=""/>
-        <p:cNvGrpSpPr/>
-        <p:nvPr/>
-      </p:nvGrpSpPr>
-      <p:grpSpPr>
-        <a:xfrm>
-          <a:off x="0" y="0"/>
-          <a:ext cx="0" cy="0"/>
-          <a:chOff x="0" y="0"/>
-          <a:chExt cx="0" cy="0"/>
-        </a:xfrm>
-      </p:grpSpPr>
-      <p:sp>
-        <p:nvSpPr>
-          <p:cNvPr id="2" name="Title 1"/>
-          <p:cNvSpPr>
-            <a:spLocks noGrp="1"/>
-          </p:cNvSpPr>
-          <p:nvPr>
-            <p:ph type="title"/>
-          </p:nvPr>
-        </p:nvSpPr>
-        <p:spPr/>
-        <p:txBody>
           <a:bodyPr>
             <a:normAutofit/>
           </a:bodyPr>
@@ -20282,7 +22401,7 @@
           <a:p>
             <a:fld id="{629637A9-119A-49DA-BD12-AAC58B377D80}" type="slidenum">
               <a:rPr lang="en-US" smtClean="0"/>
-              <a:t>30</a:t>
+              <a:t>29</a:t>
             </a:fld>
             <a:endParaRPr lang="en-US" dirty="0"/>
           </a:p>
@@ -20361,7 +22480,168 @@
 </p:sld>
 </file>
 
-<file path=ppt/slides/slide31.xml><?xml version="1.0" encoding="utf-8"?>
+<file path=ppt/slides/slide3.xml><?xml version="1.0" encoding="utf-8"?>
+<p:sld xmlns:a="http://schemas.openxmlformats.org/drawingml/2006/main" xmlns:r="http://schemas.openxmlformats.org/officeDocument/2006/relationships" xmlns:p="http://schemas.openxmlformats.org/presentationml/2006/main">
+  <p:cSld>
+    <p:spTree>
+      <p:nvGrpSpPr>
+        <p:cNvPr id="1" name=""/>
+        <p:cNvGrpSpPr/>
+        <p:nvPr/>
+      </p:nvGrpSpPr>
+      <p:grpSpPr>
+        <a:xfrm>
+          <a:off x="0" y="0"/>
+          <a:ext cx="0" cy="0"/>
+          <a:chOff x="0" y="0"/>
+          <a:chExt cx="0" cy="0"/>
+        </a:xfrm>
+      </p:grpSpPr>
+      <p:sp>
+        <p:nvSpPr>
+          <p:cNvPr id="2" name="Title 1"/>
+          <p:cNvSpPr>
+            <a:spLocks noGrp="1"/>
+          </p:cNvSpPr>
+          <p:nvPr>
+            <p:ph type="title"/>
+          </p:nvPr>
+        </p:nvSpPr>
+        <p:spPr/>
+        <p:txBody>
+          <a:bodyPr/>
+          <a:lstStyle/>
+          <a:p>
+            <a:r>
+              <a:rPr lang="en-US" dirty="0"/>
+              <a:t>Outline	</a:t>
+            </a:r>
+          </a:p>
+        </p:txBody>
+      </p:sp>
+      <p:sp>
+        <p:nvSpPr>
+          <p:cNvPr id="3" name="Content Placeholder 2"/>
+          <p:cNvSpPr>
+            <a:spLocks noGrp="1"/>
+          </p:cNvSpPr>
+          <p:nvPr>
+            <p:ph idx="1"/>
+          </p:nvPr>
+        </p:nvSpPr>
+        <p:spPr/>
+        <p:txBody>
+          <a:bodyPr/>
+          <a:lstStyle/>
+          <a:p>
+            <a:r>
+              <a:rPr lang="en-US" dirty="0"/>
+              <a:t>Motivating example:  What polynomial degree should a model use? </a:t>
+            </a:r>
+          </a:p>
+          <a:p>
+            <a:r>
+              <a:rPr lang="en-US" dirty="0"/>
+              <a:t>Bias and variance </a:t>
+            </a:r>
+          </a:p>
+          <a:p>
+            <a:r>
+              <a:rPr lang="en-US" dirty="0"/>
+              <a:t>Cross-validation</a:t>
+            </a:r>
+          </a:p>
+          <a:p>
+            <a:r>
+              <a:rPr lang="en-US" dirty="0"/>
+              <a:t>Extension to feature selection</a:t>
+            </a:r>
+          </a:p>
+        </p:txBody>
+      </p:sp>
+      <p:sp>
+        <p:nvSpPr>
+          <p:cNvPr id="4" name="Slide Number Placeholder 3"/>
+          <p:cNvSpPr>
+            <a:spLocks noGrp="1"/>
+          </p:cNvSpPr>
+          <p:nvPr>
+            <p:ph type="sldNum" sz="quarter" idx="12"/>
+          </p:nvPr>
+        </p:nvSpPr>
+        <p:spPr/>
+        <p:txBody>
+          <a:bodyPr/>
+          <a:lstStyle/>
+          <a:p>
+            <a:fld id="{629637A9-119A-49DA-BD12-AAC58B377D80}" type="slidenum">
+              <a:rPr lang="en-US" smtClean="0"/>
+              <a:t>3</a:t>
+            </a:fld>
+            <a:endParaRPr lang="en-US" dirty="0"/>
+          </a:p>
+        </p:txBody>
+      </p:sp>
+      <p:sp>
+        <p:nvSpPr>
+          <p:cNvPr id="5" name="Arrow: Right 4"/>
+          <p:cNvSpPr/>
+          <p:nvPr/>
+        </p:nvSpPr>
+        <p:spPr>
+          <a:xfrm>
+            <a:off x="350383" y="1439055"/>
+            <a:ext cx="978408" cy="484632"/>
+          </a:xfrm>
+          <a:prstGeom prst="rightArrow">
+            <a:avLst/>
+          </a:prstGeom>
+          <a:solidFill>
+            <a:schemeClr val="accent1">
+              <a:lumMod val="60000"/>
+              <a:lumOff val="40000"/>
+            </a:schemeClr>
+          </a:solidFill>
+        </p:spPr>
+        <p:style>
+          <a:lnRef idx="2">
+            <a:schemeClr val="accent1">
+              <a:shade val="50000"/>
+            </a:schemeClr>
+          </a:lnRef>
+          <a:fillRef idx="1">
+            <a:schemeClr val="accent1"/>
+          </a:fillRef>
+          <a:effectRef idx="0">
+            <a:schemeClr val="accent1"/>
+          </a:effectRef>
+          <a:fontRef idx="minor">
+            <a:schemeClr val="lt1"/>
+          </a:fontRef>
+        </p:style>
+        <p:txBody>
+          <a:bodyPr rtlCol="0" anchor="ctr"/>
+          <a:lstStyle/>
+          <a:p>
+            <a:pPr algn="ctr"/>
+            <a:endParaRPr lang="en-US"/>
+          </a:p>
+        </p:txBody>
+      </p:sp>
+    </p:spTree>
+    <p:extLst>
+      <p:ext uri="{BB962C8B-B14F-4D97-AF65-F5344CB8AC3E}">
+        <p14:creationId xmlns:p14="http://schemas.microsoft.com/office/powerpoint/2010/main" val="3884060235"/>
+      </p:ext>
+    </p:extLst>
+  </p:cSld>
+  <p:clrMapOvr>
+    <a:masterClrMapping/>
+  </p:clrMapOvr>
+</p:sld>
+</file>
+
+<file path=ppt/slides/slide30.xml><?xml version="1.0" encoding="utf-8"?>
 <p:sld xmlns:a="http://schemas.openxmlformats.org/drawingml/2006/main" xmlns:r="http://schemas.openxmlformats.org/officeDocument/2006/relationships" xmlns:p="http://schemas.openxmlformats.org/presentationml/2006/main">
   <p:cSld>
     <p:spTree>
@@ -20476,7 +22756,7 @@
           <a:p>
             <a:fld id="{629637A9-119A-49DA-BD12-AAC58B377D80}" type="slidenum">
               <a:rPr lang="en-US" smtClean="0"/>
-              <a:t>31</a:t>
+              <a:t>30</a:t>
             </a:fld>
             <a:endParaRPr lang="en-US" dirty="0"/>
           </a:p>
@@ -20797,6 +23077,142 @@
 </p:sld>
 </file>
 
+<file path=ppt/slides/slide31.xml><?xml version="1.0" encoding="utf-8"?>
+<p:sld xmlns:a="http://schemas.openxmlformats.org/drawingml/2006/main" xmlns:r="http://schemas.openxmlformats.org/officeDocument/2006/relationships" xmlns:p="http://schemas.openxmlformats.org/presentationml/2006/main">
+  <p:cSld>
+    <p:spTree>
+      <p:nvGrpSpPr>
+        <p:cNvPr id="1" name=""/>
+        <p:cNvGrpSpPr/>
+        <p:nvPr/>
+      </p:nvGrpSpPr>
+      <p:grpSpPr>
+        <a:xfrm>
+          <a:off x="0" y="0"/>
+          <a:ext cx="0" cy="0"/>
+          <a:chOff x="0" y="0"/>
+          <a:chExt cx="0" cy="0"/>
+        </a:xfrm>
+      </p:grpSpPr>
+      <p:sp>
+        <p:nvSpPr>
+          <p:cNvPr id="2" name="Title 1">
+            <a:extLst>
+              <a:ext uri="{FF2B5EF4-FFF2-40B4-BE49-F238E27FC236}">
+                <a16:creationId xmlns:a16="http://schemas.microsoft.com/office/drawing/2014/main" id="{A5D1028B-9DBE-4DEA-987B-577B01DAE79B}"/>
+              </a:ext>
+            </a:extLst>
+          </p:cNvPr>
+          <p:cNvSpPr>
+            <a:spLocks noGrp="1"/>
+          </p:cNvSpPr>
+          <p:nvPr>
+            <p:ph type="title"/>
+          </p:nvPr>
+        </p:nvSpPr>
+        <p:spPr/>
+        <p:txBody>
+          <a:bodyPr/>
+          <a:lstStyle/>
+          <a:p>
+            <a:r>
+              <a:rPr lang="en-US" dirty="0"/>
+              <a:t>Problems with Simple Train/Test Split</a:t>
+            </a:r>
+          </a:p>
+        </p:txBody>
+      </p:sp>
+      <p:sp>
+        <p:nvSpPr>
+          <p:cNvPr id="3" name="Content Placeholder 2">
+            <a:extLst>
+              <a:ext uri="{FF2B5EF4-FFF2-40B4-BE49-F238E27FC236}">
+                <a16:creationId xmlns:a16="http://schemas.microsoft.com/office/drawing/2014/main" id="{C62154A2-458D-47E8-871D-878A3CD2382B}"/>
+              </a:ext>
+            </a:extLst>
+          </p:cNvPr>
+          <p:cNvSpPr>
+            <a:spLocks noGrp="1"/>
+          </p:cNvSpPr>
+          <p:nvPr>
+            <p:ph idx="1"/>
+          </p:nvPr>
+        </p:nvSpPr>
+        <p:spPr/>
+        <p:txBody>
+          <a:bodyPr/>
+          <a:lstStyle/>
+          <a:p>
+            <a:r>
+              <a:rPr lang="en-US" dirty="0"/>
+              <a:t>Test error could vary significantly depending on samples selected</a:t>
+            </a:r>
+          </a:p>
+          <a:p>
+            <a:r>
+              <a:rPr lang="en-US" dirty="0"/>
+              <a:t>Only use limited number of samples for training</a:t>
+            </a:r>
+          </a:p>
+          <a:p>
+            <a:r>
+              <a:rPr lang="en-US" dirty="0"/>
+              <a:t>Problems particularly bad for data with limited number of samples</a:t>
+            </a:r>
+          </a:p>
+          <a:p>
+            <a:endParaRPr lang="en-US" dirty="0"/>
+          </a:p>
+          <a:p>
+            <a:pPr marL="0" indent="0">
+              <a:buNone/>
+            </a:pPr>
+            <a:endParaRPr lang="en-US" dirty="0"/>
+          </a:p>
+        </p:txBody>
+      </p:sp>
+      <p:sp>
+        <p:nvSpPr>
+          <p:cNvPr id="4" name="Slide Number Placeholder 3">
+            <a:extLst>
+              <a:ext uri="{FF2B5EF4-FFF2-40B4-BE49-F238E27FC236}">
+                <a16:creationId xmlns:a16="http://schemas.microsoft.com/office/drawing/2014/main" id="{49548884-A43E-41F3-B139-B00D98862092}"/>
+              </a:ext>
+            </a:extLst>
+          </p:cNvPr>
+          <p:cNvSpPr>
+            <a:spLocks noGrp="1"/>
+          </p:cNvSpPr>
+          <p:nvPr>
+            <p:ph type="sldNum" sz="quarter" idx="12"/>
+          </p:nvPr>
+        </p:nvSpPr>
+        <p:spPr/>
+        <p:txBody>
+          <a:bodyPr/>
+          <a:lstStyle/>
+          <a:p>
+            <a:fld id="{629637A9-119A-49DA-BD12-AAC58B377D80}" type="slidenum">
+              <a:rPr lang="en-US" smtClean="0"/>
+              <a:t>31</a:t>
+            </a:fld>
+            <a:endParaRPr lang="en-US" dirty="0"/>
+          </a:p>
+        </p:txBody>
+      </p:sp>
+    </p:spTree>
+    <p:extLst>
+      <p:ext uri="{BB962C8B-B14F-4D97-AF65-F5344CB8AC3E}">
+        <p14:creationId xmlns:p14="http://schemas.microsoft.com/office/powerpoint/2010/main" val="3361675811"/>
+      </p:ext>
+    </p:extLst>
+  </p:cSld>
+  <p:clrMapOvr>
+    <a:masterClrMapping/>
+  </p:clrMapOvr>
+</p:sld>
+</file>
+
 <file path=ppt/slides/slide32.xml><?xml version="1.0" encoding="utf-8"?>
 <p:sld xmlns:a="http://schemas.openxmlformats.org/drawingml/2006/main" xmlns:r="http://schemas.openxmlformats.org/officeDocument/2006/relationships" xmlns:p="http://schemas.openxmlformats.org/presentationml/2006/main">
   <p:cSld>
@@ -20816,142 +23232,6 @@
       </p:grpSpPr>
       <p:sp>
         <p:nvSpPr>
-          <p:cNvPr id="2" name="Title 1">
-            <a:extLst>
-              <a:ext uri="{FF2B5EF4-FFF2-40B4-BE49-F238E27FC236}">
-                <a16:creationId xmlns:a16="http://schemas.microsoft.com/office/drawing/2014/main" id="{A5D1028B-9DBE-4DEA-987B-577B01DAE79B}"/>
-              </a:ext>
-            </a:extLst>
-          </p:cNvPr>
-          <p:cNvSpPr>
-            <a:spLocks noGrp="1"/>
-          </p:cNvSpPr>
-          <p:nvPr>
-            <p:ph type="title"/>
-          </p:nvPr>
-        </p:nvSpPr>
-        <p:spPr/>
-        <p:txBody>
-          <a:bodyPr/>
-          <a:lstStyle/>
-          <a:p>
-            <a:r>
-              <a:rPr lang="en-US" dirty="0"/>
-              <a:t>Problems with Simple Train/Test Split</a:t>
-            </a:r>
-          </a:p>
-        </p:txBody>
-      </p:sp>
-      <p:sp>
-        <p:nvSpPr>
-          <p:cNvPr id="3" name="Content Placeholder 2">
-            <a:extLst>
-              <a:ext uri="{FF2B5EF4-FFF2-40B4-BE49-F238E27FC236}">
-                <a16:creationId xmlns:a16="http://schemas.microsoft.com/office/drawing/2014/main" id="{C62154A2-458D-47E8-871D-878A3CD2382B}"/>
-              </a:ext>
-            </a:extLst>
-          </p:cNvPr>
-          <p:cNvSpPr>
-            <a:spLocks noGrp="1"/>
-          </p:cNvSpPr>
-          <p:nvPr>
-            <p:ph idx="1"/>
-          </p:nvPr>
-        </p:nvSpPr>
-        <p:spPr/>
-        <p:txBody>
-          <a:bodyPr/>
-          <a:lstStyle/>
-          <a:p>
-            <a:r>
-              <a:rPr lang="en-US" dirty="0"/>
-              <a:t>Test error could vary significantly depending on samples selected</a:t>
-            </a:r>
-          </a:p>
-          <a:p>
-            <a:r>
-              <a:rPr lang="en-US" dirty="0"/>
-              <a:t>Only use limited number of samples for training</a:t>
-            </a:r>
-          </a:p>
-          <a:p>
-            <a:r>
-              <a:rPr lang="en-US" dirty="0"/>
-              <a:t>Problems particularly bad for data with limited number of samples</a:t>
-            </a:r>
-          </a:p>
-          <a:p>
-            <a:endParaRPr lang="en-US" dirty="0"/>
-          </a:p>
-          <a:p>
-            <a:pPr marL="0" indent="0">
-              <a:buNone/>
-            </a:pPr>
-            <a:endParaRPr lang="en-US" dirty="0"/>
-          </a:p>
-        </p:txBody>
-      </p:sp>
-      <p:sp>
-        <p:nvSpPr>
-          <p:cNvPr id="4" name="Slide Number Placeholder 3">
-            <a:extLst>
-              <a:ext uri="{FF2B5EF4-FFF2-40B4-BE49-F238E27FC236}">
-                <a16:creationId xmlns:a16="http://schemas.microsoft.com/office/drawing/2014/main" id="{49548884-A43E-41F3-B139-B00D98862092}"/>
-              </a:ext>
-            </a:extLst>
-          </p:cNvPr>
-          <p:cNvSpPr>
-            <a:spLocks noGrp="1"/>
-          </p:cNvSpPr>
-          <p:nvPr>
-            <p:ph type="sldNum" sz="quarter" idx="12"/>
-          </p:nvPr>
-        </p:nvSpPr>
-        <p:spPr/>
-        <p:txBody>
-          <a:bodyPr/>
-          <a:lstStyle/>
-          <a:p>
-            <a:fld id="{629637A9-119A-49DA-BD12-AAC58B377D80}" type="slidenum">
-              <a:rPr lang="en-US" smtClean="0"/>
-              <a:t>32</a:t>
-            </a:fld>
-            <a:endParaRPr lang="en-US" dirty="0"/>
-          </a:p>
-        </p:txBody>
-      </p:sp>
-    </p:spTree>
-    <p:extLst>
-      <p:ext uri="{BB962C8B-B14F-4D97-AF65-F5344CB8AC3E}">
-        <p14:creationId xmlns:p14="http://schemas.microsoft.com/office/powerpoint/2010/main" val="3361675811"/>
-      </p:ext>
-    </p:extLst>
-  </p:cSld>
-  <p:clrMapOvr>
-    <a:masterClrMapping/>
-  </p:clrMapOvr>
-</p:sld>
-</file>
-
-<file path=ppt/slides/slide33.xml><?xml version="1.0" encoding="utf-8"?>
-<p:sld xmlns:a="http://schemas.openxmlformats.org/drawingml/2006/main" xmlns:r="http://schemas.openxmlformats.org/officeDocument/2006/relationships" xmlns:p="http://schemas.openxmlformats.org/presentationml/2006/main">
-  <p:cSld>
-    <p:spTree>
-      <p:nvGrpSpPr>
-        <p:cNvPr id="1" name=""/>
-        <p:cNvGrpSpPr/>
-        <p:nvPr/>
-      </p:nvGrpSpPr>
-      <p:grpSpPr>
-        <a:xfrm>
-          <a:off x="0" y="0"/>
-          <a:ext cx="0" cy="0"/>
-          <a:chOff x="0" y="0"/>
-          <a:chExt cx="0" cy="0"/>
-        </a:xfrm>
-      </p:grpSpPr>
-      <p:sp>
-        <p:nvSpPr>
           <p:cNvPr id="2" name="Title 1"/>
           <p:cNvSpPr>
             <a:spLocks noGrp="1"/>
@@ -20972,8 +23252,8 @@
           </a:p>
         </p:txBody>
       </p:sp>
-      <mc:AlternateContent xmlns:mc="http://schemas.openxmlformats.org/markup-compatibility/2006" xmlns:a14="http://schemas.microsoft.com/office/drawing/2010/main">
-        <mc:Choice Requires="a14">
+      <mc:AlternateContent xmlns:mc="http://schemas.openxmlformats.org/markup-compatibility/2006">
+        <mc:Choice xmlns:a14="http://schemas.microsoft.com/office/drawing/2010/main" Requires="a14">
           <p:sp>
             <p:nvSpPr>
               <p:cNvPr id="3" name="Content Placeholder 2"/>
@@ -20991,7 +23271,9 @@
               </a:xfrm>
             </p:spPr>
             <p:txBody>
-              <a:bodyPr/>
+              <a:bodyPr>
+                <a:normAutofit lnSpcReduction="10000"/>
+              </a:bodyPr>
               <a:lstStyle/>
               <a:p>
                 <a14:m>
@@ -21101,6 +23383,27 @@
               </a:p>
               <a:p>
                 <a:pPr lvl="1"/>
+                <a:r>
+                  <a:rPr lang="en-US" dirty="0"/>
+                  <a:t>Typical choice: K=5 or 10</a:t>
+                </a:r>
+              </a:p>
+              <a:p>
+                <a:pPr lvl="1"/>
+                <a:r>
+                  <a:rPr lang="en-US" dirty="0"/>
+                  <a:t>Average MSE over K folds estimates the total MSE</a:t>
+                </a:r>
+              </a:p>
+              <a:p>
+                <a:pPr lvl="1"/>
+                <a:r>
+                  <a:rPr lang="en-US" dirty="0"/>
+                  <a:t>(=Bias^2+Variance+irreducible error)</a:t>
+                </a:r>
+              </a:p>
+              <a:p>
+                <a:pPr lvl="1"/>
                 <a:endParaRPr lang="en-US" dirty="0"/>
               </a:p>
               <a:p>
@@ -21157,12 +23460,23 @@
               </a:p>
               <a:p>
                 <a:pPr lvl="1"/>
+                <a:r>
+                  <a:rPr lang="en-US" dirty="0">
+                    <a:solidFill>
+                      <a:srgbClr val="FF0000"/>
+                    </a:solidFill>
+                  </a:rPr>
+                  <a:t>Necessary when N is small.</a:t>
+                </a:r>
+              </a:p>
+              <a:p>
+                <a:pPr lvl="1"/>
                 <a:endParaRPr lang="en-US" dirty="0"/>
               </a:p>
             </p:txBody>
           </p:sp>
         </mc:Choice>
-        <mc:Fallback xmlns="">
+        <mc:Fallback>
           <p:sp>
             <p:nvSpPr>
               <p:cNvPr id="3" name="Content Placeholder 2"/>
@@ -21181,7 +23495,7 @@
               <a:blipFill>
                 <a:blip r:embed="rId3"/>
                 <a:stretch>
-                  <a:fillRect l="-1455" t="-1406"/>
+                  <a:fillRect l="-1261" t="-2339"/>
                 </a:stretch>
               </a:blipFill>
             </p:spPr>
@@ -21217,7 +23531,7 @@
           <a:p>
             <a:fld id="{629637A9-119A-49DA-BD12-AAC58B377D80}" type="slidenum">
               <a:rPr lang="en-US" smtClean="0"/>
-              <a:t>33</a:t>
+              <a:t>32</a:t>
             </a:fld>
             <a:endParaRPr lang="en-US" dirty="0"/>
           </a:p>
@@ -21318,7 +23632,7 @@
 </p:sld>
 </file>
 
-<file path=ppt/slides/slide34.xml><?xml version="1.0" encoding="utf-8"?>
+<file path=ppt/slides/slide33.xml><?xml version="1.0" encoding="utf-8"?>
 <p:sld xmlns:a="http://schemas.openxmlformats.org/drawingml/2006/main" xmlns:r="http://schemas.openxmlformats.org/officeDocument/2006/relationships" xmlns:p="http://schemas.openxmlformats.org/presentationml/2006/main">
   <p:cSld>
     <p:spTree>
@@ -21417,14 +23731,14 @@
             <a:pPr lvl="1"/>
             <a:r>
               <a:rPr lang="en-US" dirty="0"/>
-              <a:t>Outer loop:  Over K folds</a:t>
+              <a:t>Outer loop: Over K folds</a:t>
             </a:r>
           </a:p>
           <a:p>
             <a:pPr lvl="1"/>
             <a:r>
               <a:rPr lang="en-US" dirty="0"/>
-              <a:t>Inner loop: Over model order</a:t>
+              <a:t>Inner loop: Over D model orders</a:t>
             </a:r>
           </a:p>
           <a:p>
@@ -21438,8 +23752,32 @@
             <a:pPr lvl="1"/>
             <a:r>
               <a:rPr lang="en-US" dirty="0"/>
+              <a:t>Averaging test errors from K folds for each model order</a:t>
+            </a:r>
+          </a:p>
+          <a:p>
+            <a:pPr lvl="1"/>
+            <a:r>
+              <a:rPr lang="en-US" dirty="0"/>
+              <a:t>Find the model order with the minimal average test errors</a:t>
+            </a:r>
+          </a:p>
+          <a:p>
+            <a:pPr lvl="1"/>
+            <a:r>
+              <a:rPr lang="en-US" dirty="0"/>
               <a:t>Can be time-consuming </a:t>
             </a:r>
+          </a:p>
+          <a:p>
+            <a:pPr marL="201168" lvl="1" indent="0">
+              <a:buNone/>
+            </a:pPr>
+            <a:endParaRPr lang="en-US" dirty="0">
+              <a:solidFill>
+                <a:srgbClr val="FF0000"/>
+              </a:solidFill>
+            </a:endParaRPr>
           </a:p>
         </p:txBody>
       </p:sp>
@@ -21466,7 +23804,7 @@
           <a:p>
             <a:fld id="{629637A9-119A-49DA-BD12-AAC58B377D80}" type="slidenum">
               <a:rPr lang="en-US" smtClean="0"/>
-              <a:t>34</a:t>
+              <a:t>33</a:t>
             </a:fld>
             <a:endParaRPr lang="en-US" dirty="0"/>
           </a:p>
@@ -21494,7 +23832,7 @@
         </p:blipFill>
         <p:spPr>
           <a:xfrm>
-            <a:off x="5527486" y="1489290"/>
+            <a:off x="6941731" y="1217441"/>
             <a:ext cx="4810125" cy="4514850"/>
           </a:xfrm>
           <a:prstGeom prst="rect">
@@ -21515,7 +23853,7 @@
 </p:sld>
 </file>
 
-<file path=ppt/slides/slide35.xml><?xml version="1.0" encoding="utf-8"?>
+<file path=ppt/slides/slide34.xml><?xml version="1.0" encoding="utf-8"?>
 <p:sld xmlns:a="http://schemas.openxmlformats.org/drawingml/2006/main" xmlns:r="http://schemas.openxmlformats.org/officeDocument/2006/relationships" xmlns:p="http://schemas.openxmlformats.org/presentationml/2006/main">
   <p:cSld>
     <p:spTree>
@@ -21594,22 +23932,14 @@
                 <a:pPr lvl="1"/>
                 <a:r>
                   <a:rPr lang="en-US" dirty="0"/>
-                  <a:t>Compute mean test RSS</a:t>
+                  <a:t>Compute mean test RSS over K folds</a:t>
                 </a:r>
               </a:p>
               <a:p>
                 <a:pPr lvl="1"/>
                 <a:r>
                   <a:rPr lang="en-US" dirty="0"/>
-                  <a:t>Compute </a:t>
-                </a:r>
-                <a:r>
-                  <a:rPr lang="en-US" dirty="0" err="1"/>
-                  <a:t>std</a:t>
-                </a:r>
-                <a:r>
-                  <a:rPr lang="en-US" dirty="0"/>
-                  <a:t> error (SE) of test RSS</a:t>
+                  <a:t>Compute standard error (SE) of test RSS</a:t>
                 </a:r>
               </a:p>
               <a:p>
@@ -21661,7 +23991,7 @@
                 <a:pPr lvl="1"/>
                 <a:r>
                   <a:rPr lang="en-US" dirty="0"/>
-                  <a:t>Mean and SE computed over the </a:t>
+                  <a:t>Mean and SE averaged over the </a:t>
                 </a:r>
                 <a14:m>
                   <m:oMath xmlns:m="http://schemas.openxmlformats.org/officeDocument/2006/math">
@@ -21740,7 +24070,7 @@
               <a:blipFill>
                 <a:blip r:embed="rId3"/>
                 <a:stretch>
-                  <a:fillRect l="-1455" t="-1549"/>
+                  <a:fillRect l="-1261" t="-1462"/>
                 </a:stretch>
               </a:blipFill>
             </p:spPr>
@@ -21782,7 +24112,7 @@
           <a:p>
             <a:fld id="{629637A9-119A-49DA-BD12-AAC58B377D80}" type="slidenum">
               <a:rPr lang="en-US" smtClean="0"/>
-              <a:t>35</a:t>
+              <a:t>34</a:t>
             </a:fld>
             <a:endParaRPr lang="en-US" dirty="0"/>
           </a:p>
@@ -21861,7 +24191,7 @@
 </p:sld>
 </file>
 
-<file path=ppt/slides/slide36.xml><?xml version="1.0" encoding="utf-8"?>
+<file path=ppt/slides/slide35.xml><?xml version="1.0" encoding="utf-8"?>
 <p:sld xmlns:a="http://schemas.openxmlformats.org/drawingml/2006/main" xmlns:r="http://schemas.openxmlformats.org/officeDocument/2006/relationships" xmlns:p="http://schemas.openxmlformats.org/presentationml/2006/main">
   <p:cSld>
     <p:spTree>
@@ -22052,7 +24382,7 @@
             <a:pPr lvl="1"/>
             <a:r>
               <a:rPr lang="en-US" dirty="0"/>
-              <a:t>Find </a:t>
+              <a:t>Find minimal </a:t>
             </a:r>
             <a:r>
               <a:rPr lang="en-US" dirty="0" err="1"/>
@@ -22060,7 +24390,7 @@
             </a:r>
             <a:r>
               <a:rPr lang="en-US" dirty="0"/>
-              <a:t> minimize d </a:t>
+              <a:t> </a:t>
             </a:r>
             <a:r>
               <a:rPr lang="en-US" dirty="0" err="1"/>
@@ -22076,7 +24406,15 @@
             </a:r>
             <a:r>
               <a:rPr lang="en-US" dirty="0"/>
-              <a:t>[d] &lt;= </a:t>
+              <a:t>[</a:t>
+            </a:r>
+            <a:r>
+              <a:rPr lang="en-US" dirty="0" err="1"/>
+              <a:t>dopt</a:t>
+            </a:r>
+            <a:r>
+              <a:rPr lang="en-US" dirty="0"/>
+              <a:t>] &lt;= </a:t>
             </a:r>
             <a:r>
               <a:rPr lang="en-US" dirty="0" err="1"/>
@@ -22121,7 +24459,7 @@
           <a:p>
             <a:fld id="{629637A9-119A-49DA-BD12-AAC58B377D80}" type="slidenum">
               <a:rPr lang="en-US" smtClean="0"/>
-              <a:t>36</a:t>
+              <a:t>35</a:t>
             </a:fld>
             <a:endParaRPr lang="en-US" dirty="0"/>
           </a:p>
@@ -22291,6 +24629,147 @@
 </p:sld>
 </file>
 
+<file path=ppt/slides/slide36.xml><?xml version="1.0" encoding="utf-8"?>
+<p:sld xmlns:a="http://schemas.openxmlformats.org/drawingml/2006/main" xmlns:r="http://schemas.openxmlformats.org/officeDocument/2006/relationships" xmlns:p="http://schemas.openxmlformats.org/presentationml/2006/main">
+  <p:cSld>
+    <p:spTree>
+      <p:nvGrpSpPr>
+        <p:cNvPr id="1" name=""/>
+        <p:cNvGrpSpPr/>
+        <p:nvPr/>
+      </p:nvGrpSpPr>
+      <p:grpSpPr>
+        <a:xfrm>
+          <a:off x="0" y="0"/>
+          <a:ext cx="0" cy="0"/>
+          <a:chOff x="0" y="0"/>
+          <a:chExt cx="0" cy="0"/>
+        </a:xfrm>
+      </p:grpSpPr>
+      <p:sp>
+        <p:nvSpPr>
+          <p:cNvPr id="2" name="Title 1">
+            <a:extLst>
+              <a:ext uri="{FF2B5EF4-FFF2-40B4-BE49-F238E27FC236}">
+                <a16:creationId xmlns:a16="http://schemas.microsoft.com/office/drawing/2014/main" id="{9FCE6D78-AA63-774E-B88F-7CF70077D58A}"/>
+              </a:ext>
+            </a:extLst>
+          </p:cNvPr>
+          <p:cNvSpPr>
+            <a:spLocks noGrp="1"/>
+          </p:cNvSpPr>
+          <p:nvPr>
+            <p:ph type="title"/>
+          </p:nvPr>
+        </p:nvSpPr>
+        <p:spPr/>
+        <p:txBody>
+          <a:bodyPr/>
+          <a:lstStyle/>
+          <a:p>
+            <a:r>
+              <a:rPr lang="en-US" dirty="0"/>
+              <a:t>Feature selection as model selection</a:t>
+            </a:r>
+          </a:p>
+        </p:txBody>
+      </p:sp>
+      <p:sp>
+        <p:nvSpPr>
+          <p:cNvPr id="3" name="Content Placeholder 2">
+            <a:extLst>
+              <a:ext uri="{FF2B5EF4-FFF2-40B4-BE49-F238E27FC236}">
+                <a16:creationId xmlns:a16="http://schemas.microsoft.com/office/drawing/2014/main" id="{D56C4354-708A-4A4B-AD75-3542505B8F71}"/>
+              </a:ext>
+            </a:extLst>
+          </p:cNvPr>
+          <p:cNvSpPr>
+            <a:spLocks noGrp="1"/>
+          </p:cNvSpPr>
+          <p:nvPr>
+            <p:ph idx="1"/>
+          </p:nvPr>
+        </p:nvSpPr>
+        <p:spPr/>
+        <p:txBody>
+          <a:bodyPr>
+            <a:normAutofit/>
+          </a:bodyPr>
+          <a:lstStyle/>
+          <a:p>
+            <a:r>
+              <a:rPr lang="en-US" sz="2400" dirty="0"/>
+              <a:t>So far we discussed how to select the order of a fitting polynomial as a model selection problem.</a:t>
+            </a:r>
+          </a:p>
+          <a:p>
+            <a:r>
+              <a:rPr lang="en-US" sz="2400" dirty="0"/>
+              <a:t>More generally, given many features, only a subset of the features may be useful for predicting the target. How do we select the useful features? </a:t>
+            </a:r>
+          </a:p>
+          <a:p>
+            <a:r>
+              <a:rPr lang="en-US" sz="2400" dirty="0"/>
+              <a:t>With linear regression, each possible feature subset corresponds to a different model, and the feature number is the model order!</a:t>
+            </a:r>
+          </a:p>
+          <a:p>
+            <a:r>
+              <a:rPr lang="en-US" sz="2400" dirty="0"/>
+              <a:t>Higher feature number leads to low bias but higher variance!</a:t>
+            </a:r>
+          </a:p>
+          <a:p>
+            <a:r>
+              <a:rPr lang="en-US" sz="2400" dirty="0"/>
+              <a:t>We can use the approach for polynomial order selection to solve the feature selection problem.</a:t>
+            </a:r>
+          </a:p>
+        </p:txBody>
+      </p:sp>
+      <p:sp>
+        <p:nvSpPr>
+          <p:cNvPr id="4" name="Slide Number Placeholder 3">
+            <a:extLst>
+              <a:ext uri="{FF2B5EF4-FFF2-40B4-BE49-F238E27FC236}">
+                <a16:creationId xmlns:a16="http://schemas.microsoft.com/office/drawing/2014/main" id="{E30797BC-1232-B447-BB1F-48FC6B5BB8C8}"/>
+              </a:ext>
+            </a:extLst>
+          </p:cNvPr>
+          <p:cNvSpPr>
+            <a:spLocks noGrp="1"/>
+          </p:cNvSpPr>
+          <p:nvPr>
+            <p:ph type="sldNum" sz="quarter" idx="12"/>
+          </p:nvPr>
+        </p:nvSpPr>
+        <p:spPr/>
+        <p:txBody>
+          <a:bodyPr/>
+          <a:lstStyle/>
+          <a:p>
+            <a:fld id="{629637A9-119A-49DA-BD12-AAC58B377D80}" type="slidenum">
+              <a:rPr lang="en-US" smtClean="0"/>
+              <a:t>36</a:t>
+            </a:fld>
+            <a:endParaRPr lang="en-US" dirty="0"/>
+          </a:p>
+        </p:txBody>
+      </p:sp>
+    </p:spTree>
+    <p:extLst>
+      <p:ext uri="{BB962C8B-B14F-4D97-AF65-F5344CB8AC3E}">
+        <p14:creationId xmlns:p14="http://schemas.microsoft.com/office/powerpoint/2010/main" val="984087643"/>
+      </p:ext>
+    </p:extLst>
+  </p:cSld>
+  <p:clrMapOvr>
+    <a:masterClrMapping/>
+  </p:clrMapOvr>
+</p:sld>
+</file>
+
 <file path=ppt/slides/slide37.xml><?xml version="1.0" encoding="utf-8"?>
 <p:sld xmlns:a="http://schemas.openxmlformats.org/drawingml/2006/main" xmlns:r="http://schemas.openxmlformats.org/officeDocument/2006/relationships" xmlns:p="http://schemas.openxmlformats.org/presentationml/2006/main">
   <p:cSld>
@@ -22313,7 +24792,7 @@
           <p:cNvPr id="2" name="Title 1">
             <a:extLst>
               <a:ext uri="{FF2B5EF4-FFF2-40B4-BE49-F238E27FC236}">
-                <a16:creationId xmlns:a16="http://schemas.microsoft.com/office/drawing/2014/main" id="{6885F70D-6798-4438-991B-B69931A94910}"/>
+                <a16:creationId xmlns:a16="http://schemas.microsoft.com/office/drawing/2014/main" id="{6E31F838-5ACA-7046-91E5-10A00B4CC95F}"/>
               </a:ext>
             </a:extLst>
           </p:cNvPr>
@@ -22331,25 +24810,127 @@
           <a:p>
             <a:r>
               <a:rPr lang="en-US" dirty="0"/>
-              <a:t>Lab:  Neural </a:t>
+              <a:t>Exhaustive search for feature selection</a:t>
             </a:r>
-            <a:r>
-              <a:rPr lang="en-US" dirty="0" err="1"/>
-              <a:t>ECoG</a:t>
-            </a:r>
-            <a:r>
-              <a:rPr lang="en-US" dirty="0"/>
-              <a:t> Data</a:t>
-            </a:r>
           </a:p>
         </p:txBody>
       </p:sp>
+      <mc:AlternateContent xmlns:mc="http://schemas.openxmlformats.org/markup-compatibility/2006">
+        <mc:Choice xmlns:a14="http://schemas.microsoft.com/office/drawing/2010/main" Requires="a14">
+          <p:sp>
+            <p:nvSpPr>
+              <p:cNvPr id="3" name="Content Placeholder 2">
+                <a:extLst>
+                  <a:ext uri="{FF2B5EF4-FFF2-40B4-BE49-F238E27FC236}">
+                    <a16:creationId xmlns:a16="http://schemas.microsoft.com/office/drawing/2014/main" id="{94DFA978-3312-2545-AF6A-CD1228CDFBB7}"/>
+                  </a:ext>
+                </a:extLst>
+              </p:cNvPr>
+              <p:cNvSpPr>
+                <a:spLocks noGrp="1"/>
+              </p:cNvSpPr>
+              <p:nvPr>
+                <p:ph idx="1"/>
+              </p:nvPr>
+            </p:nvSpPr>
+            <p:spPr/>
+            <p:txBody>
+              <a:bodyPr>
+                <a:normAutofit/>
+              </a:bodyPr>
+              <a:lstStyle/>
+              <a:p>
+                <a:r>
+                  <a:rPr lang="en-US" sz="2400" dirty="0"/>
+                  <a:t> Suppose you want to consider feature subset of size up to </a:t>
+                </a:r>
+                <a14:m>
+                  <m:oMath xmlns:m="http://schemas.openxmlformats.org/officeDocument/2006/math">
+                    <m:r>
+                      <a:rPr lang="en-US" sz="2400" b="0" i="1" smtClean="0">
+                        <a:latin typeface="Cambria Math" panose="02040503050406030204" pitchFamily="18" charset="0"/>
+                      </a:rPr>
+                      <m:t>𝑝</m:t>
+                    </m:r>
+                  </m:oMath>
+                </a14:m>
+                <a:endParaRPr lang="en-US" sz="2400" dirty="0"/>
+              </a:p>
+              <a:p>
+                <a:r>
+                  <a:rPr lang="en-US" sz="2400" dirty="0"/>
+                  <a:t> For all possible feature subsets of size 1 to </a:t>
+                </a:r>
+                <a14:m>
+                  <m:oMath xmlns:m="http://schemas.openxmlformats.org/officeDocument/2006/math">
+                    <m:r>
+                      <a:rPr lang="en-US" sz="2400" b="0" i="1" smtClean="0">
+                        <a:latin typeface="Cambria Math" panose="02040503050406030204" pitchFamily="18" charset="0"/>
+                      </a:rPr>
+                      <m:t>𝑝</m:t>
+                    </m:r>
+                  </m:oMath>
+                </a14:m>
+                <a:r>
+                  <a:rPr lang="en-US" sz="2400" dirty="0"/>
+                  <a:t>: use cross validation to find mean RSS mean and standard deviation for each feature subset.</a:t>
+                </a:r>
+              </a:p>
+              <a:p>
+                <a:r>
+                  <a:rPr lang="en-US" sz="2400" dirty="0"/>
+                  <a:t> Choose the subset with the minimal RSS mean, or use the one standard error rule.</a:t>
+                </a:r>
+              </a:p>
+            </p:txBody>
+          </p:sp>
+        </mc:Choice>
+        <mc:Fallback>
+          <p:sp>
+            <p:nvSpPr>
+              <p:cNvPr id="3" name="Content Placeholder 2">
+                <a:extLst>
+                  <a:ext uri="{FF2B5EF4-FFF2-40B4-BE49-F238E27FC236}">
+                    <a16:creationId xmlns:a16="http://schemas.microsoft.com/office/drawing/2014/main" id="{94DFA978-3312-2545-AF6A-CD1228CDFBB7}"/>
+                  </a:ext>
+                </a:extLst>
+              </p:cNvPr>
+              <p:cNvSpPr>
+                <a:spLocks noGrp="1" noRot="1" noChangeAspect="1" noMove="1" noResize="1" noEditPoints="1" noAdjustHandles="1" noChangeArrowheads="1" noChangeShapeType="1" noTextEdit="1"/>
+              </p:cNvSpPr>
+              <p:nvPr>
+                <p:ph idx="1"/>
+              </p:nvPr>
+            </p:nvSpPr>
+            <p:spPr>
+              <a:blipFill>
+                <a:blip r:embed="rId2"/>
+                <a:stretch>
+                  <a:fillRect l="-1639" t="-1462" r="-1765"/>
+                </a:stretch>
+              </a:blipFill>
+            </p:spPr>
+            <p:txBody>
+              <a:bodyPr/>
+              <a:lstStyle/>
+              <a:p>
+                <a:r>
+                  <a:rPr lang="en-US">
+                    <a:noFill/>
+                  </a:rPr>
+                  <a:t> </a:t>
+                </a:r>
+              </a:p>
+            </p:txBody>
+          </p:sp>
+        </mc:Fallback>
+      </mc:AlternateContent>
       <p:sp>
         <p:nvSpPr>
           <p:cNvPr id="4" name="Slide Number Placeholder 3">
             <a:extLst>
               <a:ext uri="{FF2B5EF4-FFF2-40B4-BE49-F238E27FC236}">
-                <a16:creationId xmlns:a16="http://schemas.microsoft.com/office/drawing/2014/main" id="{7C24C134-042D-4D1B-86A8-37E0F82B64E9}"/>
+                <a16:creationId xmlns:a16="http://schemas.microsoft.com/office/drawing/2014/main" id="{A99BE151-7650-2D40-B63A-FA47F779D42B}"/>
               </a:ext>
             </a:extLst>
           </p:cNvPr>
@@ -22373,657 +24954,319 @@
           </a:p>
         </p:txBody>
       </p:sp>
-      <p:pic>
-        <p:nvPicPr>
-          <p:cNvPr id="5" name="Picture 4">
+    </p:spTree>
+    <p:extLst>
+      <p:ext uri="{BB962C8B-B14F-4D97-AF65-F5344CB8AC3E}">
+        <p14:creationId xmlns:p14="http://schemas.microsoft.com/office/powerpoint/2010/main" val="2947756143"/>
+      </p:ext>
+    </p:extLst>
+  </p:cSld>
+  <p:clrMapOvr>
+    <a:masterClrMapping/>
+  </p:clrMapOvr>
+</p:sld>
+</file>
+
+<file path=ppt/slides/slide38.xml><?xml version="1.0" encoding="utf-8"?>
+<p:sld xmlns:a="http://schemas.openxmlformats.org/drawingml/2006/main" xmlns:r="http://schemas.openxmlformats.org/officeDocument/2006/relationships" xmlns:p="http://schemas.openxmlformats.org/presentationml/2006/main">
+  <p:cSld>
+    <p:spTree>
+      <p:nvGrpSpPr>
+        <p:cNvPr id="1" name=""/>
+        <p:cNvGrpSpPr/>
+        <p:nvPr/>
+      </p:nvGrpSpPr>
+      <p:grpSpPr>
+        <a:xfrm>
+          <a:off x="0" y="0"/>
+          <a:ext cx="0" cy="0"/>
+          <a:chOff x="0" y="0"/>
+          <a:chExt cx="0" cy="0"/>
+        </a:xfrm>
+      </p:grpSpPr>
+      <p:sp>
+        <p:nvSpPr>
+          <p:cNvPr id="2" name="Title 1">
             <a:extLst>
               <a:ext uri="{FF2B5EF4-FFF2-40B4-BE49-F238E27FC236}">
-                <a16:creationId xmlns:a16="http://schemas.microsoft.com/office/drawing/2014/main" id="{5FFCD571-3570-4F4F-8E2E-4CE2D6C2FA42}"/>
+                <a16:creationId xmlns:a16="http://schemas.microsoft.com/office/drawing/2014/main" id="{B825F4CA-50C7-E546-9FB9-8D90BD4A91FB}"/>
               </a:ext>
             </a:extLst>
           </p:cNvPr>
-          <p:cNvPicPr>
-            <a:picLocks noChangeAspect="1"/>
-          </p:cNvPicPr>
-          <p:nvPr/>
-        </p:nvPicPr>
-        <p:blipFill>
-          <a:blip r:embed="rId3" cstate="print">
-            <a:extLst>
-              <a:ext uri="{28A0092B-C50C-407E-A947-70E740481C1C}">
-                <a14:useLocalDpi xmlns:a14="http://schemas.microsoft.com/office/drawing/2010/main" val="0"/>
-              </a:ext>
-            </a:extLst>
-          </a:blip>
-          <a:stretch>
-            <a:fillRect/>
-          </a:stretch>
-        </p:blipFill>
-        <p:spPr>
-          <a:xfrm>
-            <a:off x="4199344" y="1399947"/>
-            <a:ext cx="2158276" cy="1708635"/>
-          </a:xfrm>
-          <a:prstGeom prst="rect">
-            <a:avLst/>
-          </a:prstGeom>
-        </p:spPr>
-      </p:pic>
-      <p:sp>
-        <p:nvSpPr>
-          <p:cNvPr id="6" name="TextBox 5">
+          <p:cNvSpPr>
+            <a:spLocks noGrp="1"/>
+          </p:cNvSpPr>
+          <p:nvPr>
+            <p:ph type="title"/>
+          </p:nvPr>
+        </p:nvSpPr>
+        <p:spPr/>
+        <p:txBody>
+          <a:bodyPr>
+            <a:normAutofit fontScale="90000"/>
+          </a:bodyPr>
+          <a:lstStyle/>
+          <a:p>
+            <a:r>
+              <a:rPr lang="en-US" dirty="0"/>
+              <a:t>Feature selection based on correlation with target</a:t>
+            </a:r>
+          </a:p>
+        </p:txBody>
+      </p:sp>
+      <mc:AlternateContent xmlns:mc="http://schemas.openxmlformats.org/markup-compatibility/2006">
+        <mc:Choice xmlns:a14="http://schemas.microsoft.com/office/drawing/2010/main" Requires="a14">
+          <p:sp>
+            <p:nvSpPr>
+              <p:cNvPr id="3" name="Content Placeholder 2">
+                <a:extLst>
+                  <a:ext uri="{FF2B5EF4-FFF2-40B4-BE49-F238E27FC236}">
+                    <a16:creationId xmlns:a16="http://schemas.microsoft.com/office/drawing/2014/main" id="{2CC2B176-4BE2-6E45-BE7C-C3ECFC857F65}"/>
+                  </a:ext>
+                </a:extLst>
+              </p:cNvPr>
+              <p:cNvSpPr>
+                <a:spLocks noGrp="1"/>
+              </p:cNvSpPr>
+              <p:nvPr>
+                <p:ph idx="1"/>
+              </p:nvPr>
+            </p:nvSpPr>
+            <p:spPr/>
+            <p:txBody>
+              <a:bodyPr>
+                <a:normAutofit/>
+              </a:bodyPr>
+              <a:lstStyle/>
+              <a:p>
+                <a:r>
+                  <a:rPr lang="en-US" sz="2400" dirty="0"/>
+                  <a:t>Exhaustive search may be infeasible when the raw feature dimension is large!</a:t>
+                </a:r>
+              </a:p>
+              <a:p>
+                <a:r>
+                  <a:rPr lang="en-US" sz="2400" dirty="0"/>
+                  <a:t>Suboptimal approach:</a:t>
+                </a:r>
+              </a:p>
+              <a:p>
+                <a:pPr lvl="1"/>
+                <a:r>
+                  <a:rPr lang="en-US" sz="2000" dirty="0"/>
+                  <a:t>For each candidate feature order </a:t>
+                </a:r>
+                <a14:m>
+                  <m:oMath xmlns:m="http://schemas.openxmlformats.org/officeDocument/2006/math">
+                    <m:r>
+                      <a:rPr lang="en-US" sz="2000" b="0" i="1" smtClean="0">
+                        <a:latin typeface="Cambria Math" panose="02040503050406030204" pitchFamily="18" charset="0"/>
+                      </a:rPr>
+                      <m:t>𝑑</m:t>
+                    </m:r>
+                    <m:r>
+                      <a:rPr lang="en-US" sz="2000" b="0" i="1" smtClean="0">
+                        <a:latin typeface="Cambria Math" panose="02040503050406030204" pitchFamily="18" charset="0"/>
+                        <a:ea typeface="Cambria Math" panose="02040503050406030204" pitchFamily="18" charset="0"/>
+                      </a:rPr>
+                      <m:t>≤</m:t>
+                    </m:r>
+                    <m:r>
+                      <a:rPr lang="en-US" sz="2000" b="0" i="1" smtClean="0">
+                        <a:latin typeface="Cambria Math" panose="02040503050406030204" pitchFamily="18" charset="0"/>
+                      </a:rPr>
+                      <m:t>𝑝</m:t>
+                    </m:r>
+                    <m:r>
+                      <a:rPr lang="en-US" sz="2000" b="0" i="1" smtClean="0">
+                        <a:latin typeface="Cambria Math" panose="02040503050406030204" pitchFamily="18" charset="0"/>
+                      </a:rPr>
+                      <m:t>,</m:t>
+                    </m:r>
+                  </m:oMath>
+                </a14:m>
+                <a:r>
+                  <a:rPr lang="en-US" sz="2000" dirty="0"/>
+                  <a:t> choose </a:t>
+                </a:r>
+                <a14:m>
+                  <m:oMath xmlns:m="http://schemas.openxmlformats.org/officeDocument/2006/math">
+                    <m:r>
+                      <a:rPr lang="en-US" sz="2000" i="1">
+                        <a:latin typeface="Cambria Math" panose="02040503050406030204" pitchFamily="18" charset="0"/>
+                      </a:rPr>
+                      <m:t>𝑑</m:t>
+                    </m:r>
+                  </m:oMath>
+                </a14:m>
+                <a:r>
+                  <a:rPr lang="en-US" sz="2000" dirty="0"/>
+                  <a:t> features with the highest correlation coefficients with the target</a:t>
+                </a:r>
+              </a:p>
+              <a:p>
+                <a:pPr lvl="1"/>
+                <a:r>
+                  <a:rPr lang="en-US" sz="2000" dirty="0"/>
+                  <a:t>Use cross validation to determine the RSS mean and variance for this subset</a:t>
+                </a:r>
+              </a:p>
+              <a:p>
+                <a:pPr lvl="1"/>
+                <a:r>
+                  <a:rPr lang="en-US" sz="2000" dirty="0"/>
+                  <a:t>Select the feature subset with minimal RSS mean or using the one standard error rule.</a:t>
+                </a:r>
+              </a:p>
+              <a:p>
+                <a:r>
+                  <a:rPr lang="en-US" sz="2400" dirty="0"/>
+                  <a:t>Is using correlation with target a good idea?</a:t>
+                </a:r>
+              </a:p>
+              <a:p>
+                <a:pPr lvl="1"/>
+                <a:r>
+                  <a:rPr lang="en-US" sz="2000" dirty="0"/>
+                  <a:t>Two features that are correlated could both be highly correlated with the target, but provide redundant information and ideally only one of them should be used.</a:t>
+                </a:r>
+              </a:p>
+            </p:txBody>
+          </p:sp>
+        </mc:Choice>
+        <mc:Fallback>
+          <p:sp>
+            <p:nvSpPr>
+              <p:cNvPr id="3" name="Content Placeholder 2">
+                <a:extLst>
+                  <a:ext uri="{FF2B5EF4-FFF2-40B4-BE49-F238E27FC236}">
+                    <a16:creationId xmlns:a16="http://schemas.microsoft.com/office/drawing/2014/main" id="{2CC2B176-4BE2-6E45-BE7C-C3ECFC857F65}"/>
+                  </a:ext>
+                </a:extLst>
+              </p:cNvPr>
+              <p:cNvSpPr>
+                <a:spLocks noGrp="1" noRot="1" noChangeAspect="1" noMove="1" noResize="1" noEditPoints="1" noAdjustHandles="1" noChangeArrowheads="1" noChangeShapeType="1" noTextEdit="1"/>
+              </p:cNvSpPr>
+              <p:nvPr>
+                <p:ph idx="1"/>
+              </p:nvPr>
+            </p:nvSpPr>
+            <p:spPr>
+              <a:blipFill>
+                <a:blip r:embed="rId2"/>
+                <a:stretch>
+                  <a:fillRect l="-1639" t="-1462" r="-504"/>
+                </a:stretch>
+              </a:blipFill>
+            </p:spPr>
+            <p:txBody>
+              <a:bodyPr/>
+              <a:lstStyle/>
+              <a:p>
+                <a:r>
+                  <a:rPr lang="en-US">
+                    <a:noFill/>
+                  </a:rPr>
+                  <a:t> </a:t>
+                </a:r>
+              </a:p>
+            </p:txBody>
+          </p:sp>
+        </mc:Fallback>
+      </mc:AlternateContent>
+      <p:sp>
+        <p:nvSpPr>
+          <p:cNvPr id="4" name="Slide Number Placeholder 3">
             <a:extLst>
               <a:ext uri="{FF2B5EF4-FFF2-40B4-BE49-F238E27FC236}">
-                <a16:creationId xmlns:a16="http://schemas.microsoft.com/office/drawing/2014/main" id="{0D1E3563-734C-4EB9-97EE-A2B8FA3A6A12}"/>
+                <a16:creationId xmlns:a16="http://schemas.microsoft.com/office/drawing/2014/main" id="{3BAD27E1-24ED-AA4F-B8AE-13A8543623B6}"/>
               </a:ext>
             </a:extLst>
           </p:cNvPr>
-          <p:cNvSpPr txBox="1"/>
-          <p:nvPr/>
-        </p:nvSpPr>
-        <p:spPr>
-          <a:xfrm rot="16200000">
-            <a:off x="3410599" y="2111632"/>
-            <a:ext cx="1316468" cy="338554"/>
-          </a:xfrm>
-          <a:prstGeom prst="rect">
-            <a:avLst/>
-          </a:prstGeom>
-          <a:solidFill>
-            <a:schemeClr val="bg1"/>
-          </a:solidFill>
-        </p:spPr>
+          <p:cNvSpPr>
+            <a:spLocks noGrp="1"/>
+          </p:cNvSpPr>
+          <p:nvPr>
+            <p:ph type="sldNum" sz="quarter" idx="12"/>
+          </p:nvPr>
+        </p:nvSpPr>
+        <p:spPr/>
         <p:txBody>
-          <a:bodyPr wrap="square" rtlCol="0">
-            <a:spAutoFit/>
-          </a:bodyPr>
+          <a:bodyPr/>
           <a:lstStyle/>
           <a:p>
-            <a:r>
-              <a:rPr lang="en-US" sz="1600" b="0" dirty="0"/>
-              <a:t>Velocity y</a:t>
-            </a:r>
+            <a:fld id="{629637A9-119A-49DA-BD12-AAC58B377D80}" type="slidenum">
+              <a:rPr lang="en-US" smtClean="0"/>
+              <a:t>38</a:t>
+            </a:fld>
+            <a:endParaRPr lang="en-US" dirty="0"/>
           </a:p>
         </p:txBody>
       </p:sp>
-      <p:sp>
-        <p:nvSpPr>
-          <p:cNvPr id="7" name="TextBox 6">
+    </p:spTree>
+    <p:extLst>
+      <p:ext uri="{BB962C8B-B14F-4D97-AF65-F5344CB8AC3E}">
+        <p14:creationId xmlns:p14="http://schemas.microsoft.com/office/powerpoint/2010/main" val="3413351839"/>
+      </p:ext>
+    </p:extLst>
+  </p:cSld>
+  <p:clrMapOvr>
+    <a:masterClrMapping/>
+  </p:clrMapOvr>
+</p:sld>
+</file>
+
+<file path=ppt/slides/slide39.xml><?xml version="1.0" encoding="utf-8"?>
+<p:sld xmlns:a="http://schemas.openxmlformats.org/drawingml/2006/main" xmlns:r="http://schemas.openxmlformats.org/officeDocument/2006/relationships" xmlns:p="http://schemas.openxmlformats.org/presentationml/2006/main">
+  <p:cSld>
+    <p:spTree>
+      <p:nvGrpSpPr>
+        <p:cNvPr id="1" name=""/>
+        <p:cNvGrpSpPr/>
+        <p:nvPr/>
+      </p:nvGrpSpPr>
+      <p:grpSpPr>
+        <a:xfrm>
+          <a:off x="0" y="0"/>
+          <a:ext cx="0" cy="0"/>
+          <a:chOff x="0" y="0"/>
+          <a:chExt cx="0" cy="0"/>
+        </a:xfrm>
+      </p:grpSpPr>
+      <p:sp>
+        <p:nvSpPr>
+          <p:cNvPr id="2" name="Title 1">
             <a:extLst>
               <a:ext uri="{FF2B5EF4-FFF2-40B4-BE49-F238E27FC236}">
-                <a16:creationId xmlns:a16="http://schemas.microsoft.com/office/drawing/2014/main" id="{4830ABE6-09C8-4C09-8790-9E6FE97347BD}"/>
+                <a16:creationId xmlns:a16="http://schemas.microsoft.com/office/drawing/2014/main" id="{DC0A827A-F3FF-354E-80EA-3EB041790E48}"/>
               </a:ext>
             </a:extLst>
           </p:cNvPr>
-          <p:cNvSpPr txBox="1"/>
-          <p:nvPr/>
-        </p:nvSpPr>
-        <p:spPr>
-          <a:xfrm>
-            <a:off x="4753402" y="3108582"/>
-            <a:ext cx="1050159" cy="338554"/>
-          </a:xfrm>
-          <a:prstGeom prst="rect">
-            <a:avLst/>
-          </a:prstGeom>
-          <a:solidFill>
-            <a:schemeClr val="bg1"/>
-          </a:solidFill>
-        </p:spPr>
+          <p:cNvSpPr>
+            <a:spLocks noGrp="1"/>
+          </p:cNvSpPr>
+          <p:nvPr>
+            <p:ph type="title"/>
+          </p:nvPr>
+        </p:nvSpPr>
+        <p:spPr/>
         <p:txBody>
-          <a:bodyPr wrap="none" rtlCol="0">
-            <a:spAutoFit/>
-          </a:bodyPr>
+          <a:bodyPr/>
           <a:lstStyle/>
           <a:p>
             <a:r>
-              <a:rPr lang="en-US" sz="1600" b="0" dirty="0"/>
-              <a:t>Velocity x</a:t>
+              <a:rPr lang="en-US" dirty="0"/>
+              <a:t>Greedy feature selection</a:t>
             </a:r>
           </a:p>
         </p:txBody>
       </p:sp>
-      <p:sp>
-        <p:nvSpPr>
-          <p:cNvPr id="8" name="TextBox 7">
-            <a:extLst>
-              <a:ext uri="{FF2B5EF4-FFF2-40B4-BE49-F238E27FC236}">
-                <a16:creationId xmlns:a16="http://schemas.microsoft.com/office/drawing/2014/main" id="{1CB2B38F-203D-4602-A665-C8BB4C3E37E3}"/>
-              </a:ext>
-            </a:extLst>
-          </p:cNvPr>
-          <p:cNvSpPr txBox="1"/>
-          <p:nvPr/>
-        </p:nvSpPr>
-        <p:spPr>
-          <a:xfrm>
-            <a:off x="1828800" y="1399947"/>
-            <a:ext cx="2895600" cy="400110"/>
-          </a:xfrm>
-          <a:prstGeom prst="rect">
-            <a:avLst/>
-          </a:prstGeom>
-          <a:noFill/>
-        </p:spPr>
-        <p:txBody>
-          <a:bodyPr wrap="square" rtlCol="0">
-            <a:spAutoFit/>
-          </a:bodyPr>
-          <a:lstStyle/>
-          <a:p>
-            <a:pPr algn="l"/>
-            <a:r>
-              <a:rPr lang="en-US" b="0" dirty="0"/>
-              <a:t>Record arm motion</a:t>
-            </a:r>
-          </a:p>
-        </p:txBody>
-      </p:sp>
-      <p:pic>
-        <p:nvPicPr>
-          <p:cNvPr id="9" name="Picture 8">
-            <a:extLst>
-              <a:ext uri="{FF2B5EF4-FFF2-40B4-BE49-F238E27FC236}">
-                <a16:creationId xmlns:a16="http://schemas.microsoft.com/office/drawing/2014/main" id="{66FA254A-ABFB-4DA8-89EF-7311CD6E422E}"/>
-              </a:ext>
-            </a:extLst>
-          </p:cNvPr>
-          <p:cNvPicPr>
-            <a:picLocks noChangeAspect="1"/>
-          </p:cNvPicPr>
-          <p:nvPr/>
-        </p:nvPicPr>
-        <p:blipFill>
-          <a:blip r:embed="rId4" cstate="print">
-            <a:extLst>
-              <a:ext uri="{28A0092B-C50C-407E-A947-70E740481C1C}">
-                <a14:useLocalDpi xmlns:a14="http://schemas.microsoft.com/office/drawing/2010/main" val="0"/>
-              </a:ext>
-            </a:extLst>
-          </a:blip>
-          <a:stretch>
-            <a:fillRect/>
-          </a:stretch>
-        </p:blipFill>
-        <p:spPr>
-          <a:xfrm>
-            <a:off x="4086100" y="4179023"/>
-            <a:ext cx="2340992" cy="1853286"/>
-          </a:xfrm>
-          <a:prstGeom prst="rect">
-            <a:avLst/>
-          </a:prstGeom>
-        </p:spPr>
-      </p:pic>
-      <p:sp>
-        <p:nvSpPr>
-          <p:cNvPr id="10" name="TextBox 9">
-            <a:extLst>
-              <a:ext uri="{FF2B5EF4-FFF2-40B4-BE49-F238E27FC236}">
-                <a16:creationId xmlns:a16="http://schemas.microsoft.com/office/drawing/2014/main" id="{5A3ECBDD-CABD-47B2-810E-0DE2F6FCD5E2}"/>
-              </a:ext>
-            </a:extLst>
-          </p:cNvPr>
-          <p:cNvSpPr txBox="1"/>
-          <p:nvPr/>
-        </p:nvSpPr>
-        <p:spPr>
-          <a:xfrm>
-            <a:off x="4861535" y="6002974"/>
-            <a:ext cx="745845" cy="369332"/>
-          </a:xfrm>
-          <a:prstGeom prst="rect">
-            <a:avLst/>
-          </a:prstGeom>
-          <a:solidFill>
-            <a:schemeClr val="bg1"/>
-          </a:solidFill>
-        </p:spPr>
-        <p:txBody>
-          <a:bodyPr wrap="square" rtlCol="0">
-            <a:spAutoFit/>
-          </a:bodyPr>
-          <a:lstStyle/>
-          <a:p>
-            <a:r>
-              <a:rPr lang="en-US" sz="1800" b="0" dirty="0"/>
-              <a:t>Time</a:t>
-            </a:r>
-            <a:endParaRPr lang="en-US" b="0" dirty="0"/>
-          </a:p>
-        </p:txBody>
-      </p:sp>
-      <p:sp>
-        <p:nvSpPr>
-          <p:cNvPr id="11" name="TextBox 10">
-            <a:extLst>
-              <a:ext uri="{FF2B5EF4-FFF2-40B4-BE49-F238E27FC236}">
-                <a16:creationId xmlns:a16="http://schemas.microsoft.com/office/drawing/2014/main" id="{7725DB52-B62B-44CF-9892-6668116B1729}"/>
-              </a:ext>
-            </a:extLst>
-          </p:cNvPr>
-          <p:cNvSpPr txBox="1"/>
-          <p:nvPr/>
-        </p:nvSpPr>
-        <p:spPr>
-          <a:xfrm rot="16200000">
-            <a:off x="3618675" y="5066369"/>
-            <a:ext cx="856324" cy="338554"/>
-          </a:xfrm>
-          <a:prstGeom prst="rect">
-            <a:avLst/>
-          </a:prstGeom>
-          <a:solidFill>
-            <a:schemeClr val="bg1"/>
-          </a:solidFill>
-        </p:spPr>
-        <p:txBody>
-          <a:bodyPr wrap="none" rtlCol="0">
-            <a:spAutoFit/>
-          </a:bodyPr>
-          <a:lstStyle/>
-          <a:p>
-            <a:r>
-              <a:rPr lang="en-US" sz="1600" b="0" dirty="0"/>
-              <a:t>Neuron</a:t>
-            </a:r>
-            <a:endParaRPr lang="en-US" b="0" dirty="0"/>
-          </a:p>
-        </p:txBody>
-      </p:sp>
-      <p:sp>
-        <p:nvSpPr>
-          <p:cNvPr id="12" name="Arrow: Bent-Up 11">
-            <a:extLst>
-              <a:ext uri="{FF2B5EF4-FFF2-40B4-BE49-F238E27FC236}">
-                <a16:creationId xmlns:a16="http://schemas.microsoft.com/office/drawing/2014/main" id="{A4C6C116-B089-47BD-9000-148A0A2B718E}"/>
-              </a:ext>
-            </a:extLst>
-          </p:cNvPr>
-          <p:cNvSpPr/>
-          <p:nvPr/>
-        </p:nvSpPr>
-        <p:spPr>
-          <a:xfrm rot="5400000">
-            <a:off x="2240314" y="3939573"/>
-            <a:ext cx="672273" cy="2257301"/>
-          </a:xfrm>
-          <a:prstGeom prst="bentUpArrow">
-            <a:avLst>
-              <a:gd name="adj1" fmla="val 17716"/>
-              <a:gd name="adj2" fmla="val 24267"/>
-              <a:gd name="adj3" fmla="val 27224"/>
-            </a:avLst>
-          </a:prstGeom>
-          <a:solidFill>
-            <a:schemeClr val="bg2">
-              <a:lumMod val="20000"/>
-              <a:lumOff val="80000"/>
-            </a:schemeClr>
-          </a:solidFill>
-          <a:ln w="6350"/>
-        </p:spPr>
-        <p:style>
-          <a:lnRef idx="2">
-            <a:schemeClr val="accent1">
-              <a:shade val="50000"/>
-            </a:schemeClr>
-          </a:lnRef>
-          <a:fillRef idx="1">
-            <a:schemeClr val="accent1"/>
-          </a:fillRef>
-          <a:effectRef idx="0">
-            <a:schemeClr val="accent1"/>
-          </a:effectRef>
-          <a:fontRef idx="minor">
-            <a:schemeClr val="lt1"/>
-          </a:fontRef>
-        </p:style>
-        <p:txBody>
-          <a:bodyPr rtlCol="0" anchor="ctr"/>
-          <a:lstStyle/>
-          <a:p>
-            <a:pPr algn="ctr"/>
-            <a:endParaRPr lang="en-US"/>
-          </a:p>
-        </p:txBody>
-      </p:sp>
-      <p:sp>
-        <p:nvSpPr>
-          <p:cNvPr id="13" name="Arrow: Bent-Up 12">
-            <a:extLst>
-              <a:ext uri="{FF2B5EF4-FFF2-40B4-BE49-F238E27FC236}">
-                <a16:creationId xmlns:a16="http://schemas.microsoft.com/office/drawing/2014/main" id="{1ED63F34-2803-4F7A-8E44-15AE412F2BFC}"/>
-              </a:ext>
-            </a:extLst>
-          </p:cNvPr>
-          <p:cNvSpPr/>
-          <p:nvPr/>
-        </p:nvSpPr>
-        <p:spPr>
-          <a:xfrm rot="5400000" flipH="1">
-            <a:off x="2218657" y="970758"/>
-            <a:ext cx="620586" cy="2162298"/>
-          </a:xfrm>
-          <a:prstGeom prst="bentUpArrow">
-            <a:avLst>
-              <a:gd name="adj1" fmla="val 17716"/>
-              <a:gd name="adj2" fmla="val 24267"/>
-              <a:gd name="adj3" fmla="val 50000"/>
-            </a:avLst>
-          </a:prstGeom>
-          <a:solidFill>
-            <a:schemeClr val="bg2">
-              <a:lumMod val="20000"/>
-              <a:lumOff val="80000"/>
-            </a:schemeClr>
-          </a:solidFill>
-          <a:ln w="6350"/>
-        </p:spPr>
-        <p:style>
-          <a:lnRef idx="2">
-            <a:schemeClr val="accent1">
-              <a:shade val="50000"/>
-            </a:schemeClr>
-          </a:lnRef>
-          <a:fillRef idx="1">
-            <a:schemeClr val="accent1"/>
-          </a:fillRef>
-          <a:effectRef idx="0">
-            <a:schemeClr val="accent1"/>
-          </a:effectRef>
-          <a:fontRef idx="minor">
-            <a:schemeClr val="lt1"/>
-          </a:fontRef>
-        </p:style>
-        <p:txBody>
-          <a:bodyPr rtlCol="0" anchor="ctr"/>
-          <a:lstStyle/>
-          <a:p>
-            <a:pPr algn="ctr"/>
-            <a:endParaRPr lang="en-US"/>
-          </a:p>
-        </p:txBody>
-      </p:sp>
-      <p:sp>
-        <p:nvSpPr>
-          <p:cNvPr id="14" name="TextBox 13">
-            <a:extLst>
-              <a:ext uri="{FF2B5EF4-FFF2-40B4-BE49-F238E27FC236}">
-                <a16:creationId xmlns:a16="http://schemas.microsoft.com/office/drawing/2014/main" id="{AE39A828-90ED-4D5A-99AA-4FFDDF5A3AE9}"/>
-              </a:ext>
-            </a:extLst>
-          </p:cNvPr>
-          <p:cNvSpPr txBox="1"/>
-          <p:nvPr/>
-        </p:nvSpPr>
-        <p:spPr>
-          <a:xfrm>
-            <a:off x="2114667" y="5404358"/>
-            <a:ext cx="2895600" cy="707886"/>
-          </a:xfrm>
-          <a:prstGeom prst="rect">
-            <a:avLst/>
-          </a:prstGeom>
-          <a:noFill/>
-        </p:spPr>
-        <p:txBody>
-          <a:bodyPr wrap="square" rtlCol="0">
-            <a:spAutoFit/>
-          </a:bodyPr>
-          <a:lstStyle/>
-          <a:p>
-            <a:pPr algn="l"/>
-            <a:r>
-              <a:rPr lang="en-US" b="0" dirty="0"/>
-              <a:t>Record spikes</a:t>
-            </a:r>
-            <a:br>
-              <a:rPr lang="en-US" b="0" dirty="0"/>
-            </a:br>
-            <a:r>
-              <a:rPr lang="en-US" b="0" dirty="0"/>
-              <a:t>(</a:t>
-            </a:r>
-            <a:r>
-              <a:rPr lang="en-US" b="0" dirty="0" err="1"/>
-              <a:t>ECoG</a:t>
-            </a:r>
-            <a:r>
-              <a:rPr lang="en-US" b="0" dirty="0"/>
-              <a:t> in M1)</a:t>
-            </a:r>
-          </a:p>
-        </p:txBody>
-      </p:sp>
-      <p:sp>
-        <p:nvSpPr>
-          <p:cNvPr id="15" name="Arrow: Right 14">
-            <a:extLst>
-              <a:ext uri="{FF2B5EF4-FFF2-40B4-BE49-F238E27FC236}">
-                <a16:creationId xmlns:a16="http://schemas.microsoft.com/office/drawing/2014/main" id="{61AD642F-223E-4A75-85E0-5568A5D13C46}"/>
-              </a:ext>
-            </a:extLst>
-          </p:cNvPr>
-          <p:cNvSpPr/>
-          <p:nvPr/>
-        </p:nvSpPr>
-        <p:spPr>
-          <a:xfrm rot="16200000">
-            <a:off x="4824650" y="3641383"/>
-            <a:ext cx="819617" cy="404948"/>
-          </a:xfrm>
-          <a:prstGeom prst="rightArrow">
-            <a:avLst/>
-          </a:prstGeom>
-          <a:solidFill>
-            <a:schemeClr val="tx2">
-              <a:lumMod val="40000"/>
-              <a:lumOff val="60000"/>
-            </a:schemeClr>
-          </a:solidFill>
-        </p:spPr>
-        <p:style>
-          <a:lnRef idx="2">
-            <a:schemeClr val="accent1">
-              <a:shade val="50000"/>
-            </a:schemeClr>
-          </a:lnRef>
-          <a:fillRef idx="1">
-            <a:schemeClr val="accent1"/>
-          </a:fillRef>
-          <a:effectRef idx="0">
-            <a:schemeClr val="accent1"/>
-          </a:effectRef>
-          <a:fontRef idx="minor">
-            <a:schemeClr val="lt1"/>
-          </a:fontRef>
-        </p:style>
-        <p:txBody>
-          <a:bodyPr rtlCol="0" anchor="ctr"/>
-          <a:lstStyle/>
-          <a:p>
-            <a:pPr algn="ctr"/>
-            <a:endParaRPr lang="en-US"/>
-          </a:p>
-        </p:txBody>
-      </p:sp>
-      <p:pic>
-        <p:nvPicPr>
-          <p:cNvPr id="16" name="Picture 15" descr="Question Mark by rejon">
-            <a:extLst>
-              <a:ext uri="{FF2B5EF4-FFF2-40B4-BE49-F238E27FC236}">
-                <a16:creationId xmlns:a16="http://schemas.microsoft.com/office/drawing/2014/main" id="{52FE03AD-B977-40A3-BCA6-E33C06721001}"/>
-              </a:ext>
-            </a:extLst>
-          </p:cNvPr>
-          <p:cNvPicPr>
-            <a:picLocks noChangeAspect="1"/>
-          </p:cNvPicPr>
-          <p:nvPr/>
-        </p:nvPicPr>
-        <p:blipFill>
-          <a:blip r:embed="rId5" cstate="print">
-            <a:extLst>
-              <a:ext uri="{28A0092B-C50C-407E-A947-70E740481C1C}">
-                <a14:useLocalDpi xmlns:a14="http://schemas.microsoft.com/office/drawing/2010/main" val="0"/>
-              </a:ext>
-            </a:extLst>
-          </a:blip>
-          <a:stretch>
-            <a:fillRect/>
-          </a:stretch>
-        </p:blipFill>
-        <p:spPr>
-          <a:xfrm>
-            <a:off x="5436933" y="3513960"/>
-            <a:ext cx="650240" cy="650240"/>
-          </a:xfrm>
-          <a:prstGeom prst="rect">
-            <a:avLst/>
-          </a:prstGeom>
-        </p:spPr>
-      </p:pic>
-      <p:sp>
-        <p:nvSpPr>
-          <p:cNvPr id="17" name="TextBox 16">
-            <a:extLst>
-              <a:ext uri="{FF2B5EF4-FFF2-40B4-BE49-F238E27FC236}">
-                <a16:creationId xmlns:a16="http://schemas.microsoft.com/office/drawing/2014/main" id="{7C581E48-DFD9-4D97-9AFB-4C7207BA3505}"/>
-              </a:ext>
-            </a:extLst>
-          </p:cNvPr>
-          <p:cNvSpPr txBox="1"/>
-          <p:nvPr/>
-        </p:nvSpPr>
-        <p:spPr>
-          <a:xfrm>
-            <a:off x="6253178" y="4921000"/>
-            <a:ext cx="1295400" cy="369332"/>
-          </a:xfrm>
-          <a:prstGeom prst="rect">
-            <a:avLst/>
-          </a:prstGeom>
-          <a:solidFill>
-            <a:schemeClr val="bg1"/>
-          </a:solidFill>
-        </p:spPr>
-        <p:txBody>
-          <a:bodyPr wrap="square" rtlCol="0">
-            <a:spAutoFit/>
-          </a:bodyPr>
-          <a:lstStyle/>
-          <a:p>
-            <a:r>
-              <a:rPr lang="en-US" sz="1800" b="0" dirty="0">
-                <a:solidFill>
-                  <a:schemeClr val="tx2">
-                    <a:lumMod val="60000"/>
-                    <a:lumOff val="40000"/>
-                  </a:schemeClr>
-                </a:solidFill>
-              </a:rPr>
-              <a:t>Spikes</a:t>
-            </a:r>
-            <a:endParaRPr lang="en-US" b="0" dirty="0">
-              <a:solidFill>
-                <a:schemeClr val="tx2">
-                  <a:lumMod val="60000"/>
-                  <a:lumOff val="40000"/>
-                </a:schemeClr>
-              </a:solidFill>
-            </a:endParaRPr>
-          </a:p>
-        </p:txBody>
-      </p:sp>
-      <p:sp>
-        <p:nvSpPr>
-          <p:cNvPr id="18" name="TextBox 17">
-            <a:extLst>
-              <a:ext uri="{FF2B5EF4-FFF2-40B4-BE49-F238E27FC236}">
-                <a16:creationId xmlns:a16="http://schemas.microsoft.com/office/drawing/2014/main" id="{B11588B3-06AF-409D-BD89-09A22B4786D7}"/>
-              </a:ext>
-            </a:extLst>
-          </p:cNvPr>
-          <p:cNvSpPr txBox="1"/>
-          <p:nvPr/>
-        </p:nvSpPr>
-        <p:spPr>
-          <a:xfrm>
-            <a:off x="6215979" y="1886347"/>
-            <a:ext cx="1295400" cy="646331"/>
-          </a:xfrm>
-          <a:prstGeom prst="rect">
-            <a:avLst/>
-          </a:prstGeom>
-          <a:solidFill>
-            <a:schemeClr val="bg1"/>
-          </a:solidFill>
-        </p:spPr>
-        <p:txBody>
-          <a:bodyPr wrap="square" rtlCol="0">
-            <a:spAutoFit/>
-          </a:bodyPr>
-          <a:lstStyle/>
-          <a:p>
-            <a:r>
-              <a:rPr lang="en-US" sz="1800" b="0" dirty="0">
-                <a:solidFill>
-                  <a:schemeClr val="tx2">
-                    <a:lumMod val="60000"/>
-                    <a:lumOff val="40000"/>
-                  </a:schemeClr>
-                </a:solidFill>
-              </a:rPr>
-              <a:t>Arm velocity</a:t>
-            </a:r>
-            <a:endParaRPr lang="en-US" b="0" dirty="0">
-              <a:solidFill>
-                <a:schemeClr val="tx2">
-                  <a:lumMod val="60000"/>
-                  <a:lumOff val="40000"/>
-                </a:schemeClr>
-              </a:solidFill>
-            </a:endParaRPr>
-          </a:p>
-        </p:txBody>
-      </p:sp>
-      <p:pic>
-        <p:nvPicPr>
-          <p:cNvPr id="19" name="Picture 18">
-            <a:extLst>
-              <a:ext uri="{FF2B5EF4-FFF2-40B4-BE49-F238E27FC236}">
-                <a16:creationId xmlns:a16="http://schemas.microsoft.com/office/drawing/2014/main" id="{99048773-FB51-44B6-83B4-9CB612D79D44}"/>
-              </a:ext>
-            </a:extLst>
-          </p:cNvPr>
-          <p:cNvPicPr>
-            <a:picLocks noChangeAspect="1"/>
-          </p:cNvPicPr>
-          <p:nvPr/>
-        </p:nvPicPr>
-        <p:blipFill>
-          <a:blip r:embed="rId6"/>
-          <a:stretch>
-            <a:fillRect/>
-          </a:stretch>
-        </p:blipFill>
-        <p:spPr>
-          <a:xfrm>
-            <a:off x="745920" y="2457282"/>
-            <a:ext cx="1403758" cy="1991582"/>
-          </a:xfrm>
-          <a:prstGeom prst="rect">
-            <a:avLst/>
-          </a:prstGeom>
-        </p:spPr>
-      </p:pic>
       <p:sp>
         <p:nvSpPr>
           <p:cNvPr id="3" name="Content Placeholder 2">
             <a:extLst>
               <a:ext uri="{FF2B5EF4-FFF2-40B4-BE49-F238E27FC236}">
-                <a16:creationId xmlns:a16="http://schemas.microsoft.com/office/drawing/2014/main" id="{725BEDF2-022A-4CFF-834E-354F4408F641}"/>
+                <a16:creationId xmlns:a16="http://schemas.microsoft.com/office/drawing/2014/main" id="{71353A6F-B4F7-7141-B2BF-F63F66768BE5}"/>
               </a:ext>
             </a:extLst>
           </p:cNvPr>
@@ -23034,73 +25277,120 @@
             <p:ph idx="1"/>
           </p:nvPr>
         </p:nvSpPr>
-        <p:spPr>
-          <a:xfrm>
-            <a:off x="7303504" y="1539277"/>
-            <a:ext cx="3852175" cy="4329817"/>
-          </a:xfrm>
-        </p:spPr>
+        <p:spPr/>
+        <p:txBody>
+          <a:bodyPr>
+            <a:normAutofit fontScale="92500" lnSpcReduction="10000"/>
+          </a:bodyPr>
+          <a:lstStyle/>
+          <a:p>
+            <a:r>
+              <a:rPr lang="en-US" sz="2400" dirty="0"/>
+              <a:t>Forward-Stepwise Selection</a:t>
+            </a:r>
+          </a:p>
+          <a:p>
+            <a:pPr lvl="1"/>
+            <a:r>
+              <a:rPr lang="en-US" sz="2000" dirty="0"/>
+              <a:t>Select one feature from all features that provides the lowest RSS with cross validation</a:t>
+            </a:r>
+          </a:p>
+          <a:p>
+            <a:pPr lvl="1"/>
+            <a:r>
+              <a:rPr lang="en-US" sz="2000" dirty="0"/>
+              <a:t>Select one new feature from all remaining features, so that previously chosen features plus the new feature provides the lowest RSS</a:t>
+            </a:r>
+          </a:p>
+          <a:p>
+            <a:pPr lvl="1"/>
+            <a:r>
+              <a:rPr lang="en-US" sz="2000" dirty="0"/>
+              <a:t>Repeat until the maximum feature number is reached, or when the RSS starts to increase</a:t>
+            </a:r>
+          </a:p>
+          <a:p>
+            <a:r>
+              <a:rPr lang="en-US" sz="2400" dirty="0"/>
+              <a:t>Backward-Stepwise</a:t>
+            </a:r>
+          </a:p>
+          <a:p>
+            <a:pPr lvl="1"/>
+            <a:r>
+              <a:rPr lang="en-US" sz="2000" dirty="0"/>
+              <a:t>First use all features and find the RSS (using cross validation)</a:t>
+            </a:r>
+          </a:p>
+          <a:p>
+            <a:pPr lvl="1"/>
+            <a:r>
+              <a:rPr lang="en-US" sz="2000" dirty="0"/>
+              <a:t>Remove one feature and find the new RSS. Go through all possible features to remove.</a:t>
+            </a:r>
+          </a:p>
+          <a:p>
+            <a:pPr lvl="1"/>
+            <a:r>
+              <a:rPr lang="en-US" sz="2000" dirty="0"/>
+              <a:t>Find the one that leads to the least RSS increase. Remove this feature. </a:t>
+            </a:r>
+          </a:p>
+          <a:p>
+            <a:pPr lvl="1"/>
+            <a:r>
+              <a:rPr lang="en-US" sz="2000" dirty="0"/>
+              <a:t>Repeat the above, remove one from the remaining features, to find the next most important feature.</a:t>
+            </a:r>
+          </a:p>
+          <a:p>
+            <a:r>
+              <a:rPr lang="en-US" dirty="0"/>
+              <a:t>Except exhaustive search, can all lead to suboptimal solution</a:t>
+            </a:r>
+          </a:p>
+          <a:p>
+            <a:r>
+              <a:rPr lang="en-US" dirty="0"/>
+              <a:t>We will discuss the method of LASSO in the next lecture for feature selection.</a:t>
+            </a:r>
+          </a:p>
+        </p:txBody>
+      </p:sp>
+      <p:sp>
+        <p:nvSpPr>
+          <p:cNvPr id="4" name="Slide Number Placeholder 3">
+            <a:extLst>
+              <a:ext uri="{FF2B5EF4-FFF2-40B4-BE49-F238E27FC236}">
+                <a16:creationId xmlns:a16="http://schemas.microsoft.com/office/drawing/2014/main" id="{6B9D8C82-F93F-E643-8054-B3FF4FF747AB}"/>
+              </a:ext>
+            </a:extLst>
+          </p:cNvPr>
+          <p:cNvSpPr>
+            <a:spLocks noGrp="1"/>
+          </p:cNvSpPr>
+          <p:nvPr>
+            <p:ph type="sldNum" sz="quarter" idx="12"/>
+          </p:nvPr>
+        </p:nvSpPr>
+        <p:spPr/>
         <p:txBody>
           <a:bodyPr/>
           <a:lstStyle/>
           <a:p>
-            <a:r>
-              <a:rPr lang="en-US" dirty="0"/>
-              <a:t>Read a monkey’s brain!</a:t>
-            </a:r>
-          </a:p>
-          <a:p>
-            <a:r>
-              <a:rPr lang="en-US" dirty="0"/>
-              <a:t>Predict hand motion from electrode measurements</a:t>
-            </a:r>
-          </a:p>
-          <a:p>
-            <a:r>
-              <a:rPr lang="en-US" dirty="0"/>
-              <a:t>Model order selection</a:t>
-            </a:r>
-          </a:p>
-          <a:p>
-            <a:pPr lvl="1"/>
-            <a:r>
-              <a:rPr lang="en-US" dirty="0"/>
-              <a:t>Which signals predict arm motion?</a:t>
-            </a:r>
-          </a:p>
-          <a:p>
-            <a:r>
-              <a:rPr lang="en-US" dirty="0"/>
-              <a:t>Data from </a:t>
-            </a:r>
-            <a:r>
-              <a:rPr lang="en-US" dirty="0">
-                <a:hlinkClick r:id="rId7"/>
-              </a:rPr>
-              <a:t>https://crcns.org/</a:t>
-            </a:r>
+            <a:fld id="{629637A9-119A-49DA-BD12-AAC58B377D80}" type="slidenum">
+              <a:rPr lang="en-US" smtClean="0"/>
+              <a:t>39</a:t>
+            </a:fld>
             <a:endParaRPr lang="en-US" dirty="0"/>
-          </a:p>
-          <a:p>
-            <a:pPr lvl="1"/>
-            <a:r>
-              <a:rPr lang="en-US" dirty="0"/>
-              <a:t>Open source website on neural data</a:t>
-            </a:r>
-          </a:p>
-          <a:p>
-            <a:pPr lvl="1"/>
-            <a:r>
-              <a:rPr lang="en-US" dirty="0"/>
-              <a:t>Great for projects</a:t>
-            </a:r>
           </a:p>
         </p:txBody>
       </p:sp>
     </p:spTree>
     <p:extLst>
       <p:ext uri="{BB962C8B-B14F-4D97-AF65-F5344CB8AC3E}">
-        <p14:creationId xmlns:p14="http://schemas.microsoft.com/office/powerpoint/2010/main" val="2059660021"/>
+        <p14:creationId xmlns:p14="http://schemas.microsoft.com/office/powerpoint/2010/main" val="1248124085"/>
       </p:ext>
     </p:extLst>
   </p:cSld>
@@ -23729,6 +26019,1178 @@
 </p:sld>
 </file>
 
+<file path=ppt/slides/slide40.xml><?xml version="1.0" encoding="utf-8"?>
+<p:sld xmlns:a="http://schemas.openxmlformats.org/drawingml/2006/main" xmlns:r="http://schemas.openxmlformats.org/officeDocument/2006/relationships" xmlns:p="http://schemas.openxmlformats.org/presentationml/2006/main">
+  <p:cSld>
+    <p:spTree>
+      <p:nvGrpSpPr>
+        <p:cNvPr id="1" name=""/>
+        <p:cNvGrpSpPr/>
+        <p:nvPr/>
+      </p:nvGrpSpPr>
+      <p:grpSpPr>
+        <a:xfrm>
+          <a:off x="0" y="0"/>
+          <a:ext cx="0" cy="0"/>
+          <a:chOff x="0" y="0"/>
+          <a:chExt cx="0" cy="0"/>
+        </a:xfrm>
+      </p:grpSpPr>
+      <p:sp>
+        <p:nvSpPr>
+          <p:cNvPr id="2" name="Title 1">
+            <a:extLst>
+              <a:ext uri="{FF2B5EF4-FFF2-40B4-BE49-F238E27FC236}">
+                <a16:creationId xmlns:a16="http://schemas.microsoft.com/office/drawing/2014/main" id="{874B7964-4BCD-034A-B648-2A41774AD16D}"/>
+              </a:ext>
+            </a:extLst>
+          </p:cNvPr>
+          <p:cNvSpPr>
+            <a:spLocks noGrp="1"/>
+          </p:cNvSpPr>
+          <p:nvPr>
+            <p:ph type="title"/>
+          </p:nvPr>
+        </p:nvSpPr>
+        <p:spPr>
+          <a:xfrm>
+            <a:off x="1017270" y="80863"/>
+            <a:ext cx="3474720" cy="1325027"/>
+          </a:xfrm>
+        </p:spPr>
+        <p:txBody>
+          <a:bodyPr>
+            <a:normAutofit fontScale="90000"/>
+          </a:bodyPr>
+          <a:lstStyle/>
+          <a:p>
+            <a:r>
+              <a:rPr lang="en-US" sz="3600" dirty="0"/>
+              <a:t>Comparison of feature selection methods</a:t>
+            </a:r>
+          </a:p>
+        </p:txBody>
+      </p:sp>
+      <p:sp>
+        <p:nvSpPr>
+          <p:cNvPr id="4" name="Slide Number Placeholder 3">
+            <a:extLst>
+              <a:ext uri="{FF2B5EF4-FFF2-40B4-BE49-F238E27FC236}">
+                <a16:creationId xmlns:a16="http://schemas.microsoft.com/office/drawing/2014/main" id="{5EF80E7E-9845-DF4A-9015-F56225B1458D}"/>
+              </a:ext>
+            </a:extLst>
+          </p:cNvPr>
+          <p:cNvSpPr>
+            <a:spLocks noGrp="1"/>
+          </p:cNvSpPr>
+          <p:nvPr>
+            <p:ph type="sldNum" sz="quarter" idx="12"/>
+          </p:nvPr>
+        </p:nvSpPr>
+        <p:spPr/>
+        <p:txBody>
+          <a:bodyPr/>
+          <a:lstStyle/>
+          <a:p>
+            <a:fld id="{629637A9-119A-49DA-BD12-AAC58B377D80}" type="slidenum">
+              <a:rPr lang="en-US" smtClean="0"/>
+              <a:t>40</a:t>
+            </a:fld>
+            <a:endParaRPr lang="en-US" dirty="0"/>
+          </a:p>
+        </p:txBody>
+      </p:sp>
+      <p:pic>
+        <p:nvPicPr>
+          <p:cNvPr id="10" name="Content Placeholder 9">
+            <a:extLst>
+              <a:ext uri="{FF2B5EF4-FFF2-40B4-BE49-F238E27FC236}">
+                <a16:creationId xmlns:a16="http://schemas.microsoft.com/office/drawing/2014/main" id="{B09875DF-6F90-B646-B894-831F3D2146DC}"/>
+              </a:ext>
+            </a:extLst>
+          </p:cNvPr>
+          <p:cNvPicPr>
+            <a:picLocks noGrp="1" noChangeAspect="1"/>
+          </p:cNvPicPr>
+          <p:nvPr>
+            <p:ph idx="1"/>
+          </p:nvPr>
+        </p:nvPicPr>
+        <p:blipFill>
+          <a:blip r:embed="rId2"/>
+          <a:stretch>
+            <a:fillRect/>
+          </a:stretch>
+        </p:blipFill>
+        <p:spPr>
+          <a:xfrm>
+            <a:off x="4930265" y="286603"/>
+            <a:ext cx="6905844" cy="6298738"/>
+          </a:xfrm>
+        </p:spPr>
+      </p:pic>
+      <p:sp>
+        <p:nvSpPr>
+          <p:cNvPr id="11" name="TextBox 10">
+            <a:extLst>
+              <a:ext uri="{FF2B5EF4-FFF2-40B4-BE49-F238E27FC236}">
+                <a16:creationId xmlns:a16="http://schemas.microsoft.com/office/drawing/2014/main" id="{E46A0D8B-5472-BF42-AEE4-89AEADF07614}"/>
+              </a:ext>
+            </a:extLst>
+          </p:cNvPr>
+          <p:cNvSpPr txBox="1"/>
+          <p:nvPr/>
+        </p:nvSpPr>
+        <p:spPr>
+          <a:xfrm>
+            <a:off x="1017270" y="1863090"/>
+            <a:ext cx="3257550" cy="1754326"/>
+          </a:xfrm>
+          <a:prstGeom prst="rect">
+            <a:avLst/>
+          </a:prstGeom>
+          <a:noFill/>
+        </p:spPr>
+        <p:txBody>
+          <a:bodyPr wrap="square" rtlCol="0">
+            <a:spAutoFit/>
+          </a:bodyPr>
+          <a:lstStyle/>
+          <a:p>
+            <a:r>
+              <a:rPr lang="en-US" dirty="0"/>
+              <a:t>Figure from [Hastie2008]: Hastie, </a:t>
+            </a:r>
+            <a:r>
+              <a:rPr lang="en-US" dirty="0" err="1"/>
+              <a:t>Tibshirani</a:t>
+            </a:r>
+            <a:r>
+              <a:rPr lang="en-US" dirty="0"/>
+              <a:t>, Friedman, The elements of statistical learning.</a:t>
+            </a:r>
+          </a:p>
+          <a:p>
+            <a:endParaRPr lang="en-US" dirty="0"/>
+          </a:p>
+          <a:p>
+            <a:r>
+              <a:rPr lang="en-US" dirty="0"/>
+              <a:t>For more on this subject, see Sec. 3.3</a:t>
+            </a:r>
+          </a:p>
+        </p:txBody>
+      </p:sp>
+    </p:spTree>
+    <p:extLst>
+      <p:ext uri="{BB962C8B-B14F-4D97-AF65-F5344CB8AC3E}">
+        <p14:creationId xmlns:p14="http://schemas.microsoft.com/office/powerpoint/2010/main" val="1075255446"/>
+      </p:ext>
+    </p:extLst>
+  </p:cSld>
+  <p:clrMapOvr>
+    <a:masterClrMapping/>
+  </p:clrMapOvr>
+</p:sld>
+</file>
+
+<file path=ppt/slides/slide41.xml><?xml version="1.0" encoding="utf-8"?>
+<p:sld xmlns:a="http://schemas.openxmlformats.org/drawingml/2006/main" xmlns:r="http://schemas.openxmlformats.org/officeDocument/2006/relationships" xmlns:p="http://schemas.openxmlformats.org/presentationml/2006/main">
+  <p:cSld>
+    <p:spTree>
+      <p:nvGrpSpPr>
+        <p:cNvPr id="1" name=""/>
+        <p:cNvGrpSpPr/>
+        <p:nvPr/>
+      </p:nvGrpSpPr>
+      <p:grpSpPr>
+        <a:xfrm>
+          <a:off x="0" y="0"/>
+          <a:ext cx="0" cy="0"/>
+          <a:chOff x="0" y="0"/>
+          <a:chExt cx="0" cy="0"/>
+        </a:xfrm>
+      </p:grpSpPr>
+      <p:sp>
+        <p:nvSpPr>
+          <p:cNvPr id="2" name="Title 1">
+            <a:extLst>
+              <a:ext uri="{FF2B5EF4-FFF2-40B4-BE49-F238E27FC236}">
+                <a16:creationId xmlns:a16="http://schemas.microsoft.com/office/drawing/2014/main" id="{6885F70D-6798-4438-991B-B69931A94910}"/>
+              </a:ext>
+            </a:extLst>
+          </p:cNvPr>
+          <p:cNvSpPr>
+            <a:spLocks noGrp="1"/>
+          </p:cNvSpPr>
+          <p:nvPr>
+            <p:ph type="title"/>
+          </p:nvPr>
+        </p:nvSpPr>
+        <p:spPr/>
+        <p:txBody>
+          <a:bodyPr/>
+          <a:lstStyle/>
+          <a:p>
+            <a:r>
+              <a:rPr lang="en-US" dirty="0"/>
+              <a:t>Lab:  Neural </a:t>
+            </a:r>
+            <a:r>
+              <a:rPr lang="en-US" dirty="0" err="1"/>
+              <a:t>ECoG</a:t>
+            </a:r>
+            <a:r>
+              <a:rPr lang="en-US" dirty="0"/>
+              <a:t> Data</a:t>
+            </a:r>
+          </a:p>
+        </p:txBody>
+      </p:sp>
+      <p:sp>
+        <p:nvSpPr>
+          <p:cNvPr id="4" name="Slide Number Placeholder 3">
+            <a:extLst>
+              <a:ext uri="{FF2B5EF4-FFF2-40B4-BE49-F238E27FC236}">
+                <a16:creationId xmlns:a16="http://schemas.microsoft.com/office/drawing/2014/main" id="{7C24C134-042D-4D1B-86A8-37E0F82B64E9}"/>
+              </a:ext>
+            </a:extLst>
+          </p:cNvPr>
+          <p:cNvSpPr>
+            <a:spLocks noGrp="1"/>
+          </p:cNvSpPr>
+          <p:nvPr>
+            <p:ph type="sldNum" sz="quarter" idx="12"/>
+          </p:nvPr>
+        </p:nvSpPr>
+        <p:spPr/>
+        <p:txBody>
+          <a:bodyPr/>
+          <a:lstStyle/>
+          <a:p>
+            <a:fld id="{629637A9-119A-49DA-BD12-AAC58B377D80}" type="slidenum">
+              <a:rPr lang="en-US" smtClean="0"/>
+              <a:t>41</a:t>
+            </a:fld>
+            <a:endParaRPr lang="en-US" dirty="0"/>
+          </a:p>
+        </p:txBody>
+      </p:sp>
+      <p:pic>
+        <p:nvPicPr>
+          <p:cNvPr id="5" name="Picture 4">
+            <a:extLst>
+              <a:ext uri="{FF2B5EF4-FFF2-40B4-BE49-F238E27FC236}">
+                <a16:creationId xmlns:a16="http://schemas.microsoft.com/office/drawing/2014/main" id="{5FFCD571-3570-4F4F-8E2E-4CE2D6C2FA42}"/>
+              </a:ext>
+            </a:extLst>
+          </p:cNvPr>
+          <p:cNvPicPr>
+            <a:picLocks noChangeAspect="1"/>
+          </p:cNvPicPr>
+          <p:nvPr/>
+        </p:nvPicPr>
+        <p:blipFill>
+          <a:blip r:embed="rId3" cstate="print">
+            <a:extLst>
+              <a:ext uri="{28A0092B-C50C-407E-A947-70E740481C1C}">
+                <a14:useLocalDpi xmlns:a14="http://schemas.microsoft.com/office/drawing/2010/main" val="0"/>
+              </a:ext>
+            </a:extLst>
+          </a:blip>
+          <a:stretch>
+            <a:fillRect/>
+          </a:stretch>
+        </p:blipFill>
+        <p:spPr>
+          <a:xfrm>
+            <a:off x="4199344" y="1399947"/>
+            <a:ext cx="2158276" cy="1708635"/>
+          </a:xfrm>
+          <a:prstGeom prst="rect">
+            <a:avLst/>
+          </a:prstGeom>
+        </p:spPr>
+      </p:pic>
+      <p:sp>
+        <p:nvSpPr>
+          <p:cNvPr id="6" name="TextBox 5">
+            <a:extLst>
+              <a:ext uri="{FF2B5EF4-FFF2-40B4-BE49-F238E27FC236}">
+                <a16:creationId xmlns:a16="http://schemas.microsoft.com/office/drawing/2014/main" id="{0D1E3563-734C-4EB9-97EE-A2B8FA3A6A12}"/>
+              </a:ext>
+            </a:extLst>
+          </p:cNvPr>
+          <p:cNvSpPr txBox="1"/>
+          <p:nvPr/>
+        </p:nvSpPr>
+        <p:spPr>
+          <a:xfrm rot="16200000">
+            <a:off x="3410599" y="2111632"/>
+            <a:ext cx="1316468" cy="338554"/>
+          </a:xfrm>
+          <a:prstGeom prst="rect">
+            <a:avLst/>
+          </a:prstGeom>
+          <a:solidFill>
+            <a:schemeClr val="bg1"/>
+          </a:solidFill>
+        </p:spPr>
+        <p:txBody>
+          <a:bodyPr wrap="square" rtlCol="0">
+            <a:spAutoFit/>
+          </a:bodyPr>
+          <a:lstStyle/>
+          <a:p>
+            <a:r>
+              <a:rPr lang="en-US" sz="1600" b="0" dirty="0"/>
+              <a:t>Velocity y</a:t>
+            </a:r>
+          </a:p>
+        </p:txBody>
+      </p:sp>
+      <p:sp>
+        <p:nvSpPr>
+          <p:cNvPr id="7" name="TextBox 6">
+            <a:extLst>
+              <a:ext uri="{FF2B5EF4-FFF2-40B4-BE49-F238E27FC236}">
+                <a16:creationId xmlns:a16="http://schemas.microsoft.com/office/drawing/2014/main" id="{4830ABE6-09C8-4C09-8790-9E6FE97347BD}"/>
+              </a:ext>
+            </a:extLst>
+          </p:cNvPr>
+          <p:cNvSpPr txBox="1"/>
+          <p:nvPr/>
+        </p:nvSpPr>
+        <p:spPr>
+          <a:xfrm>
+            <a:off x="4753402" y="3108582"/>
+            <a:ext cx="1050159" cy="338554"/>
+          </a:xfrm>
+          <a:prstGeom prst="rect">
+            <a:avLst/>
+          </a:prstGeom>
+          <a:solidFill>
+            <a:schemeClr val="bg1"/>
+          </a:solidFill>
+        </p:spPr>
+        <p:txBody>
+          <a:bodyPr wrap="none" rtlCol="0">
+            <a:spAutoFit/>
+          </a:bodyPr>
+          <a:lstStyle/>
+          <a:p>
+            <a:r>
+              <a:rPr lang="en-US" sz="1600" b="0" dirty="0"/>
+              <a:t>Velocity x</a:t>
+            </a:r>
+          </a:p>
+        </p:txBody>
+      </p:sp>
+      <p:sp>
+        <p:nvSpPr>
+          <p:cNvPr id="8" name="TextBox 7">
+            <a:extLst>
+              <a:ext uri="{FF2B5EF4-FFF2-40B4-BE49-F238E27FC236}">
+                <a16:creationId xmlns:a16="http://schemas.microsoft.com/office/drawing/2014/main" id="{1CB2B38F-203D-4602-A665-C8BB4C3E37E3}"/>
+              </a:ext>
+            </a:extLst>
+          </p:cNvPr>
+          <p:cNvSpPr txBox="1"/>
+          <p:nvPr/>
+        </p:nvSpPr>
+        <p:spPr>
+          <a:xfrm>
+            <a:off x="1828800" y="1399947"/>
+            <a:ext cx="2895600" cy="400110"/>
+          </a:xfrm>
+          <a:prstGeom prst="rect">
+            <a:avLst/>
+          </a:prstGeom>
+          <a:noFill/>
+        </p:spPr>
+        <p:txBody>
+          <a:bodyPr wrap="square" rtlCol="0">
+            <a:spAutoFit/>
+          </a:bodyPr>
+          <a:lstStyle/>
+          <a:p>
+            <a:pPr algn="l"/>
+            <a:r>
+              <a:rPr lang="en-US" b="0" dirty="0"/>
+              <a:t>Record arm motion</a:t>
+            </a:r>
+          </a:p>
+        </p:txBody>
+      </p:sp>
+      <p:pic>
+        <p:nvPicPr>
+          <p:cNvPr id="9" name="Picture 8">
+            <a:extLst>
+              <a:ext uri="{FF2B5EF4-FFF2-40B4-BE49-F238E27FC236}">
+                <a16:creationId xmlns:a16="http://schemas.microsoft.com/office/drawing/2014/main" id="{66FA254A-ABFB-4DA8-89EF-7311CD6E422E}"/>
+              </a:ext>
+            </a:extLst>
+          </p:cNvPr>
+          <p:cNvPicPr>
+            <a:picLocks noChangeAspect="1"/>
+          </p:cNvPicPr>
+          <p:nvPr/>
+        </p:nvPicPr>
+        <p:blipFill>
+          <a:blip r:embed="rId4" cstate="print">
+            <a:extLst>
+              <a:ext uri="{28A0092B-C50C-407E-A947-70E740481C1C}">
+                <a14:useLocalDpi xmlns:a14="http://schemas.microsoft.com/office/drawing/2010/main" val="0"/>
+              </a:ext>
+            </a:extLst>
+          </a:blip>
+          <a:stretch>
+            <a:fillRect/>
+          </a:stretch>
+        </p:blipFill>
+        <p:spPr>
+          <a:xfrm>
+            <a:off x="4086100" y="4179023"/>
+            <a:ext cx="2340992" cy="1853286"/>
+          </a:xfrm>
+          <a:prstGeom prst="rect">
+            <a:avLst/>
+          </a:prstGeom>
+        </p:spPr>
+      </p:pic>
+      <p:sp>
+        <p:nvSpPr>
+          <p:cNvPr id="10" name="TextBox 9">
+            <a:extLst>
+              <a:ext uri="{FF2B5EF4-FFF2-40B4-BE49-F238E27FC236}">
+                <a16:creationId xmlns:a16="http://schemas.microsoft.com/office/drawing/2014/main" id="{5A3ECBDD-CABD-47B2-810E-0DE2F6FCD5E2}"/>
+              </a:ext>
+            </a:extLst>
+          </p:cNvPr>
+          <p:cNvSpPr txBox="1"/>
+          <p:nvPr/>
+        </p:nvSpPr>
+        <p:spPr>
+          <a:xfrm>
+            <a:off x="4861535" y="6002974"/>
+            <a:ext cx="745845" cy="369332"/>
+          </a:xfrm>
+          <a:prstGeom prst="rect">
+            <a:avLst/>
+          </a:prstGeom>
+          <a:solidFill>
+            <a:schemeClr val="bg1"/>
+          </a:solidFill>
+        </p:spPr>
+        <p:txBody>
+          <a:bodyPr wrap="square" rtlCol="0">
+            <a:spAutoFit/>
+          </a:bodyPr>
+          <a:lstStyle/>
+          <a:p>
+            <a:r>
+              <a:rPr lang="en-US" sz="1800" b="0" dirty="0"/>
+              <a:t>Time</a:t>
+            </a:r>
+            <a:endParaRPr lang="en-US" b="0" dirty="0"/>
+          </a:p>
+        </p:txBody>
+      </p:sp>
+      <p:sp>
+        <p:nvSpPr>
+          <p:cNvPr id="11" name="TextBox 10">
+            <a:extLst>
+              <a:ext uri="{FF2B5EF4-FFF2-40B4-BE49-F238E27FC236}">
+                <a16:creationId xmlns:a16="http://schemas.microsoft.com/office/drawing/2014/main" id="{7725DB52-B62B-44CF-9892-6668116B1729}"/>
+              </a:ext>
+            </a:extLst>
+          </p:cNvPr>
+          <p:cNvSpPr txBox="1"/>
+          <p:nvPr/>
+        </p:nvSpPr>
+        <p:spPr>
+          <a:xfrm rot="16200000">
+            <a:off x="3618675" y="5066369"/>
+            <a:ext cx="856324" cy="338554"/>
+          </a:xfrm>
+          <a:prstGeom prst="rect">
+            <a:avLst/>
+          </a:prstGeom>
+          <a:solidFill>
+            <a:schemeClr val="bg1"/>
+          </a:solidFill>
+        </p:spPr>
+        <p:txBody>
+          <a:bodyPr wrap="none" rtlCol="0">
+            <a:spAutoFit/>
+          </a:bodyPr>
+          <a:lstStyle/>
+          <a:p>
+            <a:r>
+              <a:rPr lang="en-US" sz="1600" b="0" dirty="0"/>
+              <a:t>Neuron</a:t>
+            </a:r>
+            <a:endParaRPr lang="en-US" b="0" dirty="0"/>
+          </a:p>
+        </p:txBody>
+      </p:sp>
+      <p:sp>
+        <p:nvSpPr>
+          <p:cNvPr id="12" name="Arrow: Bent-Up 11">
+            <a:extLst>
+              <a:ext uri="{FF2B5EF4-FFF2-40B4-BE49-F238E27FC236}">
+                <a16:creationId xmlns:a16="http://schemas.microsoft.com/office/drawing/2014/main" id="{A4C6C116-B089-47BD-9000-148A0A2B718E}"/>
+              </a:ext>
+            </a:extLst>
+          </p:cNvPr>
+          <p:cNvSpPr/>
+          <p:nvPr/>
+        </p:nvSpPr>
+        <p:spPr>
+          <a:xfrm rot="5400000">
+            <a:off x="2240314" y="3939573"/>
+            <a:ext cx="672273" cy="2257301"/>
+          </a:xfrm>
+          <a:prstGeom prst="bentUpArrow">
+            <a:avLst>
+              <a:gd name="adj1" fmla="val 17716"/>
+              <a:gd name="adj2" fmla="val 24267"/>
+              <a:gd name="adj3" fmla="val 27224"/>
+            </a:avLst>
+          </a:prstGeom>
+          <a:solidFill>
+            <a:schemeClr val="bg2">
+              <a:lumMod val="20000"/>
+              <a:lumOff val="80000"/>
+            </a:schemeClr>
+          </a:solidFill>
+          <a:ln w="6350"/>
+        </p:spPr>
+        <p:style>
+          <a:lnRef idx="2">
+            <a:schemeClr val="accent1">
+              <a:shade val="50000"/>
+            </a:schemeClr>
+          </a:lnRef>
+          <a:fillRef idx="1">
+            <a:schemeClr val="accent1"/>
+          </a:fillRef>
+          <a:effectRef idx="0">
+            <a:schemeClr val="accent1"/>
+          </a:effectRef>
+          <a:fontRef idx="minor">
+            <a:schemeClr val="lt1"/>
+          </a:fontRef>
+        </p:style>
+        <p:txBody>
+          <a:bodyPr rtlCol="0" anchor="ctr"/>
+          <a:lstStyle/>
+          <a:p>
+            <a:pPr algn="ctr"/>
+            <a:endParaRPr lang="en-US"/>
+          </a:p>
+        </p:txBody>
+      </p:sp>
+      <p:sp>
+        <p:nvSpPr>
+          <p:cNvPr id="13" name="Arrow: Bent-Up 12">
+            <a:extLst>
+              <a:ext uri="{FF2B5EF4-FFF2-40B4-BE49-F238E27FC236}">
+                <a16:creationId xmlns:a16="http://schemas.microsoft.com/office/drawing/2014/main" id="{1ED63F34-2803-4F7A-8E44-15AE412F2BFC}"/>
+              </a:ext>
+            </a:extLst>
+          </p:cNvPr>
+          <p:cNvSpPr/>
+          <p:nvPr/>
+        </p:nvSpPr>
+        <p:spPr>
+          <a:xfrm rot="5400000" flipH="1">
+            <a:off x="2218657" y="970758"/>
+            <a:ext cx="620586" cy="2162298"/>
+          </a:xfrm>
+          <a:prstGeom prst="bentUpArrow">
+            <a:avLst>
+              <a:gd name="adj1" fmla="val 17716"/>
+              <a:gd name="adj2" fmla="val 24267"/>
+              <a:gd name="adj3" fmla="val 50000"/>
+            </a:avLst>
+          </a:prstGeom>
+          <a:solidFill>
+            <a:schemeClr val="bg2">
+              <a:lumMod val="20000"/>
+              <a:lumOff val="80000"/>
+            </a:schemeClr>
+          </a:solidFill>
+          <a:ln w="6350"/>
+        </p:spPr>
+        <p:style>
+          <a:lnRef idx="2">
+            <a:schemeClr val="accent1">
+              <a:shade val="50000"/>
+            </a:schemeClr>
+          </a:lnRef>
+          <a:fillRef idx="1">
+            <a:schemeClr val="accent1"/>
+          </a:fillRef>
+          <a:effectRef idx="0">
+            <a:schemeClr val="accent1"/>
+          </a:effectRef>
+          <a:fontRef idx="minor">
+            <a:schemeClr val="lt1"/>
+          </a:fontRef>
+        </p:style>
+        <p:txBody>
+          <a:bodyPr rtlCol="0" anchor="ctr"/>
+          <a:lstStyle/>
+          <a:p>
+            <a:pPr algn="ctr"/>
+            <a:endParaRPr lang="en-US"/>
+          </a:p>
+        </p:txBody>
+      </p:sp>
+      <p:sp>
+        <p:nvSpPr>
+          <p:cNvPr id="14" name="TextBox 13">
+            <a:extLst>
+              <a:ext uri="{FF2B5EF4-FFF2-40B4-BE49-F238E27FC236}">
+                <a16:creationId xmlns:a16="http://schemas.microsoft.com/office/drawing/2014/main" id="{AE39A828-90ED-4D5A-99AA-4FFDDF5A3AE9}"/>
+              </a:ext>
+            </a:extLst>
+          </p:cNvPr>
+          <p:cNvSpPr txBox="1"/>
+          <p:nvPr/>
+        </p:nvSpPr>
+        <p:spPr>
+          <a:xfrm>
+            <a:off x="2114667" y="5404358"/>
+            <a:ext cx="2895600" cy="707886"/>
+          </a:xfrm>
+          <a:prstGeom prst="rect">
+            <a:avLst/>
+          </a:prstGeom>
+          <a:noFill/>
+        </p:spPr>
+        <p:txBody>
+          <a:bodyPr wrap="square" rtlCol="0">
+            <a:spAutoFit/>
+          </a:bodyPr>
+          <a:lstStyle/>
+          <a:p>
+            <a:pPr algn="l"/>
+            <a:r>
+              <a:rPr lang="en-US" b="0" dirty="0"/>
+              <a:t>Record spikes</a:t>
+            </a:r>
+            <a:br>
+              <a:rPr lang="en-US" b="0" dirty="0"/>
+            </a:br>
+            <a:r>
+              <a:rPr lang="en-US" b="0" dirty="0"/>
+              <a:t>(</a:t>
+            </a:r>
+            <a:r>
+              <a:rPr lang="en-US" b="0" dirty="0" err="1"/>
+              <a:t>ECoG</a:t>
+            </a:r>
+            <a:r>
+              <a:rPr lang="en-US" b="0" dirty="0"/>
+              <a:t> in M1)</a:t>
+            </a:r>
+          </a:p>
+        </p:txBody>
+      </p:sp>
+      <p:sp>
+        <p:nvSpPr>
+          <p:cNvPr id="15" name="Arrow: Right 14">
+            <a:extLst>
+              <a:ext uri="{FF2B5EF4-FFF2-40B4-BE49-F238E27FC236}">
+                <a16:creationId xmlns:a16="http://schemas.microsoft.com/office/drawing/2014/main" id="{61AD642F-223E-4A75-85E0-5568A5D13C46}"/>
+              </a:ext>
+            </a:extLst>
+          </p:cNvPr>
+          <p:cNvSpPr/>
+          <p:nvPr/>
+        </p:nvSpPr>
+        <p:spPr>
+          <a:xfrm rot="16200000">
+            <a:off x="4824650" y="3641383"/>
+            <a:ext cx="819617" cy="404948"/>
+          </a:xfrm>
+          <a:prstGeom prst="rightArrow">
+            <a:avLst/>
+          </a:prstGeom>
+          <a:solidFill>
+            <a:schemeClr val="tx2">
+              <a:lumMod val="40000"/>
+              <a:lumOff val="60000"/>
+            </a:schemeClr>
+          </a:solidFill>
+        </p:spPr>
+        <p:style>
+          <a:lnRef idx="2">
+            <a:schemeClr val="accent1">
+              <a:shade val="50000"/>
+            </a:schemeClr>
+          </a:lnRef>
+          <a:fillRef idx="1">
+            <a:schemeClr val="accent1"/>
+          </a:fillRef>
+          <a:effectRef idx="0">
+            <a:schemeClr val="accent1"/>
+          </a:effectRef>
+          <a:fontRef idx="minor">
+            <a:schemeClr val="lt1"/>
+          </a:fontRef>
+        </p:style>
+        <p:txBody>
+          <a:bodyPr rtlCol="0" anchor="ctr"/>
+          <a:lstStyle/>
+          <a:p>
+            <a:pPr algn="ctr"/>
+            <a:endParaRPr lang="en-US"/>
+          </a:p>
+        </p:txBody>
+      </p:sp>
+      <p:pic>
+        <p:nvPicPr>
+          <p:cNvPr id="16" name="Picture 15" descr="Question Mark by rejon">
+            <a:extLst>
+              <a:ext uri="{FF2B5EF4-FFF2-40B4-BE49-F238E27FC236}">
+                <a16:creationId xmlns:a16="http://schemas.microsoft.com/office/drawing/2014/main" id="{52FE03AD-B977-40A3-BCA6-E33C06721001}"/>
+              </a:ext>
+            </a:extLst>
+          </p:cNvPr>
+          <p:cNvPicPr>
+            <a:picLocks noChangeAspect="1"/>
+          </p:cNvPicPr>
+          <p:nvPr/>
+        </p:nvPicPr>
+        <p:blipFill>
+          <a:blip r:embed="rId5" cstate="print">
+            <a:extLst>
+              <a:ext uri="{28A0092B-C50C-407E-A947-70E740481C1C}">
+                <a14:useLocalDpi xmlns:a14="http://schemas.microsoft.com/office/drawing/2010/main" val="0"/>
+              </a:ext>
+            </a:extLst>
+          </a:blip>
+          <a:stretch>
+            <a:fillRect/>
+          </a:stretch>
+        </p:blipFill>
+        <p:spPr>
+          <a:xfrm>
+            <a:off x="5436933" y="3513960"/>
+            <a:ext cx="650240" cy="650240"/>
+          </a:xfrm>
+          <a:prstGeom prst="rect">
+            <a:avLst/>
+          </a:prstGeom>
+        </p:spPr>
+      </p:pic>
+      <p:sp>
+        <p:nvSpPr>
+          <p:cNvPr id="17" name="TextBox 16">
+            <a:extLst>
+              <a:ext uri="{FF2B5EF4-FFF2-40B4-BE49-F238E27FC236}">
+                <a16:creationId xmlns:a16="http://schemas.microsoft.com/office/drawing/2014/main" id="{7C581E48-DFD9-4D97-9AFB-4C7207BA3505}"/>
+              </a:ext>
+            </a:extLst>
+          </p:cNvPr>
+          <p:cNvSpPr txBox="1"/>
+          <p:nvPr/>
+        </p:nvSpPr>
+        <p:spPr>
+          <a:xfrm>
+            <a:off x="6253178" y="4921000"/>
+            <a:ext cx="1295400" cy="369332"/>
+          </a:xfrm>
+          <a:prstGeom prst="rect">
+            <a:avLst/>
+          </a:prstGeom>
+          <a:solidFill>
+            <a:schemeClr val="bg1"/>
+          </a:solidFill>
+        </p:spPr>
+        <p:txBody>
+          <a:bodyPr wrap="square" rtlCol="0">
+            <a:spAutoFit/>
+          </a:bodyPr>
+          <a:lstStyle/>
+          <a:p>
+            <a:r>
+              <a:rPr lang="en-US" sz="1800" b="0" dirty="0">
+                <a:solidFill>
+                  <a:schemeClr val="tx2">
+                    <a:lumMod val="60000"/>
+                    <a:lumOff val="40000"/>
+                  </a:schemeClr>
+                </a:solidFill>
+              </a:rPr>
+              <a:t>Spikes</a:t>
+            </a:r>
+            <a:endParaRPr lang="en-US" b="0" dirty="0">
+              <a:solidFill>
+                <a:schemeClr val="tx2">
+                  <a:lumMod val="60000"/>
+                  <a:lumOff val="40000"/>
+                </a:schemeClr>
+              </a:solidFill>
+            </a:endParaRPr>
+          </a:p>
+        </p:txBody>
+      </p:sp>
+      <p:sp>
+        <p:nvSpPr>
+          <p:cNvPr id="18" name="TextBox 17">
+            <a:extLst>
+              <a:ext uri="{FF2B5EF4-FFF2-40B4-BE49-F238E27FC236}">
+                <a16:creationId xmlns:a16="http://schemas.microsoft.com/office/drawing/2014/main" id="{B11588B3-06AF-409D-BD89-09A22B4786D7}"/>
+              </a:ext>
+            </a:extLst>
+          </p:cNvPr>
+          <p:cNvSpPr txBox="1"/>
+          <p:nvPr/>
+        </p:nvSpPr>
+        <p:spPr>
+          <a:xfrm>
+            <a:off x="6215979" y="1886347"/>
+            <a:ext cx="1295400" cy="646331"/>
+          </a:xfrm>
+          <a:prstGeom prst="rect">
+            <a:avLst/>
+          </a:prstGeom>
+          <a:solidFill>
+            <a:schemeClr val="bg1"/>
+          </a:solidFill>
+        </p:spPr>
+        <p:txBody>
+          <a:bodyPr wrap="square" rtlCol="0">
+            <a:spAutoFit/>
+          </a:bodyPr>
+          <a:lstStyle/>
+          <a:p>
+            <a:r>
+              <a:rPr lang="en-US" sz="1800" b="0" dirty="0">
+                <a:solidFill>
+                  <a:schemeClr val="tx2">
+                    <a:lumMod val="60000"/>
+                    <a:lumOff val="40000"/>
+                  </a:schemeClr>
+                </a:solidFill>
+              </a:rPr>
+              <a:t>Arm velocity</a:t>
+            </a:r>
+            <a:endParaRPr lang="en-US" b="0" dirty="0">
+              <a:solidFill>
+                <a:schemeClr val="tx2">
+                  <a:lumMod val="60000"/>
+                  <a:lumOff val="40000"/>
+                </a:schemeClr>
+              </a:solidFill>
+            </a:endParaRPr>
+          </a:p>
+        </p:txBody>
+      </p:sp>
+      <p:pic>
+        <p:nvPicPr>
+          <p:cNvPr id="19" name="Picture 18">
+            <a:extLst>
+              <a:ext uri="{FF2B5EF4-FFF2-40B4-BE49-F238E27FC236}">
+                <a16:creationId xmlns:a16="http://schemas.microsoft.com/office/drawing/2014/main" id="{99048773-FB51-44B6-83B4-9CB612D79D44}"/>
+              </a:ext>
+            </a:extLst>
+          </p:cNvPr>
+          <p:cNvPicPr>
+            <a:picLocks noChangeAspect="1"/>
+          </p:cNvPicPr>
+          <p:nvPr/>
+        </p:nvPicPr>
+        <p:blipFill>
+          <a:blip r:embed="rId6"/>
+          <a:stretch>
+            <a:fillRect/>
+          </a:stretch>
+        </p:blipFill>
+        <p:spPr>
+          <a:xfrm>
+            <a:off x="745920" y="2457282"/>
+            <a:ext cx="1403758" cy="1991582"/>
+          </a:xfrm>
+          <a:prstGeom prst="rect">
+            <a:avLst/>
+          </a:prstGeom>
+        </p:spPr>
+      </p:pic>
+      <p:sp>
+        <p:nvSpPr>
+          <p:cNvPr id="3" name="Content Placeholder 2">
+            <a:extLst>
+              <a:ext uri="{FF2B5EF4-FFF2-40B4-BE49-F238E27FC236}">
+                <a16:creationId xmlns:a16="http://schemas.microsoft.com/office/drawing/2014/main" id="{725BEDF2-022A-4CFF-834E-354F4408F641}"/>
+              </a:ext>
+            </a:extLst>
+          </p:cNvPr>
+          <p:cNvSpPr>
+            <a:spLocks noGrp="1"/>
+          </p:cNvSpPr>
+          <p:nvPr>
+            <p:ph idx="1"/>
+          </p:nvPr>
+        </p:nvSpPr>
+        <p:spPr>
+          <a:xfrm>
+            <a:off x="7303504" y="1539277"/>
+            <a:ext cx="3852175" cy="4329817"/>
+          </a:xfrm>
+        </p:spPr>
+        <p:txBody>
+          <a:bodyPr>
+            <a:normAutofit/>
+          </a:bodyPr>
+          <a:lstStyle/>
+          <a:p>
+            <a:r>
+              <a:rPr lang="en-US" dirty="0"/>
+              <a:t>Read a monkey’s brain!</a:t>
+            </a:r>
+          </a:p>
+          <a:p>
+            <a:r>
+              <a:rPr lang="en-US" dirty="0"/>
+              <a:t>Predict hand motion from electrode measurements (number of spikes in each neuron)</a:t>
+            </a:r>
+          </a:p>
+          <a:p>
+            <a:r>
+              <a:rPr lang="en-US" dirty="0"/>
+              <a:t>Feature selection</a:t>
+            </a:r>
+          </a:p>
+          <a:p>
+            <a:pPr lvl="1"/>
+            <a:r>
+              <a:rPr lang="en-US" dirty="0"/>
+              <a:t>Which neuron signals predict arm motion?</a:t>
+            </a:r>
+          </a:p>
+          <a:p>
+            <a:pPr lvl="1"/>
+            <a:r>
+              <a:rPr lang="en-US" dirty="0"/>
+              <a:t>Use correlation  to select candidate feature subsets</a:t>
+            </a:r>
+          </a:p>
+          <a:p>
+            <a:r>
+              <a:rPr lang="en-US" dirty="0"/>
+              <a:t>Data from </a:t>
+            </a:r>
+            <a:r>
+              <a:rPr lang="en-US" dirty="0">
+                <a:hlinkClick r:id="rId7"/>
+              </a:rPr>
+              <a:t>https://crcns.org/</a:t>
+            </a:r>
+            <a:endParaRPr lang="en-US" dirty="0"/>
+          </a:p>
+          <a:p>
+            <a:pPr lvl="1"/>
+            <a:r>
+              <a:rPr lang="en-US" dirty="0"/>
+              <a:t>Open source website on neural data</a:t>
+            </a:r>
+          </a:p>
+          <a:p>
+            <a:pPr lvl="1"/>
+            <a:r>
+              <a:rPr lang="en-US" dirty="0"/>
+              <a:t>Great for projects</a:t>
+            </a:r>
+          </a:p>
+        </p:txBody>
+      </p:sp>
+    </p:spTree>
+    <p:extLst>
+      <p:ext uri="{BB962C8B-B14F-4D97-AF65-F5344CB8AC3E}">
+        <p14:creationId xmlns:p14="http://schemas.microsoft.com/office/powerpoint/2010/main" val="2059660021"/>
+      </p:ext>
+    </p:extLst>
+  </p:cSld>
+  <p:clrMapOvr>
+    <a:masterClrMapping/>
+  </p:clrMapOvr>
+</p:sld>
+</file>
+
+<file path=ppt/slides/slide42.xml><?xml version="1.0" encoding="utf-8"?>
+<p:sld xmlns:a="http://schemas.openxmlformats.org/drawingml/2006/main" xmlns:r="http://schemas.openxmlformats.org/officeDocument/2006/relationships" xmlns:p="http://schemas.openxmlformats.org/presentationml/2006/main">
+  <p:cSld>
+    <p:spTree>
+      <p:nvGrpSpPr>
+        <p:cNvPr id="1" name=""/>
+        <p:cNvGrpSpPr/>
+        <p:nvPr/>
+      </p:nvGrpSpPr>
+      <p:grpSpPr>
+        <a:xfrm>
+          <a:off x="0" y="0"/>
+          <a:ext cx="0" cy="0"/>
+          <a:chOff x="0" y="0"/>
+          <a:chExt cx="0" cy="0"/>
+        </a:xfrm>
+      </p:grpSpPr>
+      <p:sp>
+        <p:nvSpPr>
+          <p:cNvPr id="2" name="Title 1"/>
+          <p:cNvSpPr>
+            <a:spLocks noGrp="1"/>
+          </p:cNvSpPr>
+          <p:nvPr>
+            <p:ph type="title"/>
+          </p:nvPr>
+        </p:nvSpPr>
+        <p:spPr/>
+        <p:txBody>
+          <a:bodyPr/>
+          <a:lstStyle/>
+          <a:p>
+            <a:r>
+              <a:rPr lang="en-US" dirty="0"/>
+              <a:t>What you should know from this lecture</a:t>
+            </a:r>
+          </a:p>
+        </p:txBody>
+      </p:sp>
+      <p:sp>
+        <p:nvSpPr>
+          <p:cNvPr id="3" name="Content Placeholder 2"/>
+          <p:cNvSpPr>
+            <a:spLocks noGrp="1"/>
+          </p:cNvSpPr>
+          <p:nvPr>
+            <p:ph idx="1"/>
+          </p:nvPr>
+        </p:nvSpPr>
+        <p:spPr/>
+        <p:txBody>
+          <a:bodyPr/>
+          <a:lstStyle/>
+          <a:p>
+            <a:r>
+              <a:rPr lang="en-US" dirty="0"/>
+              <a:t>Understand the concept of model class and model order</a:t>
+            </a:r>
+          </a:p>
+          <a:p>
+            <a:r>
+              <a:rPr lang="en-US" dirty="0"/>
+              <a:t>Visually identify overfitting and </a:t>
+            </a:r>
+            <a:r>
+              <a:rPr lang="en-US" dirty="0" err="1"/>
+              <a:t>underfitting</a:t>
+            </a:r>
+            <a:r>
+              <a:rPr lang="en-US" dirty="0"/>
+              <a:t> of a model in a scatterplot</a:t>
+            </a:r>
+          </a:p>
+          <a:p>
+            <a:r>
+              <a:rPr lang="en-US" dirty="0"/>
+              <a:t>Determine if there is under-modeling for a given true function and model class</a:t>
+            </a:r>
+          </a:p>
+          <a:p>
+            <a:r>
+              <a:rPr lang="en-US" dirty="0"/>
+              <a:t>Understand the concept of bias, variance and the irreducible error for a model</a:t>
+            </a:r>
+          </a:p>
+          <a:p>
+            <a:pPr lvl="1"/>
+            <a:r>
+              <a:rPr lang="en-US" dirty="0"/>
+              <a:t>Know how to compute each from synthetically generated data</a:t>
+            </a:r>
+          </a:p>
+          <a:p>
+            <a:r>
+              <a:rPr lang="en-US" dirty="0"/>
+              <a:t>Understand the cross-validation process</a:t>
+            </a:r>
+          </a:p>
+          <a:p>
+            <a:pPr lvl="1"/>
+            <a:r>
+              <a:rPr lang="en-US" dirty="0"/>
+              <a:t>Use it to assess the test error for a given model </a:t>
+            </a:r>
+          </a:p>
+          <a:p>
+            <a:pPr lvl="1"/>
+            <a:r>
+              <a:rPr lang="en-US" dirty="0"/>
+              <a:t>Use it to select an optimal model order and for feature selection</a:t>
+            </a:r>
+          </a:p>
+          <a:p>
+            <a:pPr lvl="1"/>
+            <a:endParaRPr lang="en-US" dirty="0"/>
+          </a:p>
+          <a:p>
+            <a:endParaRPr lang="en-US" dirty="0"/>
+          </a:p>
+          <a:p>
+            <a:endParaRPr lang="en-US" dirty="0"/>
+          </a:p>
+          <a:p>
+            <a:endParaRPr lang="en-US" dirty="0"/>
+          </a:p>
+          <a:p>
+            <a:endParaRPr lang="en-US" dirty="0"/>
+          </a:p>
+          <a:p>
+            <a:endParaRPr lang="en-US" dirty="0"/>
+          </a:p>
+        </p:txBody>
+      </p:sp>
+      <p:sp>
+        <p:nvSpPr>
+          <p:cNvPr id="4" name="Slide Number Placeholder 3"/>
+          <p:cNvSpPr>
+            <a:spLocks noGrp="1"/>
+          </p:cNvSpPr>
+          <p:nvPr>
+            <p:ph type="sldNum" sz="quarter" idx="12"/>
+          </p:nvPr>
+        </p:nvSpPr>
+        <p:spPr/>
+        <p:txBody>
+          <a:bodyPr/>
+          <a:lstStyle/>
+          <a:p>
+            <a:fld id="{629637A9-119A-49DA-BD12-AAC58B377D80}" type="slidenum">
+              <a:rPr lang="en-US" smtClean="0"/>
+              <a:t>42</a:t>
+            </a:fld>
+            <a:endParaRPr lang="en-US" dirty="0"/>
+          </a:p>
+        </p:txBody>
+      </p:sp>
+    </p:spTree>
+    <p:extLst>
+      <p:ext uri="{BB962C8B-B14F-4D97-AF65-F5344CB8AC3E}">
+        <p14:creationId xmlns:p14="http://schemas.microsoft.com/office/powerpoint/2010/main" val="954673725"/>
+      </p:ext>
+    </p:extLst>
+  </p:cSld>
+  <p:clrMapOvr>
+    <a:masterClrMapping/>
+  </p:clrMapOvr>
+</p:sld>
+</file>
+
 <file path=ppt/slides/slide5.xml><?xml version="1.0" encoding="utf-8"?>
 <p:sld xmlns:a="http://schemas.openxmlformats.org/drawingml/2006/main" xmlns:r="http://schemas.openxmlformats.org/officeDocument/2006/relationships" xmlns:p="http://schemas.openxmlformats.org/presentationml/2006/main">
   <p:cSld>
@@ -23810,15 +27272,21 @@
             </a:r>
             <a:r>
               <a:rPr lang="en-US" dirty="0"/>
-              <a:t>:  </a:t>
+              <a:t>: </a:t>
             </a:r>
             <a:r>
-              <a:rPr lang="en-US" dirty="0">
+              <a:rPr lang="en-US" sz="1600" dirty="0">
                 <a:hlinkClick r:id="rId3"/>
               </a:rPr>
-              <a:t>https://github.com/sdrangan/introml/blob/master/model_sel/polyfit.ipynb</a:t>
+              <a:t>https://github.com/sdrangan/introml/blob/master/unit03_model_sel/demo03_1_polyfit.ipynb</a:t>
             </a:r>
             <a:endParaRPr lang="en-US" dirty="0"/>
+          </a:p>
+          <a:p>
+            <a:r>
+              <a:rPr lang="en-US" dirty="0"/>
+              <a:t>   </a:t>
+            </a:r>
           </a:p>
           <a:p>
             <a:endParaRPr lang="en-US" dirty="0"/>

--- a/lectures/Lect04_ModelSelection.pptx
+++ b/lectures/Lect04_ModelSelection.pptx
@@ -249,7 +249,7 @@
           <a:p>
             <a:fld id="{B7D6DDD3-D7E9-488B-B626-1E8285E424D8}" type="datetimeFigureOut">
               <a:rPr lang="en-US" smtClean="0"/>
-              <a:t>2/3/18</a:t>
+              <a:t>2/4/18</a:t>
             </a:fld>
             <a:endParaRPr lang="en-US"/>
           </a:p>
@@ -9973,8 +9973,8 @@
           </a:p>
         </p:txBody>
       </p:sp>
-      <mc:AlternateContent xmlns:mc="http://schemas.openxmlformats.org/markup-compatibility/2006">
-        <mc:Choice xmlns:a14="http://schemas.microsoft.com/office/drawing/2010/main" Requires="a14">
+      <mc:AlternateContent xmlns:mc="http://schemas.openxmlformats.org/markup-compatibility/2006" xmlns:a14="http://schemas.microsoft.com/office/drawing/2010/main">
+        <mc:Choice Requires="a14">
           <p:sp>
             <p:nvSpPr>
               <p:cNvPr id="3" name="Content Placeholder 2">
@@ -10516,7 +10516,7 @@
             </p:txBody>
           </p:sp>
         </mc:Choice>
-        <mc:Fallback>
+        <mc:Fallback xmlns="">
           <p:sp>
             <p:nvSpPr>
               <p:cNvPr id="3" name="Content Placeholder 2">
@@ -14044,8 +14044,8 @@
           </a:p>
         </p:txBody>
       </p:sp>
-      <mc:AlternateContent xmlns:mc="http://schemas.openxmlformats.org/markup-compatibility/2006">
-        <mc:Choice xmlns:a14="http://schemas.microsoft.com/office/drawing/2010/main" Requires="a14">
+      <mc:AlternateContent xmlns:mc="http://schemas.openxmlformats.org/markup-compatibility/2006" xmlns:a14="http://schemas.microsoft.com/office/drawing/2010/main">
+        <mc:Choice Requires="a14">
           <p:sp>
             <p:nvSpPr>
               <p:cNvPr id="3" name="Content Placeholder 2">
@@ -14904,7 +14904,7 @@
             </p:txBody>
           </p:sp>
         </mc:Choice>
-        <mc:Fallback>
+        <mc:Fallback xmlns="">
           <p:sp>
             <p:nvSpPr>
               <p:cNvPr id="3" name="Content Placeholder 2">
@@ -15196,8 +15196,8 @@
           </a:p>
         </p:txBody>
       </p:sp>
-      <mc:AlternateContent xmlns:mc="http://schemas.openxmlformats.org/markup-compatibility/2006">
-        <mc:Choice xmlns:a14="http://schemas.microsoft.com/office/drawing/2010/main" Requires="a14">
+      <mc:AlternateContent xmlns:mc="http://schemas.openxmlformats.org/markup-compatibility/2006" xmlns:a14="http://schemas.microsoft.com/office/drawing/2010/main">
+        <mc:Choice Requires="a14">
           <p:sp>
             <p:nvSpPr>
               <p:cNvPr id="3" name="Content Placeholder 2">
@@ -15624,7 +15624,7 @@
             </p:txBody>
           </p:sp>
         </mc:Choice>
-        <mc:Fallback>
+        <mc:Fallback xmlns="">
           <p:sp>
             <p:nvSpPr>
               <p:cNvPr id="3" name="Content Placeholder 2">
@@ -16213,8 +16213,8 @@
           </a:p>
         </p:txBody>
       </p:sp>
-      <mc:AlternateContent xmlns:mc="http://schemas.openxmlformats.org/markup-compatibility/2006">
-        <mc:Choice xmlns:a14="http://schemas.microsoft.com/office/drawing/2010/main" Requires="a14">
+      <mc:AlternateContent xmlns:mc="http://schemas.openxmlformats.org/markup-compatibility/2006" xmlns:a14="http://schemas.microsoft.com/office/drawing/2010/main">
+        <mc:Choice Requires="a14">
           <p:sp>
             <p:nvSpPr>
               <p:cNvPr id="3" name="Content Placeholder 2">
@@ -17195,7 +17195,7 @@
             </p:txBody>
           </p:sp>
         </mc:Choice>
-        <mc:Fallback>
+        <mc:Fallback xmlns="">
           <p:sp>
             <p:nvSpPr>
               <p:cNvPr id="3" name="Content Placeholder 2">
@@ -17322,8 +17322,8 @@
           </a:p>
         </p:txBody>
       </p:sp>
-      <mc:AlternateContent xmlns:mc="http://schemas.openxmlformats.org/markup-compatibility/2006">
-        <mc:Choice xmlns:a14="http://schemas.microsoft.com/office/drawing/2010/main" Requires="a14">
+      <mc:AlternateContent xmlns:mc="http://schemas.openxmlformats.org/markup-compatibility/2006" xmlns:a14="http://schemas.microsoft.com/office/drawing/2010/main">
+        <mc:Choice Requires="a14">
           <p:sp>
             <p:nvSpPr>
               <p:cNvPr id="3" name="Content Placeholder 2">
@@ -20282,7 +20282,7 @@
             </p:txBody>
           </p:sp>
         </mc:Choice>
-        <mc:Fallback>
+        <mc:Fallback xmlns="">
           <p:sp>
             <p:nvSpPr>
               <p:cNvPr id="3" name="Content Placeholder 2">
@@ -21021,8 +21021,8 @@
           </a:p>
         </p:txBody>
       </p:sp>
-      <mc:AlternateContent xmlns:mc="http://schemas.openxmlformats.org/markup-compatibility/2006">
-        <mc:Choice xmlns:a14="http://schemas.microsoft.com/office/drawing/2010/main" Requires="a14">
+      <mc:AlternateContent xmlns:mc="http://schemas.openxmlformats.org/markup-compatibility/2006" xmlns:a14="http://schemas.microsoft.com/office/drawing/2010/main">
+        <mc:Choice Requires="a14">
           <p:sp>
             <p:nvSpPr>
               <p:cNvPr id="3" name="Content Placeholder 2">
@@ -21537,7 +21537,7 @@
             </p:txBody>
           </p:sp>
         </mc:Choice>
-        <mc:Fallback>
+        <mc:Fallback xmlns="">
           <p:sp>
             <p:nvSpPr>
               <p:cNvPr id="3" name="Content Placeholder 2">
@@ -21813,8 +21813,8 @@
           </a:p>
         </p:txBody>
       </p:sp>
-      <mc:AlternateContent xmlns:mc="http://schemas.openxmlformats.org/markup-compatibility/2006">
-        <mc:Choice xmlns:a14="http://schemas.microsoft.com/office/drawing/2010/main" Requires="a14">
+      <mc:AlternateContent xmlns:mc="http://schemas.openxmlformats.org/markup-compatibility/2006" xmlns:a14="http://schemas.microsoft.com/office/drawing/2010/main">
+        <mc:Choice Requires="a14">
           <p:sp>
             <p:nvSpPr>
               <p:cNvPr id="3" name="Content Placeholder 2"/>
@@ -22246,7 +22246,7 @@
             </p:txBody>
           </p:sp>
         </mc:Choice>
-        <mc:Fallback>
+        <mc:Fallback xmlns="">
           <p:sp>
             <p:nvSpPr>
               <p:cNvPr id="3" name="Content Placeholder 2"/>
@@ -23252,8 +23252,8 @@
           </a:p>
         </p:txBody>
       </p:sp>
-      <mc:AlternateContent xmlns:mc="http://schemas.openxmlformats.org/markup-compatibility/2006">
-        <mc:Choice xmlns:a14="http://schemas.microsoft.com/office/drawing/2010/main" Requires="a14">
+      <mc:AlternateContent xmlns:mc="http://schemas.openxmlformats.org/markup-compatibility/2006" xmlns:a14="http://schemas.microsoft.com/office/drawing/2010/main">
+        <mc:Choice Requires="a14">
           <p:sp>
             <p:nvSpPr>
               <p:cNvPr id="3" name="Content Placeholder 2"/>
@@ -23476,7 +23476,7 @@
             </p:txBody>
           </p:sp>
         </mc:Choice>
-        <mc:Fallback>
+        <mc:Fallback xmlns="">
           <p:sp>
             <p:nvSpPr>
               <p:cNvPr id="3" name="Content Placeholder 2"/>
@@ -23946,7 +23946,7 @@
                 <a:pPr lvl="1"/>
                 <a:r>
                   <a:rPr lang="en-US" dirty="0"/>
-                  <a:t>SE = </a:t>
+                  <a:t>SE=STD of mean RSS=RSS </a:t>
                 </a:r>
                 <a:r>
                   <a:rPr lang="en-US" dirty="0" err="1"/>
@@ -23954,7 +23954,7 @@
                 </a:r>
                 <a:r>
                   <a:rPr lang="en-US" dirty="0"/>
-                  <a:t> dev / </a:t>
+                  <a:t>/ </a:t>
                 </a:r>
                 <a14:m>
                   <m:oMath xmlns:m="http://schemas.openxmlformats.org/officeDocument/2006/math">
@@ -23962,7 +23962,7 @@
                       <m:radPr>
                         <m:degHide m:val="on"/>
                         <m:ctrlPr>
-                          <a:rPr lang="en-US" i="1" smtClean="0">
+                          <a:rPr lang="en-US" i="1">
                             <a:latin typeface="Cambria Math" panose="02040503050406030204" pitchFamily="18" charset="0"/>
                           </a:rPr>
                         </m:ctrlPr>
@@ -23970,13 +23970,13 @@
                       <m:deg/>
                       <m:e>
                         <m:r>
-                          <a:rPr lang="en-US" b="0" i="1" smtClean="0">
+                          <a:rPr lang="en-US" i="1">
                             <a:latin typeface="Cambria Math" panose="02040503050406030204" pitchFamily="18" charset="0"/>
                           </a:rPr>
                           <m:t>𝐾</m:t>
                         </m:r>
                         <m:r>
-                          <a:rPr lang="en-US" b="0" i="1" smtClean="0">
+                          <a:rPr lang="en-US" i="1">
                             <a:latin typeface="Cambria Math" panose="02040503050406030204" pitchFamily="18" charset="0"/>
                           </a:rPr>
                           <m:t>−1</m:t>
@@ -23991,21 +23991,16 @@
                 <a:pPr lvl="1"/>
                 <a:r>
                   <a:rPr lang="en-US" dirty="0"/>
-                  <a:t>Mean and SE averaged over the </a:t>
+                  <a:t>(expectation over different realizations </a:t>
                 </a:r>
-                <a14:m>
-                  <m:oMath xmlns:m="http://schemas.openxmlformats.org/officeDocument/2006/math">
-                    <m:r>
-                      <a:rPr lang="en-US" b="0" i="1" smtClean="0">
-                        <a:latin typeface="Cambria Math" panose="02040503050406030204" pitchFamily="18" charset="0"/>
-                      </a:rPr>
-                      <m:t>𝐾</m:t>
-                    </m:r>
-                  </m:oMath>
-                </a14:m>
+              </a:p>
+              <a:p>
+                <a:pPr marL="201168" lvl="1" indent="0">
+                  <a:buNone/>
+                </a:pPr>
                 <a:r>
                   <a:rPr lang="en-US" dirty="0"/>
-                  <a:t> folds</a:t>
+                  <a:t>    of data in each fold)</a:t>
                 </a:r>
               </a:p>
               <a:p>
@@ -24815,8 +24810,8 @@
           </a:p>
         </p:txBody>
       </p:sp>
-      <mc:AlternateContent xmlns:mc="http://schemas.openxmlformats.org/markup-compatibility/2006">
-        <mc:Choice xmlns:a14="http://schemas.microsoft.com/office/drawing/2010/main" Requires="a14">
+      <mc:AlternateContent xmlns:mc="http://schemas.openxmlformats.org/markup-compatibility/2006" xmlns:a14="http://schemas.microsoft.com/office/drawing/2010/main">
+        <mc:Choice Requires="a14">
           <p:sp>
             <p:nvSpPr>
               <p:cNvPr id="3" name="Content Placeholder 2">
@@ -24885,7 +24880,7 @@
             </p:txBody>
           </p:sp>
         </mc:Choice>
-        <mc:Fallback>
+        <mc:Fallback xmlns="">
           <p:sp>
             <p:nvSpPr>
               <p:cNvPr id="3" name="Content Placeholder 2">
@@ -25014,8 +25009,8 @@
           </a:p>
         </p:txBody>
       </p:sp>
-      <mc:AlternateContent xmlns:mc="http://schemas.openxmlformats.org/markup-compatibility/2006">
-        <mc:Choice xmlns:a14="http://schemas.microsoft.com/office/drawing/2010/main" Requires="a14">
+      <mc:AlternateContent xmlns:mc="http://schemas.openxmlformats.org/markup-compatibility/2006" xmlns:a14="http://schemas.microsoft.com/office/drawing/2010/main">
+        <mc:Choice Requires="a14">
           <p:sp>
             <p:nvSpPr>
               <p:cNvPr id="3" name="Content Placeholder 2">
@@ -25134,7 +25129,7 @@
             </p:txBody>
           </p:sp>
         </mc:Choice>
-        <mc:Fallback>
+        <mc:Fallback xmlns="">
           <p:sp>
             <p:nvSpPr>
               <p:cNvPr id="3" name="Content Placeholder 2">
